--- a/00/yongki/presentation.pptx
+++ b/00/yongki/presentation.pptx
@@ -12903,7 +12903,9 @@
                 <a:solidFill>
                   <a:schemeClr val="tx1"/>
                 </a:solidFill>
-                <a:ea typeface="굴림" panose="020B0600000101010101" pitchFamily="50" charset="-127"/>
+                <a:latin typeface="Malgun Gothic Semilight" panose="020B0502040204020203" pitchFamily="50" charset="-127"/>
+                <a:ea typeface="Malgun Gothic Semilight" panose="020B0502040204020203" pitchFamily="50" charset="-127"/>
+                <a:cs typeface="Malgun Gothic Semilight" panose="020B0502040204020203" pitchFamily="50" charset="-127"/>
               </a:rPr>
               <a:t>코드로 이동</a:t>
             </a:r>
@@ -12911,7 +12913,9 @@
               <a:solidFill>
                 <a:schemeClr val="tx1"/>
               </a:solidFill>
-              <a:ea typeface="굴림" panose="020B0600000101010101" pitchFamily="50" charset="-127"/>
+              <a:latin typeface="Malgun Gothic Semilight" panose="020B0502040204020203" pitchFamily="50" charset="-127"/>
+              <a:ea typeface="Malgun Gothic Semilight" panose="020B0502040204020203" pitchFamily="50" charset="-127"/>
+              <a:cs typeface="Malgun Gothic Semilight" panose="020B0502040204020203" pitchFamily="50" charset="-127"/>
             </a:endParaRPr>
           </a:p>
         </p:txBody>

--- a/00/yongki/presentation.pptx
+++ b/00/yongki/presentation.pptx
@@ -246,7 +246,7 @@
           <a:p>
             <a:fld id="{278A5395-7299-4714-9E5C-8983F2B9A6E7}" type="datetimeFigureOut">
               <a:rPr lang="ko-KR" altLang="en-US" smtClean="0"/>
-              <a:t>2021-12-16</a:t>
+              <a:t>2022-01-15</a:t>
             </a:fld>
             <a:endParaRPr lang="ko-KR" altLang="en-US"/>
           </a:p>
@@ -12731,191 +12731,5882 @@
       </p:cxnSp>
       <p:sp>
         <p:nvSpPr>
-          <p:cNvPr id="9" name="Rectangle 150">
+          <p:cNvPr id="6" name="TextBox 5">
             <a:extLst>
               <a:ext uri="{FF2B5EF4-FFF2-40B4-BE49-F238E27FC236}">
-                <a16:creationId xmlns:a16="http://schemas.microsoft.com/office/drawing/2014/main" id="{08F9ED0C-82E4-4942-AF34-A0317CA817E9}"/>
+                <a16:creationId xmlns:a16="http://schemas.microsoft.com/office/drawing/2014/main" id="{7B8DF151-D7C8-4E73-AF44-1A313020F261}"/>
               </a:ext>
             </a:extLst>
           </p:cNvPr>
-          <p:cNvSpPr txBox="1">
-            <a:spLocks noChangeArrowheads="1"/>
-          </p:cNvSpPr>
+          <p:cNvSpPr txBox="1"/>
           <p:nvPr/>
         </p:nvSpPr>
         <p:spPr>
           <a:xfrm>
-            <a:off x="2159793" y="2781300"/>
-            <a:ext cx="4824413" cy="647700"/>
+            <a:off x="587280" y="1265611"/>
+            <a:ext cx="4572000" cy="4893647"/>
           </a:xfrm>
           <a:prstGeom prst="rect">
             <a:avLst/>
           </a:prstGeom>
+          <a:noFill/>
         </p:spPr>
         <p:txBody>
-          <a:bodyPr anchor="ctr"/>
-          <a:lstStyle>
-            <a:lvl1pPr algn="ctr" rtl="0" eaLnBrk="0" fontAlgn="base" hangingPunct="0">
-              <a:spcBef>
-                <a:spcPct val="0"/>
-              </a:spcBef>
-              <a:spcAft>
-                <a:spcPct val="0"/>
-              </a:spcAft>
-              <a:defRPr sz="4400" kern="1200">
-                <a:solidFill>
-                  <a:schemeClr val="tx2"/>
-                </a:solidFill>
-                <a:latin typeface="맑은 고딕" panose="020B0503020000020004" pitchFamily="50" charset="-127"/>
-                <a:ea typeface="맑은 고딕" panose="020B0503020000020004" pitchFamily="50" charset="-127"/>
-                <a:cs typeface="+mj-cs"/>
-              </a:defRPr>
-            </a:lvl1pPr>
-            <a:lvl2pPr algn="ctr" rtl="0" eaLnBrk="0" fontAlgn="base" hangingPunct="0">
-              <a:spcBef>
-                <a:spcPct val="0"/>
-              </a:spcBef>
-              <a:spcAft>
-                <a:spcPct val="0"/>
-              </a:spcAft>
-              <a:defRPr sz="4400">
-                <a:solidFill>
-                  <a:schemeClr val="tx2"/>
-                </a:solidFill>
-                <a:latin typeface="Arial" panose="020B0604020202020204" pitchFamily="34" charset="0"/>
-                <a:ea typeface="Arial Unicode MS" panose="020B0604020202020204" pitchFamily="50" charset="-127"/>
-                <a:cs typeface="Arial" panose="020B0604020202020204" pitchFamily="34" charset="0"/>
-              </a:defRPr>
-            </a:lvl2pPr>
-            <a:lvl3pPr algn="ctr" rtl="0" eaLnBrk="0" fontAlgn="base" hangingPunct="0">
-              <a:spcBef>
-                <a:spcPct val="0"/>
-              </a:spcBef>
-              <a:spcAft>
-                <a:spcPct val="0"/>
-              </a:spcAft>
-              <a:defRPr sz="4400">
-                <a:solidFill>
-                  <a:schemeClr val="tx2"/>
-                </a:solidFill>
-                <a:latin typeface="Arial" panose="020B0604020202020204" pitchFamily="34" charset="0"/>
-                <a:ea typeface="Arial Unicode MS" panose="020B0604020202020204" pitchFamily="50" charset="-127"/>
-                <a:cs typeface="Arial" panose="020B0604020202020204" pitchFamily="34" charset="0"/>
-              </a:defRPr>
-            </a:lvl3pPr>
-            <a:lvl4pPr algn="ctr" rtl="0" eaLnBrk="0" fontAlgn="base" hangingPunct="0">
-              <a:spcBef>
-                <a:spcPct val="0"/>
-              </a:spcBef>
-              <a:spcAft>
-                <a:spcPct val="0"/>
-              </a:spcAft>
-              <a:defRPr sz="4400">
-                <a:solidFill>
-                  <a:schemeClr val="tx2"/>
-                </a:solidFill>
-                <a:latin typeface="Arial" panose="020B0604020202020204" pitchFamily="34" charset="0"/>
-                <a:ea typeface="Arial Unicode MS" panose="020B0604020202020204" pitchFamily="50" charset="-127"/>
-                <a:cs typeface="Arial" panose="020B0604020202020204" pitchFamily="34" charset="0"/>
-              </a:defRPr>
-            </a:lvl4pPr>
-            <a:lvl5pPr algn="ctr" rtl="0" eaLnBrk="0" fontAlgn="base" hangingPunct="0">
-              <a:spcBef>
-                <a:spcPct val="0"/>
-              </a:spcBef>
-              <a:spcAft>
-                <a:spcPct val="0"/>
-              </a:spcAft>
-              <a:defRPr sz="4400">
-                <a:solidFill>
-                  <a:schemeClr val="tx2"/>
-                </a:solidFill>
-                <a:latin typeface="Arial" panose="020B0604020202020204" pitchFamily="34" charset="0"/>
-                <a:ea typeface="Arial Unicode MS" panose="020B0604020202020204" pitchFamily="50" charset="-127"/>
-                <a:cs typeface="Arial" panose="020B0604020202020204" pitchFamily="34" charset="0"/>
-              </a:defRPr>
-            </a:lvl5pPr>
-            <a:lvl6pPr marL="457200" algn="ctr" rtl="0" fontAlgn="base">
-              <a:spcBef>
-                <a:spcPct val="0"/>
-              </a:spcBef>
-              <a:spcAft>
-                <a:spcPct val="0"/>
-              </a:spcAft>
-              <a:defRPr sz="4400">
-                <a:solidFill>
-                  <a:schemeClr val="tx2"/>
-                </a:solidFill>
-                <a:latin typeface="Arial" panose="020B0604020202020204" pitchFamily="34" charset="0"/>
-                <a:cs typeface="Arial" panose="020B0604020202020204" pitchFamily="34" charset="0"/>
-              </a:defRPr>
-            </a:lvl6pPr>
-            <a:lvl7pPr marL="914400" algn="ctr" rtl="0" fontAlgn="base">
-              <a:spcBef>
-                <a:spcPct val="0"/>
-              </a:spcBef>
-              <a:spcAft>
-                <a:spcPct val="0"/>
-              </a:spcAft>
-              <a:defRPr sz="4400">
-                <a:solidFill>
-                  <a:schemeClr val="tx2"/>
-                </a:solidFill>
-                <a:latin typeface="Arial" panose="020B0604020202020204" pitchFamily="34" charset="0"/>
-                <a:cs typeface="Arial" panose="020B0604020202020204" pitchFamily="34" charset="0"/>
-              </a:defRPr>
-            </a:lvl7pPr>
-            <a:lvl8pPr marL="1371600" algn="ctr" rtl="0" fontAlgn="base">
-              <a:spcBef>
-                <a:spcPct val="0"/>
-              </a:spcBef>
-              <a:spcAft>
-                <a:spcPct val="0"/>
-              </a:spcAft>
-              <a:defRPr sz="4400">
-                <a:solidFill>
-                  <a:schemeClr val="tx2"/>
-                </a:solidFill>
-                <a:latin typeface="Arial" panose="020B0604020202020204" pitchFamily="34" charset="0"/>
-                <a:cs typeface="Arial" panose="020B0604020202020204" pitchFamily="34" charset="0"/>
-              </a:defRPr>
-            </a:lvl8pPr>
-            <a:lvl9pPr marL="1828800" algn="ctr" rtl="0" fontAlgn="base">
-              <a:spcBef>
-                <a:spcPct val="0"/>
-              </a:spcBef>
-              <a:spcAft>
-                <a:spcPct val="0"/>
-              </a:spcAft>
-              <a:defRPr sz="4400">
-                <a:solidFill>
-                  <a:schemeClr val="tx2"/>
-                </a:solidFill>
-                <a:latin typeface="Arial" panose="020B0604020202020204" pitchFamily="34" charset="0"/>
-                <a:cs typeface="Arial" panose="020B0604020202020204" pitchFamily="34" charset="0"/>
-              </a:defRPr>
-            </a:lvl9pPr>
-          </a:lstStyle>
-          <a:p>
-            <a:pPr eaLnBrk="1" hangingPunct="1"/>
-            <a:r>
-              <a:rPr lang="ko-KR" altLang="en-US" sz="3200" b="1">
-                <a:solidFill>
-                  <a:schemeClr val="tx1"/>
-                </a:solidFill>
-                <a:latin typeface="Malgun Gothic Semilight" panose="020B0502040204020203" pitchFamily="50" charset="-127"/>
-                <a:ea typeface="Malgun Gothic Semilight" panose="020B0502040204020203" pitchFamily="50" charset="-127"/>
-                <a:cs typeface="Malgun Gothic Semilight" panose="020B0502040204020203" pitchFamily="50" charset="-127"/>
-              </a:rPr>
-              <a:t>코드로 이동</a:t>
-            </a:r>
-            <a:endParaRPr lang="es-ES" altLang="ko-KR" sz="3200" b="1">
+          <a:bodyPr wrap="square">
+            <a:spAutoFit/>
+          </a:bodyPr>
+          <a:lstStyle/>
+          <a:p>
+            <a:r>
+              <a:rPr lang="en-US" altLang="ko-KR" sz="800" b="0">
+                <a:solidFill>
+                  <a:srgbClr val="7A3E9D"/>
+                </a:solidFill>
+                <a:effectLst/>
+                <a:latin typeface="D2Coding" panose="020B0609020101020101" pitchFamily="49" charset="-127"/>
+                <a:ea typeface="D2Coding" panose="020B0609020101020101" pitchFamily="49" charset="-127"/>
+              </a:rPr>
+              <a:t>const</a:t>
+            </a:r>
+            <a:r>
+              <a:rPr lang="en-US" altLang="ko-KR" sz="800" b="0">
+                <a:solidFill>
+                  <a:srgbClr val="333333"/>
+                </a:solidFill>
+                <a:effectLst/>
+                <a:latin typeface="D2Coding" panose="020B0609020101020101" pitchFamily="49" charset="-127"/>
+                <a:ea typeface="D2Coding" panose="020B0609020101020101" pitchFamily="49" charset="-127"/>
+              </a:rPr>
+              <a:t> </a:t>
+            </a:r>
+            <a:r>
+              <a:rPr lang="en-US" altLang="ko-KR" sz="800" b="1">
+                <a:solidFill>
+                  <a:srgbClr val="7A3E9D"/>
+                </a:solidFill>
+                <a:effectLst/>
+                <a:latin typeface="D2Coding" panose="020B0609020101020101" pitchFamily="49" charset="-127"/>
+                <a:ea typeface="D2Coding" panose="020B0609020101020101" pitchFamily="49" charset="-127"/>
+              </a:rPr>
+              <a:t>util</a:t>
+            </a:r>
+            <a:r>
+              <a:rPr lang="en-US" altLang="ko-KR" sz="800" b="0">
+                <a:solidFill>
+                  <a:srgbClr val="333333"/>
+                </a:solidFill>
+                <a:effectLst/>
+                <a:latin typeface="D2Coding" panose="020B0609020101020101" pitchFamily="49" charset="-127"/>
+                <a:ea typeface="D2Coding" panose="020B0609020101020101" pitchFamily="49" charset="-127"/>
+              </a:rPr>
+              <a:t> </a:t>
+            </a:r>
+            <a:r>
+              <a:rPr lang="en-US" altLang="ko-KR" sz="800" b="0">
+                <a:solidFill>
+                  <a:srgbClr val="777777"/>
+                </a:solidFill>
+                <a:effectLst/>
+                <a:latin typeface="D2Coding" panose="020B0609020101020101" pitchFamily="49" charset="-127"/>
+                <a:ea typeface="D2Coding" panose="020B0609020101020101" pitchFamily="49" charset="-127"/>
+              </a:rPr>
+              <a:t>=</a:t>
+            </a:r>
+            <a:r>
+              <a:rPr lang="en-US" altLang="ko-KR" sz="800" b="0">
+                <a:solidFill>
+                  <a:srgbClr val="333333"/>
+                </a:solidFill>
+                <a:effectLst/>
+                <a:latin typeface="D2Coding" panose="020B0609020101020101" pitchFamily="49" charset="-127"/>
+                <a:ea typeface="D2Coding" panose="020B0609020101020101" pitchFamily="49" charset="-127"/>
+              </a:rPr>
+              <a:t> </a:t>
+            </a:r>
+            <a:r>
+              <a:rPr lang="en-US" altLang="ko-KR" sz="800" b="1">
+                <a:solidFill>
+                  <a:srgbClr val="AA3731"/>
+                </a:solidFill>
+                <a:effectLst/>
+                <a:latin typeface="D2Coding" panose="020B0609020101020101" pitchFamily="49" charset="-127"/>
+                <a:ea typeface="D2Coding" panose="020B0609020101020101" pitchFamily="49" charset="-127"/>
+              </a:rPr>
+              <a:t>require</a:t>
+            </a:r>
+            <a:r>
+              <a:rPr lang="en-US" altLang="ko-KR" sz="800" b="0">
+                <a:solidFill>
+                  <a:srgbClr val="333333"/>
+                </a:solidFill>
+                <a:effectLst/>
+                <a:latin typeface="D2Coding" panose="020B0609020101020101" pitchFamily="49" charset="-127"/>
+                <a:ea typeface="D2Coding" panose="020B0609020101020101" pitchFamily="49" charset="-127"/>
+              </a:rPr>
+              <a:t>(</a:t>
+            </a:r>
+            <a:r>
+              <a:rPr lang="en-US" altLang="ko-KR" sz="800" b="0">
+                <a:solidFill>
+                  <a:srgbClr val="777777"/>
+                </a:solidFill>
+                <a:effectLst/>
+                <a:latin typeface="D2Coding" panose="020B0609020101020101" pitchFamily="49" charset="-127"/>
+                <a:ea typeface="D2Coding" panose="020B0609020101020101" pitchFamily="49" charset="-127"/>
+              </a:rPr>
+              <a:t>'</a:t>
+            </a:r>
+            <a:r>
+              <a:rPr lang="en-US" altLang="ko-KR" sz="800" b="0">
+                <a:solidFill>
+                  <a:srgbClr val="448C27"/>
+                </a:solidFill>
+                <a:effectLst/>
+                <a:latin typeface="D2Coding" panose="020B0609020101020101" pitchFamily="49" charset="-127"/>
+                <a:ea typeface="D2Coding" panose="020B0609020101020101" pitchFamily="49" charset="-127"/>
+              </a:rPr>
+              <a:t>util</a:t>
+            </a:r>
+            <a:r>
+              <a:rPr lang="en-US" altLang="ko-KR" sz="800" b="0">
+                <a:solidFill>
+                  <a:srgbClr val="777777"/>
+                </a:solidFill>
+                <a:effectLst/>
+                <a:latin typeface="D2Coding" panose="020B0609020101020101" pitchFamily="49" charset="-127"/>
+                <a:ea typeface="D2Coding" panose="020B0609020101020101" pitchFamily="49" charset="-127"/>
+              </a:rPr>
+              <a:t>'</a:t>
+            </a:r>
+            <a:r>
+              <a:rPr lang="en-US" altLang="ko-KR" sz="800" b="0">
+                <a:solidFill>
+                  <a:srgbClr val="333333"/>
+                </a:solidFill>
+                <a:effectLst/>
+                <a:latin typeface="D2Coding" panose="020B0609020101020101" pitchFamily="49" charset="-127"/>
+                <a:ea typeface="D2Coding" panose="020B0609020101020101" pitchFamily="49" charset="-127"/>
+              </a:rPr>
+              <a:t>)</a:t>
+            </a:r>
+            <a:r>
+              <a:rPr lang="en-US" altLang="ko-KR" sz="800" b="0">
+                <a:solidFill>
+                  <a:srgbClr val="777777"/>
+                </a:solidFill>
+                <a:effectLst/>
+                <a:latin typeface="D2Coding" panose="020B0609020101020101" pitchFamily="49" charset="-127"/>
+                <a:ea typeface="D2Coding" panose="020B0609020101020101" pitchFamily="49" charset="-127"/>
+              </a:rPr>
+              <a:t>;</a:t>
+            </a:r>
+            <a:endParaRPr lang="en-US" altLang="ko-KR" sz="800" b="0">
               <a:solidFill>
-                <a:schemeClr val="tx1"/>
+                <a:srgbClr val="333333"/>
               </a:solidFill>
-              <a:latin typeface="Malgun Gothic Semilight" panose="020B0502040204020203" pitchFamily="50" charset="-127"/>
-              <a:ea typeface="Malgun Gothic Semilight" panose="020B0502040204020203" pitchFamily="50" charset="-127"/>
-              <a:cs typeface="Malgun Gothic Semilight" panose="020B0502040204020203" pitchFamily="50" charset="-127"/>
+              <a:effectLst/>
+              <a:latin typeface="D2Coding" panose="020B0609020101020101" pitchFamily="49" charset="-127"/>
+              <a:ea typeface="D2Coding" panose="020B0609020101020101" pitchFamily="49" charset="-127"/>
+            </a:endParaRPr>
+          </a:p>
+          <a:p>
+            <a:br>
+              <a:rPr lang="en-US" altLang="ko-KR" sz="800" b="0">
+                <a:solidFill>
+                  <a:srgbClr val="333333"/>
+                </a:solidFill>
+                <a:effectLst/>
+                <a:latin typeface="D2Coding" panose="020B0609020101020101" pitchFamily="49" charset="-127"/>
+                <a:ea typeface="D2Coding" panose="020B0609020101020101" pitchFamily="49" charset="-127"/>
+              </a:rPr>
+            </a:br>
+            <a:r>
+              <a:rPr lang="en-US" altLang="ko-KR" sz="800" b="0">
+                <a:solidFill>
+                  <a:srgbClr val="7A3E9D"/>
+                </a:solidFill>
+                <a:effectLst/>
+                <a:latin typeface="D2Coding" panose="020B0609020101020101" pitchFamily="49" charset="-127"/>
+                <a:ea typeface="D2Coding" panose="020B0609020101020101" pitchFamily="49" charset="-127"/>
+              </a:rPr>
+              <a:t>class</a:t>
+            </a:r>
+            <a:r>
+              <a:rPr lang="en-US" altLang="ko-KR" sz="800" b="0">
+                <a:solidFill>
+                  <a:srgbClr val="333333"/>
+                </a:solidFill>
+                <a:effectLst/>
+                <a:latin typeface="D2Coding" panose="020B0609020101020101" pitchFamily="49" charset="-127"/>
+                <a:ea typeface="D2Coding" panose="020B0609020101020101" pitchFamily="49" charset="-127"/>
+              </a:rPr>
+              <a:t> </a:t>
+            </a:r>
+            <a:r>
+              <a:rPr lang="ko-KR" altLang="en-US" sz="800" b="1">
+                <a:solidFill>
+                  <a:srgbClr val="7A3E9D"/>
+                </a:solidFill>
+                <a:effectLst/>
+                <a:latin typeface="D2Coding" panose="020B0609020101020101" pitchFamily="49" charset="-127"/>
+                <a:ea typeface="D2Coding" panose="020B0609020101020101" pitchFamily="49" charset="-127"/>
+              </a:rPr>
+              <a:t>돌고래</a:t>
+            </a:r>
+            <a:r>
+              <a:rPr lang="ko-KR" altLang="en-US" sz="800" b="0">
+                <a:solidFill>
+                  <a:srgbClr val="333333"/>
+                </a:solidFill>
+                <a:effectLst/>
+                <a:latin typeface="D2Coding" panose="020B0609020101020101" pitchFamily="49" charset="-127"/>
+                <a:ea typeface="D2Coding" panose="020B0609020101020101" pitchFamily="49" charset="-127"/>
+              </a:rPr>
+              <a:t> </a:t>
+            </a:r>
+            <a:r>
+              <a:rPr lang="en-US" altLang="ko-KR" sz="800" b="0">
+                <a:solidFill>
+                  <a:srgbClr val="777777"/>
+                </a:solidFill>
+                <a:effectLst/>
+                <a:latin typeface="D2Coding" panose="020B0609020101020101" pitchFamily="49" charset="-127"/>
+                <a:ea typeface="D2Coding" panose="020B0609020101020101" pitchFamily="49" charset="-127"/>
+              </a:rPr>
+              <a:t>{</a:t>
+            </a:r>
+            <a:endParaRPr lang="ko-KR" altLang="en-US" sz="800" b="0">
+              <a:solidFill>
+                <a:srgbClr val="333333"/>
+              </a:solidFill>
+              <a:effectLst/>
+              <a:latin typeface="D2Coding" panose="020B0609020101020101" pitchFamily="49" charset="-127"/>
+              <a:ea typeface="D2Coding" panose="020B0609020101020101" pitchFamily="49" charset="-127"/>
+            </a:endParaRPr>
+          </a:p>
+          <a:p>
+            <a:r>
+              <a:rPr lang="ko-KR" altLang="en-US" sz="800" b="0">
+                <a:solidFill>
+                  <a:srgbClr val="333333"/>
+                </a:solidFill>
+                <a:effectLst/>
+                <a:latin typeface="D2Coding" panose="020B0609020101020101" pitchFamily="49" charset="-127"/>
+                <a:ea typeface="D2Coding" panose="020B0609020101020101" pitchFamily="49" charset="-127"/>
+              </a:rPr>
+              <a:t>  </a:t>
+            </a:r>
+            <a:r>
+              <a:rPr lang="en-US" altLang="ko-KR" sz="800" b="0">
+                <a:solidFill>
+                  <a:srgbClr val="7A3E9D"/>
+                </a:solidFill>
+                <a:effectLst/>
+                <a:latin typeface="D2Coding" panose="020B0609020101020101" pitchFamily="49" charset="-127"/>
+                <a:ea typeface="D2Coding" panose="020B0609020101020101" pitchFamily="49" charset="-127"/>
+              </a:rPr>
+              <a:t>constructor</a:t>
+            </a:r>
+            <a:r>
+              <a:rPr lang="en-US" altLang="ko-KR" sz="800" b="0">
+                <a:solidFill>
+                  <a:srgbClr val="777777"/>
+                </a:solidFill>
+                <a:effectLst/>
+                <a:latin typeface="D2Coding" panose="020B0609020101020101" pitchFamily="49" charset="-127"/>
+                <a:ea typeface="D2Coding" panose="020B0609020101020101" pitchFamily="49" charset="-127"/>
+              </a:rPr>
+              <a:t>(</a:t>
+            </a:r>
+            <a:r>
+              <a:rPr lang="en-US" altLang="ko-KR" sz="800" b="0">
+                <a:solidFill>
+                  <a:srgbClr val="7A3E9D"/>
+                </a:solidFill>
+                <a:effectLst/>
+                <a:latin typeface="D2Coding" panose="020B0609020101020101" pitchFamily="49" charset="-127"/>
+                <a:ea typeface="D2Coding" panose="020B0609020101020101" pitchFamily="49" charset="-127"/>
+              </a:rPr>
+              <a:t>data</a:t>
+            </a:r>
+            <a:r>
+              <a:rPr lang="en-US" altLang="ko-KR" sz="800" b="0">
+                <a:solidFill>
+                  <a:srgbClr val="777777"/>
+                </a:solidFill>
+                <a:effectLst/>
+                <a:latin typeface="D2Coding" panose="020B0609020101020101" pitchFamily="49" charset="-127"/>
+                <a:ea typeface="D2Coding" panose="020B0609020101020101" pitchFamily="49" charset="-127"/>
+              </a:rPr>
+              <a:t>)</a:t>
+            </a:r>
+            <a:r>
+              <a:rPr lang="en-US" altLang="ko-KR" sz="800" b="0">
+                <a:solidFill>
+                  <a:srgbClr val="333333"/>
+                </a:solidFill>
+                <a:effectLst/>
+                <a:latin typeface="D2Coding" panose="020B0609020101020101" pitchFamily="49" charset="-127"/>
+                <a:ea typeface="D2Coding" panose="020B0609020101020101" pitchFamily="49" charset="-127"/>
+              </a:rPr>
+              <a:t> </a:t>
+            </a:r>
+            <a:r>
+              <a:rPr lang="en-US" altLang="ko-KR" sz="800" b="0">
+                <a:solidFill>
+                  <a:srgbClr val="777777"/>
+                </a:solidFill>
+                <a:effectLst/>
+                <a:latin typeface="D2Coding" panose="020B0609020101020101" pitchFamily="49" charset="-127"/>
+                <a:ea typeface="D2Coding" panose="020B0609020101020101" pitchFamily="49" charset="-127"/>
+              </a:rPr>
+              <a:t>{</a:t>
+            </a:r>
+            <a:endParaRPr lang="en-US" altLang="ko-KR" sz="800" b="0">
+              <a:solidFill>
+                <a:srgbClr val="333333"/>
+              </a:solidFill>
+              <a:effectLst/>
+              <a:latin typeface="D2Coding" panose="020B0609020101020101" pitchFamily="49" charset="-127"/>
+              <a:ea typeface="D2Coding" panose="020B0609020101020101" pitchFamily="49" charset="-127"/>
+            </a:endParaRPr>
+          </a:p>
+          <a:p>
+            <a:r>
+              <a:rPr lang="en-US" altLang="ko-KR" sz="800" b="0">
+                <a:solidFill>
+                  <a:srgbClr val="333333"/>
+                </a:solidFill>
+                <a:effectLst/>
+                <a:latin typeface="D2Coding" panose="020B0609020101020101" pitchFamily="49" charset="-127"/>
+                <a:ea typeface="D2Coding" panose="020B0609020101020101" pitchFamily="49" charset="-127"/>
+              </a:rPr>
+              <a:t>    </a:t>
+            </a:r>
+            <a:r>
+              <a:rPr lang="en-US" altLang="ko-KR" sz="800" b="0">
+                <a:solidFill>
+                  <a:srgbClr val="9C5D27"/>
+                </a:solidFill>
+                <a:effectLst/>
+                <a:latin typeface="D2Coding" panose="020B0609020101020101" pitchFamily="49" charset="-127"/>
+                <a:ea typeface="D2Coding" panose="020B0609020101020101" pitchFamily="49" charset="-127"/>
+              </a:rPr>
+              <a:t>this</a:t>
+            </a:r>
+            <a:r>
+              <a:rPr lang="en-US" altLang="ko-KR" sz="800" b="0">
+                <a:solidFill>
+                  <a:srgbClr val="777777"/>
+                </a:solidFill>
+                <a:effectLst/>
+                <a:latin typeface="D2Coding" panose="020B0609020101020101" pitchFamily="49" charset="-127"/>
+                <a:ea typeface="D2Coding" panose="020B0609020101020101" pitchFamily="49" charset="-127"/>
+              </a:rPr>
+              <a:t>.</a:t>
+            </a:r>
+            <a:r>
+              <a:rPr lang="en-US" altLang="ko-KR" sz="800" b="0">
+                <a:solidFill>
+                  <a:srgbClr val="7A3E9D"/>
+                </a:solidFill>
+                <a:effectLst/>
+                <a:latin typeface="D2Coding" panose="020B0609020101020101" pitchFamily="49" charset="-127"/>
+                <a:ea typeface="D2Coding" panose="020B0609020101020101" pitchFamily="49" charset="-127"/>
+              </a:rPr>
+              <a:t>_classificationDelegate</a:t>
+            </a:r>
+            <a:r>
+              <a:rPr lang="en-US" altLang="ko-KR" sz="800" b="0">
+                <a:solidFill>
+                  <a:srgbClr val="333333"/>
+                </a:solidFill>
+                <a:effectLst/>
+                <a:latin typeface="D2Coding" panose="020B0609020101020101" pitchFamily="49" charset="-127"/>
+                <a:ea typeface="D2Coding" panose="020B0609020101020101" pitchFamily="49" charset="-127"/>
+              </a:rPr>
+              <a:t> </a:t>
+            </a:r>
+            <a:r>
+              <a:rPr lang="en-US" altLang="ko-KR" sz="800" b="0">
+                <a:solidFill>
+                  <a:srgbClr val="777777"/>
+                </a:solidFill>
+                <a:effectLst/>
+                <a:latin typeface="D2Coding" panose="020B0609020101020101" pitchFamily="49" charset="-127"/>
+                <a:ea typeface="D2Coding" panose="020B0609020101020101" pitchFamily="49" charset="-127"/>
+              </a:rPr>
+              <a:t>=</a:t>
+            </a:r>
+            <a:r>
+              <a:rPr lang="en-US" altLang="ko-KR" sz="800" b="0">
+                <a:solidFill>
+                  <a:srgbClr val="333333"/>
+                </a:solidFill>
+                <a:effectLst/>
+                <a:latin typeface="D2Coding" panose="020B0609020101020101" pitchFamily="49" charset="-127"/>
+                <a:ea typeface="D2Coding" panose="020B0609020101020101" pitchFamily="49" charset="-127"/>
+              </a:rPr>
+              <a:t> </a:t>
+            </a:r>
+            <a:r>
+              <a:rPr lang="en-US" altLang="ko-KR" sz="800" b="0">
+                <a:solidFill>
+                  <a:srgbClr val="9C5D27"/>
+                </a:solidFill>
+                <a:effectLst/>
+                <a:latin typeface="D2Coding" panose="020B0609020101020101" pitchFamily="49" charset="-127"/>
+                <a:ea typeface="D2Coding" panose="020B0609020101020101" pitchFamily="49" charset="-127"/>
+              </a:rPr>
+              <a:t>this</a:t>
+            </a:r>
+            <a:r>
+              <a:rPr lang="en-US" altLang="ko-KR" sz="800" b="0">
+                <a:solidFill>
+                  <a:srgbClr val="777777"/>
+                </a:solidFill>
+                <a:effectLst/>
+                <a:latin typeface="D2Coding" panose="020B0609020101020101" pitchFamily="49" charset="-127"/>
+                <a:ea typeface="D2Coding" panose="020B0609020101020101" pitchFamily="49" charset="-127"/>
+              </a:rPr>
+              <a:t>.</a:t>
+            </a:r>
+            <a:r>
+              <a:rPr lang="en-US" altLang="ko-KR" sz="800" b="1">
+                <a:solidFill>
+                  <a:srgbClr val="AA3731"/>
+                </a:solidFill>
+                <a:effectLst/>
+                <a:latin typeface="D2Coding" panose="020B0609020101020101" pitchFamily="49" charset="-127"/>
+                <a:ea typeface="D2Coding" panose="020B0609020101020101" pitchFamily="49" charset="-127"/>
+              </a:rPr>
+              <a:t>selectSpeciesDelegate</a:t>
+            </a:r>
+            <a:r>
+              <a:rPr lang="en-US" altLang="ko-KR" sz="800" b="0">
+                <a:solidFill>
+                  <a:srgbClr val="333333"/>
+                </a:solidFill>
+                <a:effectLst/>
+                <a:latin typeface="D2Coding" panose="020B0609020101020101" pitchFamily="49" charset="-127"/>
+                <a:ea typeface="D2Coding" panose="020B0609020101020101" pitchFamily="49" charset="-127"/>
+              </a:rPr>
+              <a:t>(</a:t>
+            </a:r>
+            <a:r>
+              <a:rPr lang="en-US" altLang="ko-KR" sz="800" b="0">
+                <a:solidFill>
+                  <a:srgbClr val="7A3E9D"/>
+                </a:solidFill>
+                <a:effectLst/>
+                <a:latin typeface="D2Coding" panose="020B0609020101020101" pitchFamily="49" charset="-127"/>
+                <a:ea typeface="D2Coding" panose="020B0609020101020101" pitchFamily="49" charset="-127"/>
+              </a:rPr>
+              <a:t>data</a:t>
+            </a:r>
+            <a:r>
+              <a:rPr lang="en-US" altLang="ko-KR" sz="800" b="0">
+                <a:solidFill>
+                  <a:srgbClr val="333333"/>
+                </a:solidFill>
+                <a:effectLst/>
+                <a:latin typeface="D2Coding" panose="020B0609020101020101" pitchFamily="49" charset="-127"/>
+                <a:ea typeface="D2Coding" panose="020B0609020101020101" pitchFamily="49" charset="-127"/>
+              </a:rPr>
+              <a:t>)</a:t>
+            </a:r>
+            <a:r>
+              <a:rPr lang="en-US" altLang="ko-KR" sz="800" b="0">
+                <a:solidFill>
+                  <a:srgbClr val="777777"/>
+                </a:solidFill>
+                <a:effectLst/>
+                <a:latin typeface="D2Coding" panose="020B0609020101020101" pitchFamily="49" charset="-127"/>
+                <a:ea typeface="D2Coding" panose="020B0609020101020101" pitchFamily="49" charset="-127"/>
+              </a:rPr>
+              <a:t>;</a:t>
+            </a:r>
+            <a:endParaRPr lang="en-US" altLang="ko-KR" sz="800" b="0">
+              <a:solidFill>
+                <a:srgbClr val="333333"/>
+              </a:solidFill>
+              <a:effectLst/>
+              <a:latin typeface="D2Coding" panose="020B0609020101020101" pitchFamily="49" charset="-127"/>
+              <a:ea typeface="D2Coding" panose="020B0609020101020101" pitchFamily="49" charset="-127"/>
+            </a:endParaRPr>
+          </a:p>
+          <a:p>
+            <a:r>
+              <a:rPr lang="en-US" altLang="ko-KR" sz="800" b="0">
+                <a:solidFill>
+                  <a:srgbClr val="333333"/>
+                </a:solidFill>
+                <a:effectLst/>
+                <a:latin typeface="D2Coding" panose="020B0609020101020101" pitchFamily="49" charset="-127"/>
+                <a:ea typeface="D2Coding" panose="020B0609020101020101" pitchFamily="49" charset="-127"/>
+              </a:rPr>
+              <a:t>  </a:t>
+            </a:r>
+            <a:r>
+              <a:rPr lang="en-US" altLang="ko-KR" sz="800" b="0">
+                <a:solidFill>
+                  <a:srgbClr val="777777"/>
+                </a:solidFill>
+                <a:effectLst/>
+                <a:latin typeface="D2Coding" panose="020B0609020101020101" pitchFamily="49" charset="-127"/>
+                <a:ea typeface="D2Coding" panose="020B0609020101020101" pitchFamily="49" charset="-127"/>
+              </a:rPr>
+              <a:t>}</a:t>
+            </a:r>
+            <a:endParaRPr lang="en-US" altLang="ko-KR" sz="800" b="0">
+              <a:solidFill>
+                <a:srgbClr val="333333"/>
+              </a:solidFill>
+              <a:effectLst/>
+              <a:latin typeface="D2Coding" panose="020B0609020101020101" pitchFamily="49" charset="-127"/>
+              <a:ea typeface="D2Coding" panose="020B0609020101020101" pitchFamily="49" charset="-127"/>
+            </a:endParaRPr>
+          </a:p>
+          <a:p>
+            <a:br>
+              <a:rPr lang="en-US" altLang="ko-KR" sz="800" b="0">
+                <a:solidFill>
+                  <a:srgbClr val="333333"/>
+                </a:solidFill>
+                <a:effectLst/>
+                <a:latin typeface="D2Coding" panose="020B0609020101020101" pitchFamily="49" charset="-127"/>
+                <a:ea typeface="D2Coding" panose="020B0609020101020101" pitchFamily="49" charset="-127"/>
+              </a:rPr>
+            </a:br>
+            <a:r>
+              <a:rPr lang="en-US" altLang="ko-KR" sz="800" b="0">
+                <a:solidFill>
+                  <a:srgbClr val="333333"/>
+                </a:solidFill>
+                <a:effectLst/>
+                <a:latin typeface="D2Coding" panose="020B0609020101020101" pitchFamily="49" charset="-127"/>
+                <a:ea typeface="D2Coding" panose="020B0609020101020101" pitchFamily="49" charset="-127"/>
+              </a:rPr>
+              <a:t>  </a:t>
+            </a:r>
+            <a:r>
+              <a:rPr lang="en-US" altLang="ko-KR" sz="800" b="1">
+                <a:solidFill>
+                  <a:srgbClr val="AA3731"/>
+                </a:solidFill>
+                <a:effectLst/>
+                <a:latin typeface="D2Coding" panose="020B0609020101020101" pitchFamily="49" charset="-127"/>
+                <a:ea typeface="D2Coding" panose="020B0609020101020101" pitchFamily="49" charset="-127"/>
+              </a:rPr>
+              <a:t>selectSpeciesDelegate</a:t>
+            </a:r>
+            <a:r>
+              <a:rPr lang="en-US" altLang="ko-KR" sz="800" b="0">
+                <a:solidFill>
+                  <a:srgbClr val="777777"/>
+                </a:solidFill>
+                <a:effectLst/>
+                <a:latin typeface="D2Coding" panose="020B0609020101020101" pitchFamily="49" charset="-127"/>
+                <a:ea typeface="D2Coding" panose="020B0609020101020101" pitchFamily="49" charset="-127"/>
+              </a:rPr>
+              <a:t>(</a:t>
+            </a:r>
+            <a:r>
+              <a:rPr lang="en-US" altLang="ko-KR" sz="800" b="0">
+                <a:solidFill>
+                  <a:srgbClr val="7A3E9D"/>
+                </a:solidFill>
+                <a:effectLst/>
+                <a:latin typeface="D2Coding" panose="020B0609020101020101" pitchFamily="49" charset="-127"/>
+                <a:ea typeface="D2Coding" panose="020B0609020101020101" pitchFamily="49" charset="-127"/>
+              </a:rPr>
+              <a:t>data</a:t>
+            </a:r>
+            <a:r>
+              <a:rPr lang="en-US" altLang="ko-KR" sz="800" b="0">
+                <a:solidFill>
+                  <a:srgbClr val="777777"/>
+                </a:solidFill>
+                <a:effectLst/>
+                <a:latin typeface="D2Coding" panose="020B0609020101020101" pitchFamily="49" charset="-127"/>
+                <a:ea typeface="D2Coding" panose="020B0609020101020101" pitchFamily="49" charset="-127"/>
+              </a:rPr>
+              <a:t>)</a:t>
+            </a:r>
+            <a:r>
+              <a:rPr lang="en-US" altLang="ko-KR" sz="800" b="0">
+                <a:solidFill>
+                  <a:srgbClr val="333333"/>
+                </a:solidFill>
+                <a:effectLst/>
+                <a:latin typeface="D2Coding" panose="020B0609020101020101" pitchFamily="49" charset="-127"/>
+                <a:ea typeface="D2Coding" panose="020B0609020101020101" pitchFamily="49" charset="-127"/>
+              </a:rPr>
+              <a:t> </a:t>
+            </a:r>
+            <a:r>
+              <a:rPr lang="en-US" altLang="ko-KR" sz="800" b="0">
+                <a:solidFill>
+                  <a:srgbClr val="777777"/>
+                </a:solidFill>
+                <a:effectLst/>
+                <a:latin typeface="D2Coding" panose="020B0609020101020101" pitchFamily="49" charset="-127"/>
+                <a:ea typeface="D2Coding" panose="020B0609020101020101" pitchFamily="49" charset="-127"/>
+              </a:rPr>
+              <a:t>{</a:t>
+            </a:r>
+            <a:endParaRPr lang="en-US" altLang="ko-KR" sz="800" b="0">
+              <a:solidFill>
+                <a:srgbClr val="333333"/>
+              </a:solidFill>
+              <a:effectLst/>
+              <a:latin typeface="D2Coding" panose="020B0609020101020101" pitchFamily="49" charset="-127"/>
+              <a:ea typeface="D2Coding" panose="020B0609020101020101" pitchFamily="49" charset="-127"/>
+            </a:endParaRPr>
+          </a:p>
+          <a:p>
+            <a:r>
+              <a:rPr lang="en-US" altLang="ko-KR" sz="800" b="0">
+                <a:solidFill>
+                  <a:srgbClr val="333333"/>
+                </a:solidFill>
+                <a:effectLst/>
+                <a:latin typeface="D2Coding" panose="020B0609020101020101" pitchFamily="49" charset="-127"/>
+                <a:ea typeface="D2Coding" panose="020B0609020101020101" pitchFamily="49" charset="-127"/>
+              </a:rPr>
+              <a:t>    </a:t>
+            </a:r>
+            <a:r>
+              <a:rPr lang="en-US" altLang="ko-KR" sz="800" b="0">
+                <a:solidFill>
+                  <a:srgbClr val="4B69C6"/>
+                </a:solidFill>
+                <a:effectLst/>
+                <a:latin typeface="D2Coding" panose="020B0609020101020101" pitchFamily="49" charset="-127"/>
+                <a:ea typeface="D2Coding" panose="020B0609020101020101" pitchFamily="49" charset="-127"/>
+              </a:rPr>
+              <a:t>switch</a:t>
+            </a:r>
+            <a:r>
+              <a:rPr lang="en-US" altLang="ko-KR" sz="800" b="0">
+                <a:solidFill>
+                  <a:srgbClr val="333333"/>
+                </a:solidFill>
+                <a:effectLst/>
+                <a:latin typeface="D2Coding" panose="020B0609020101020101" pitchFamily="49" charset="-127"/>
+                <a:ea typeface="D2Coding" panose="020B0609020101020101" pitchFamily="49" charset="-127"/>
+              </a:rPr>
+              <a:t> (</a:t>
+            </a:r>
+            <a:r>
+              <a:rPr lang="en-US" altLang="ko-KR" sz="800" b="0">
+                <a:solidFill>
+                  <a:srgbClr val="7A3E9D"/>
+                </a:solidFill>
+                <a:effectLst/>
+                <a:latin typeface="D2Coding" panose="020B0609020101020101" pitchFamily="49" charset="-127"/>
+                <a:ea typeface="D2Coding" panose="020B0609020101020101" pitchFamily="49" charset="-127"/>
+              </a:rPr>
+              <a:t>data</a:t>
+            </a:r>
+            <a:r>
+              <a:rPr lang="en-US" altLang="ko-KR" sz="800" b="0">
+                <a:solidFill>
+                  <a:srgbClr val="777777"/>
+                </a:solidFill>
+                <a:effectLst/>
+                <a:latin typeface="D2Coding" panose="020B0609020101020101" pitchFamily="49" charset="-127"/>
+                <a:ea typeface="D2Coding" panose="020B0609020101020101" pitchFamily="49" charset="-127"/>
+              </a:rPr>
+              <a:t>.</a:t>
+            </a:r>
+            <a:r>
+              <a:rPr lang="en-US" altLang="ko-KR" sz="800" b="0">
+                <a:solidFill>
+                  <a:srgbClr val="7A3E9D"/>
+                </a:solidFill>
+                <a:effectLst/>
+                <a:latin typeface="D2Coding" panose="020B0609020101020101" pitchFamily="49" charset="-127"/>
+                <a:ea typeface="D2Coding" panose="020B0609020101020101" pitchFamily="49" charset="-127"/>
+              </a:rPr>
+              <a:t>type</a:t>
+            </a:r>
+            <a:r>
+              <a:rPr lang="en-US" altLang="ko-KR" sz="800" b="0">
+                <a:solidFill>
+                  <a:srgbClr val="333333"/>
+                </a:solidFill>
+                <a:effectLst/>
+                <a:latin typeface="D2Coding" panose="020B0609020101020101" pitchFamily="49" charset="-127"/>
+                <a:ea typeface="D2Coding" panose="020B0609020101020101" pitchFamily="49" charset="-127"/>
+              </a:rPr>
+              <a:t>) </a:t>
+            </a:r>
+            <a:r>
+              <a:rPr lang="en-US" altLang="ko-KR" sz="800" b="0">
+                <a:solidFill>
+                  <a:srgbClr val="777777"/>
+                </a:solidFill>
+                <a:effectLst/>
+                <a:latin typeface="D2Coding" panose="020B0609020101020101" pitchFamily="49" charset="-127"/>
+                <a:ea typeface="D2Coding" panose="020B0609020101020101" pitchFamily="49" charset="-127"/>
+              </a:rPr>
+              <a:t>{</a:t>
+            </a:r>
+            <a:endParaRPr lang="en-US" altLang="ko-KR" sz="800" b="0">
+              <a:solidFill>
+                <a:srgbClr val="333333"/>
+              </a:solidFill>
+              <a:effectLst/>
+              <a:latin typeface="D2Coding" panose="020B0609020101020101" pitchFamily="49" charset="-127"/>
+              <a:ea typeface="D2Coding" panose="020B0609020101020101" pitchFamily="49" charset="-127"/>
+            </a:endParaRPr>
+          </a:p>
+          <a:p>
+            <a:r>
+              <a:rPr lang="en-US" altLang="ko-KR" sz="800" b="0">
+                <a:solidFill>
+                  <a:srgbClr val="333333"/>
+                </a:solidFill>
+                <a:effectLst/>
+                <a:latin typeface="D2Coding" panose="020B0609020101020101" pitchFamily="49" charset="-127"/>
+                <a:ea typeface="D2Coding" panose="020B0609020101020101" pitchFamily="49" charset="-127"/>
+              </a:rPr>
+              <a:t>      </a:t>
+            </a:r>
+            <a:r>
+              <a:rPr lang="en-US" altLang="ko-KR" sz="800" b="0">
+                <a:solidFill>
+                  <a:srgbClr val="4B69C6"/>
+                </a:solidFill>
+                <a:effectLst/>
+                <a:latin typeface="D2Coding" panose="020B0609020101020101" pitchFamily="49" charset="-127"/>
+                <a:ea typeface="D2Coding" panose="020B0609020101020101" pitchFamily="49" charset="-127"/>
+              </a:rPr>
+              <a:t>case</a:t>
+            </a:r>
+            <a:r>
+              <a:rPr lang="en-US" altLang="ko-KR" sz="800" b="0">
+                <a:solidFill>
+                  <a:srgbClr val="333333"/>
+                </a:solidFill>
+                <a:effectLst/>
+                <a:latin typeface="D2Coding" panose="020B0609020101020101" pitchFamily="49" charset="-127"/>
+                <a:ea typeface="D2Coding" panose="020B0609020101020101" pitchFamily="49" charset="-127"/>
+              </a:rPr>
+              <a:t> </a:t>
+            </a:r>
+            <a:r>
+              <a:rPr lang="en-US" altLang="ko-KR" sz="800" b="0">
+                <a:solidFill>
+                  <a:srgbClr val="777777"/>
+                </a:solidFill>
+                <a:effectLst/>
+                <a:latin typeface="D2Coding" panose="020B0609020101020101" pitchFamily="49" charset="-127"/>
+                <a:ea typeface="D2Coding" panose="020B0609020101020101" pitchFamily="49" charset="-127"/>
+              </a:rPr>
+              <a:t>'</a:t>
+            </a:r>
+            <a:r>
+              <a:rPr lang="ko-KR" altLang="en-US" sz="800" b="0">
+                <a:solidFill>
+                  <a:srgbClr val="448C27"/>
+                </a:solidFill>
+                <a:effectLst/>
+                <a:latin typeface="D2Coding" panose="020B0609020101020101" pitchFamily="49" charset="-127"/>
+                <a:ea typeface="D2Coding" panose="020B0609020101020101" pitchFamily="49" charset="-127"/>
+              </a:rPr>
+              <a:t>포유류</a:t>
+            </a:r>
+            <a:r>
+              <a:rPr lang="en-US" altLang="ko-KR" sz="800" b="0">
+                <a:solidFill>
+                  <a:srgbClr val="777777"/>
+                </a:solidFill>
+                <a:effectLst/>
+                <a:latin typeface="D2Coding" panose="020B0609020101020101" pitchFamily="49" charset="-127"/>
+                <a:ea typeface="D2Coding" panose="020B0609020101020101" pitchFamily="49" charset="-127"/>
+              </a:rPr>
+              <a:t>':</a:t>
+            </a:r>
+            <a:endParaRPr lang="ko-KR" altLang="en-US" sz="800" b="0">
+              <a:solidFill>
+                <a:srgbClr val="333333"/>
+              </a:solidFill>
+              <a:effectLst/>
+              <a:latin typeface="D2Coding" panose="020B0609020101020101" pitchFamily="49" charset="-127"/>
+              <a:ea typeface="D2Coding" panose="020B0609020101020101" pitchFamily="49" charset="-127"/>
+            </a:endParaRPr>
+          </a:p>
+          <a:p>
+            <a:r>
+              <a:rPr lang="ko-KR" altLang="en-US" sz="800" b="0">
+                <a:solidFill>
+                  <a:srgbClr val="333333"/>
+                </a:solidFill>
+                <a:effectLst/>
+                <a:latin typeface="D2Coding" panose="020B0609020101020101" pitchFamily="49" charset="-127"/>
+                <a:ea typeface="D2Coding" panose="020B0609020101020101" pitchFamily="49" charset="-127"/>
+              </a:rPr>
+              <a:t>        </a:t>
+            </a:r>
+            <a:r>
+              <a:rPr lang="en-US" altLang="ko-KR" sz="800" b="0">
+                <a:solidFill>
+                  <a:srgbClr val="4B69C6"/>
+                </a:solidFill>
+                <a:effectLst/>
+                <a:latin typeface="D2Coding" panose="020B0609020101020101" pitchFamily="49" charset="-127"/>
+                <a:ea typeface="D2Coding" panose="020B0609020101020101" pitchFamily="49" charset="-127"/>
+              </a:rPr>
+              <a:t>return</a:t>
+            </a:r>
+            <a:r>
+              <a:rPr lang="en-US" altLang="ko-KR" sz="800" b="0">
+                <a:solidFill>
+                  <a:srgbClr val="333333"/>
+                </a:solidFill>
+                <a:effectLst/>
+                <a:latin typeface="D2Coding" panose="020B0609020101020101" pitchFamily="49" charset="-127"/>
+                <a:ea typeface="D2Coding" panose="020B0609020101020101" pitchFamily="49" charset="-127"/>
+              </a:rPr>
+              <a:t> </a:t>
+            </a:r>
+            <a:r>
+              <a:rPr lang="en-US" altLang="ko-KR" sz="800" b="0">
+                <a:solidFill>
+                  <a:srgbClr val="777777"/>
+                </a:solidFill>
+                <a:effectLst/>
+                <a:latin typeface="D2Coding" panose="020B0609020101020101" pitchFamily="49" charset="-127"/>
+                <a:ea typeface="D2Coding" panose="020B0609020101020101" pitchFamily="49" charset="-127"/>
+              </a:rPr>
+              <a:t>new</a:t>
+            </a:r>
+            <a:r>
+              <a:rPr lang="en-US" altLang="ko-KR" sz="800" b="0">
+                <a:solidFill>
+                  <a:srgbClr val="333333"/>
+                </a:solidFill>
+                <a:effectLst/>
+                <a:latin typeface="D2Coding" panose="020B0609020101020101" pitchFamily="49" charset="-127"/>
+                <a:ea typeface="D2Coding" panose="020B0609020101020101" pitchFamily="49" charset="-127"/>
+              </a:rPr>
+              <a:t> </a:t>
+            </a:r>
+            <a:r>
+              <a:rPr lang="ko-KR" altLang="en-US" sz="800" b="1">
+                <a:solidFill>
+                  <a:srgbClr val="7A3E9D"/>
+                </a:solidFill>
+                <a:effectLst/>
+                <a:latin typeface="D2Coding" panose="020B0609020101020101" pitchFamily="49" charset="-127"/>
+                <a:ea typeface="D2Coding" panose="020B0609020101020101" pitchFamily="49" charset="-127"/>
+              </a:rPr>
+              <a:t>포유류델리게이트</a:t>
+            </a:r>
+            <a:r>
+              <a:rPr lang="en-US" altLang="ko-KR" sz="800" b="0">
+                <a:solidFill>
+                  <a:srgbClr val="333333"/>
+                </a:solidFill>
+                <a:effectLst/>
+                <a:latin typeface="D2Coding" panose="020B0609020101020101" pitchFamily="49" charset="-127"/>
+                <a:ea typeface="D2Coding" panose="020B0609020101020101" pitchFamily="49" charset="-127"/>
+              </a:rPr>
+              <a:t>(</a:t>
+            </a:r>
+            <a:r>
+              <a:rPr lang="en-US" altLang="ko-KR" sz="800" b="0">
+                <a:solidFill>
+                  <a:srgbClr val="7A3E9D"/>
+                </a:solidFill>
+                <a:effectLst/>
+                <a:latin typeface="D2Coding" panose="020B0609020101020101" pitchFamily="49" charset="-127"/>
+                <a:ea typeface="D2Coding" panose="020B0609020101020101" pitchFamily="49" charset="-127"/>
+              </a:rPr>
+              <a:t>data</a:t>
+            </a:r>
+            <a:r>
+              <a:rPr lang="en-US" altLang="ko-KR" sz="800" b="0">
+                <a:solidFill>
+                  <a:srgbClr val="777777"/>
+                </a:solidFill>
+                <a:effectLst/>
+                <a:latin typeface="D2Coding" panose="020B0609020101020101" pitchFamily="49" charset="-127"/>
+                <a:ea typeface="D2Coding" panose="020B0609020101020101" pitchFamily="49" charset="-127"/>
+              </a:rPr>
+              <a:t>,</a:t>
+            </a:r>
+            <a:r>
+              <a:rPr lang="en-US" altLang="ko-KR" sz="800" b="0">
+                <a:solidFill>
+                  <a:srgbClr val="333333"/>
+                </a:solidFill>
+                <a:effectLst/>
+                <a:latin typeface="D2Coding" panose="020B0609020101020101" pitchFamily="49" charset="-127"/>
+                <a:ea typeface="D2Coding" panose="020B0609020101020101" pitchFamily="49" charset="-127"/>
+              </a:rPr>
+              <a:t> </a:t>
+            </a:r>
+            <a:r>
+              <a:rPr lang="en-US" altLang="ko-KR" sz="800" b="0">
+                <a:solidFill>
+                  <a:srgbClr val="9C5D27"/>
+                </a:solidFill>
+                <a:effectLst/>
+                <a:latin typeface="D2Coding" panose="020B0609020101020101" pitchFamily="49" charset="-127"/>
+                <a:ea typeface="D2Coding" panose="020B0609020101020101" pitchFamily="49" charset="-127"/>
+              </a:rPr>
+              <a:t>this</a:t>
+            </a:r>
+            <a:r>
+              <a:rPr lang="en-US" altLang="ko-KR" sz="800" b="0">
+                <a:solidFill>
+                  <a:srgbClr val="333333"/>
+                </a:solidFill>
+                <a:effectLst/>
+                <a:latin typeface="D2Coding" panose="020B0609020101020101" pitchFamily="49" charset="-127"/>
+                <a:ea typeface="D2Coding" panose="020B0609020101020101" pitchFamily="49" charset="-127"/>
+              </a:rPr>
+              <a:t>)</a:t>
+            </a:r>
+            <a:r>
+              <a:rPr lang="en-US" altLang="ko-KR" sz="800" b="0">
+                <a:solidFill>
+                  <a:srgbClr val="777777"/>
+                </a:solidFill>
+                <a:effectLst/>
+                <a:latin typeface="D2Coding" panose="020B0609020101020101" pitchFamily="49" charset="-127"/>
+                <a:ea typeface="D2Coding" panose="020B0609020101020101" pitchFamily="49" charset="-127"/>
+              </a:rPr>
+              <a:t>;</a:t>
+            </a:r>
+            <a:endParaRPr lang="en-US" altLang="ko-KR" sz="800" b="0">
+              <a:solidFill>
+                <a:srgbClr val="333333"/>
+              </a:solidFill>
+              <a:effectLst/>
+              <a:latin typeface="D2Coding" panose="020B0609020101020101" pitchFamily="49" charset="-127"/>
+              <a:ea typeface="D2Coding" panose="020B0609020101020101" pitchFamily="49" charset="-127"/>
+            </a:endParaRPr>
+          </a:p>
+          <a:p>
+            <a:br>
+              <a:rPr lang="en-US" altLang="ko-KR" sz="800" b="0">
+                <a:solidFill>
+                  <a:srgbClr val="333333"/>
+                </a:solidFill>
+                <a:effectLst/>
+                <a:latin typeface="D2Coding" panose="020B0609020101020101" pitchFamily="49" charset="-127"/>
+                <a:ea typeface="D2Coding" panose="020B0609020101020101" pitchFamily="49" charset="-127"/>
+              </a:rPr>
+            </a:br>
+            <a:r>
+              <a:rPr lang="en-US" altLang="ko-KR" sz="800" b="0">
+                <a:solidFill>
+                  <a:srgbClr val="333333"/>
+                </a:solidFill>
+                <a:effectLst/>
+                <a:latin typeface="D2Coding" panose="020B0609020101020101" pitchFamily="49" charset="-127"/>
+                <a:ea typeface="D2Coding" panose="020B0609020101020101" pitchFamily="49" charset="-127"/>
+              </a:rPr>
+              <a:t>      </a:t>
+            </a:r>
+            <a:r>
+              <a:rPr lang="en-US" altLang="ko-KR" sz="800" b="0">
+                <a:solidFill>
+                  <a:srgbClr val="4B69C6"/>
+                </a:solidFill>
+                <a:effectLst/>
+                <a:latin typeface="D2Coding" panose="020B0609020101020101" pitchFamily="49" charset="-127"/>
+                <a:ea typeface="D2Coding" panose="020B0609020101020101" pitchFamily="49" charset="-127"/>
+              </a:rPr>
+              <a:t>default</a:t>
+            </a:r>
+            <a:r>
+              <a:rPr lang="en-US" altLang="ko-KR" sz="800" b="0">
+                <a:solidFill>
+                  <a:srgbClr val="777777"/>
+                </a:solidFill>
+                <a:effectLst/>
+                <a:latin typeface="D2Coding" panose="020B0609020101020101" pitchFamily="49" charset="-127"/>
+                <a:ea typeface="D2Coding" panose="020B0609020101020101" pitchFamily="49" charset="-127"/>
+              </a:rPr>
+              <a:t>:</a:t>
+            </a:r>
+            <a:r>
+              <a:rPr lang="en-US" altLang="ko-KR" sz="800" b="0">
+                <a:solidFill>
+                  <a:srgbClr val="333333"/>
+                </a:solidFill>
+                <a:effectLst/>
+                <a:latin typeface="D2Coding" panose="020B0609020101020101" pitchFamily="49" charset="-127"/>
+                <a:ea typeface="D2Coding" panose="020B0609020101020101" pitchFamily="49" charset="-127"/>
+              </a:rPr>
+              <a:t> </a:t>
+            </a:r>
+            <a:r>
+              <a:rPr lang="en-US" altLang="ko-KR" sz="800" b="0">
+                <a:solidFill>
+                  <a:srgbClr val="4B69C6"/>
+                </a:solidFill>
+                <a:effectLst/>
+                <a:latin typeface="D2Coding" panose="020B0609020101020101" pitchFamily="49" charset="-127"/>
+                <a:ea typeface="D2Coding" panose="020B0609020101020101" pitchFamily="49" charset="-127"/>
+              </a:rPr>
+              <a:t>return</a:t>
+            </a:r>
+            <a:r>
+              <a:rPr lang="en-US" altLang="ko-KR" sz="800" b="0">
+                <a:solidFill>
+                  <a:srgbClr val="333333"/>
+                </a:solidFill>
+                <a:effectLst/>
+                <a:latin typeface="D2Coding" panose="020B0609020101020101" pitchFamily="49" charset="-127"/>
+                <a:ea typeface="D2Coding" panose="020B0609020101020101" pitchFamily="49" charset="-127"/>
+              </a:rPr>
+              <a:t> </a:t>
+            </a:r>
+            <a:r>
+              <a:rPr lang="en-US" altLang="ko-KR" sz="800" b="0">
+                <a:solidFill>
+                  <a:srgbClr val="777777"/>
+                </a:solidFill>
+                <a:effectLst/>
+                <a:latin typeface="D2Coding" panose="020B0609020101020101" pitchFamily="49" charset="-127"/>
+                <a:ea typeface="D2Coding" panose="020B0609020101020101" pitchFamily="49" charset="-127"/>
+              </a:rPr>
+              <a:t>new</a:t>
+            </a:r>
+            <a:r>
+              <a:rPr lang="en-US" altLang="ko-KR" sz="800" b="0">
+                <a:solidFill>
+                  <a:srgbClr val="333333"/>
+                </a:solidFill>
+                <a:effectLst/>
+                <a:latin typeface="D2Coding" panose="020B0609020101020101" pitchFamily="49" charset="-127"/>
+                <a:ea typeface="D2Coding" panose="020B0609020101020101" pitchFamily="49" charset="-127"/>
+              </a:rPr>
+              <a:t> </a:t>
+            </a:r>
+            <a:r>
+              <a:rPr lang="ko-KR" altLang="en-US" sz="800" b="1">
+                <a:solidFill>
+                  <a:srgbClr val="7A3E9D"/>
+                </a:solidFill>
+                <a:effectLst/>
+                <a:latin typeface="D2Coding" panose="020B0609020101020101" pitchFamily="49" charset="-127"/>
+                <a:ea typeface="D2Coding" panose="020B0609020101020101" pitchFamily="49" charset="-127"/>
+              </a:rPr>
+              <a:t>종류델리게이트</a:t>
+            </a:r>
+            <a:r>
+              <a:rPr lang="en-US" altLang="ko-KR" sz="800" b="0">
+                <a:solidFill>
+                  <a:srgbClr val="333333"/>
+                </a:solidFill>
+                <a:effectLst/>
+                <a:latin typeface="D2Coding" panose="020B0609020101020101" pitchFamily="49" charset="-127"/>
+                <a:ea typeface="D2Coding" panose="020B0609020101020101" pitchFamily="49" charset="-127"/>
+              </a:rPr>
+              <a:t>(</a:t>
+            </a:r>
+            <a:r>
+              <a:rPr lang="en-US" altLang="ko-KR" sz="800" b="0">
+                <a:solidFill>
+                  <a:srgbClr val="7A3E9D"/>
+                </a:solidFill>
+                <a:effectLst/>
+                <a:latin typeface="D2Coding" panose="020B0609020101020101" pitchFamily="49" charset="-127"/>
+                <a:ea typeface="D2Coding" panose="020B0609020101020101" pitchFamily="49" charset="-127"/>
+              </a:rPr>
+              <a:t>data</a:t>
+            </a:r>
+            <a:r>
+              <a:rPr lang="en-US" altLang="ko-KR" sz="800" b="0">
+                <a:solidFill>
+                  <a:srgbClr val="777777"/>
+                </a:solidFill>
+                <a:effectLst/>
+                <a:latin typeface="D2Coding" panose="020B0609020101020101" pitchFamily="49" charset="-127"/>
+                <a:ea typeface="D2Coding" panose="020B0609020101020101" pitchFamily="49" charset="-127"/>
+              </a:rPr>
+              <a:t>,</a:t>
+            </a:r>
+            <a:r>
+              <a:rPr lang="en-US" altLang="ko-KR" sz="800" b="0">
+                <a:solidFill>
+                  <a:srgbClr val="333333"/>
+                </a:solidFill>
+                <a:effectLst/>
+                <a:latin typeface="D2Coding" panose="020B0609020101020101" pitchFamily="49" charset="-127"/>
+                <a:ea typeface="D2Coding" panose="020B0609020101020101" pitchFamily="49" charset="-127"/>
+              </a:rPr>
+              <a:t> </a:t>
+            </a:r>
+            <a:r>
+              <a:rPr lang="en-US" altLang="ko-KR" sz="800" b="0">
+                <a:solidFill>
+                  <a:srgbClr val="9C5D27"/>
+                </a:solidFill>
+                <a:effectLst/>
+                <a:latin typeface="D2Coding" panose="020B0609020101020101" pitchFamily="49" charset="-127"/>
+                <a:ea typeface="D2Coding" panose="020B0609020101020101" pitchFamily="49" charset="-127"/>
+              </a:rPr>
+              <a:t>this</a:t>
+            </a:r>
+            <a:r>
+              <a:rPr lang="en-US" altLang="ko-KR" sz="800" b="0">
+                <a:solidFill>
+                  <a:srgbClr val="333333"/>
+                </a:solidFill>
+                <a:effectLst/>
+                <a:latin typeface="D2Coding" panose="020B0609020101020101" pitchFamily="49" charset="-127"/>
+                <a:ea typeface="D2Coding" panose="020B0609020101020101" pitchFamily="49" charset="-127"/>
+              </a:rPr>
+              <a:t>)</a:t>
+            </a:r>
+            <a:r>
+              <a:rPr lang="en-US" altLang="ko-KR" sz="800" b="0">
+                <a:solidFill>
+                  <a:srgbClr val="777777"/>
+                </a:solidFill>
+                <a:effectLst/>
+                <a:latin typeface="D2Coding" panose="020B0609020101020101" pitchFamily="49" charset="-127"/>
+                <a:ea typeface="D2Coding" panose="020B0609020101020101" pitchFamily="49" charset="-127"/>
+              </a:rPr>
+              <a:t>;</a:t>
+            </a:r>
+            <a:endParaRPr lang="en-US" altLang="ko-KR" sz="800" b="0">
+              <a:solidFill>
+                <a:srgbClr val="333333"/>
+              </a:solidFill>
+              <a:effectLst/>
+              <a:latin typeface="D2Coding" panose="020B0609020101020101" pitchFamily="49" charset="-127"/>
+              <a:ea typeface="D2Coding" panose="020B0609020101020101" pitchFamily="49" charset="-127"/>
+            </a:endParaRPr>
+          </a:p>
+          <a:p>
+            <a:r>
+              <a:rPr lang="en-US" altLang="ko-KR" sz="800" b="0">
+                <a:solidFill>
+                  <a:srgbClr val="333333"/>
+                </a:solidFill>
+                <a:effectLst/>
+                <a:latin typeface="D2Coding" panose="020B0609020101020101" pitchFamily="49" charset="-127"/>
+                <a:ea typeface="D2Coding" panose="020B0609020101020101" pitchFamily="49" charset="-127"/>
+              </a:rPr>
+              <a:t>    </a:t>
+            </a:r>
+            <a:r>
+              <a:rPr lang="en-US" altLang="ko-KR" sz="800" b="0">
+                <a:solidFill>
+                  <a:srgbClr val="777777"/>
+                </a:solidFill>
+                <a:effectLst/>
+                <a:latin typeface="D2Coding" panose="020B0609020101020101" pitchFamily="49" charset="-127"/>
+                <a:ea typeface="D2Coding" panose="020B0609020101020101" pitchFamily="49" charset="-127"/>
+              </a:rPr>
+              <a:t>}</a:t>
+            </a:r>
+            <a:endParaRPr lang="en-US" altLang="ko-KR" sz="800" b="0">
+              <a:solidFill>
+                <a:srgbClr val="333333"/>
+              </a:solidFill>
+              <a:effectLst/>
+              <a:latin typeface="D2Coding" panose="020B0609020101020101" pitchFamily="49" charset="-127"/>
+              <a:ea typeface="D2Coding" panose="020B0609020101020101" pitchFamily="49" charset="-127"/>
+            </a:endParaRPr>
+          </a:p>
+          <a:p>
+            <a:r>
+              <a:rPr lang="en-US" altLang="ko-KR" sz="800" b="0">
+                <a:solidFill>
+                  <a:srgbClr val="333333"/>
+                </a:solidFill>
+                <a:effectLst/>
+                <a:latin typeface="D2Coding" panose="020B0609020101020101" pitchFamily="49" charset="-127"/>
+                <a:ea typeface="D2Coding" panose="020B0609020101020101" pitchFamily="49" charset="-127"/>
+              </a:rPr>
+              <a:t>  </a:t>
+            </a:r>
+            <a:r>
+              <a:rPr lang="en-US" altLang="ko-KR" sz="800" b="0">
+                <a:solidFill>
+                  <a:srgbClr val="777777"/>
+                </a:solidFill>
+                <a:effectLst/>
+                <a:latin typeface="D2Coding" panose="020B0609020101020101" pitchFamily="49" charset="-127"/>
+                <a:ea typeface="D2Coding" panose="020B0609020101020101" pitchFamily="49" charset="-127"/>
+              </a:rPr>
+              <a:t>}</a:t>
+            </a:r>
+            <a:endParaRPr lang="en-US" altLang="ko-KR" sz="800" b="0">
+              <a:solidFill>
+                <a:srgbClr val="333333"/>
+              </a:solidFill>
+              <a:effectLst/>
+              <a:latin typeface="D2Coding" panose="020B0609020101020101" pitchFamily="49" charset="-127"/>
+              <a:ea typeface="D2Coding" panose="020B0609020101020101" pitchFamily="49" charset="-127"/>
+            </a:endParaRPr>
+          </a:p>
+          <a:p>
+            <a:br>
+              <a:rPr lang="en-US" altLang="ko-KR" sz="800" b="0">
+                <a:solidFill>
+                  <a:srgbClr val="333333"/>
+                </a:solidFill>
+                <a:effectLst/>
+                <a:latin typeface="D2Coding" panose="020B0609020101020101" pitchFamily="49" charset="-127"/>
+                <a:ea typeface="D2Coding" panose="020B0609020101020101" pitchFamily="49" charset="-127"/>
+              </a:rPr>
+            </a:br>
+            <a:r>
+              <a:rPr lang="en-US" altLang="ko-KR" sz="800" b="0">
+                <a:solidFill>
+                  <a:srgbClr val="333333"/>
+                </a:solidFill>
+                <a:effectLst/>
+                <a:latin typeface="D2Coding" panose="020B0609020101020101" pitchFamily="49" charset="-127"/>
+                <a:ea typeface="D2Coding" panose="020B0609020101020101" pitchFamily="49" charset="-127"/>
+              </a:rPr>
+              <a:t>  </a:t>
+            </a:r>
+            <a:r>
+              <a:rPr lang="en-US" altLang="ko-KR" sz="800" b="1">
+                <a:solidFill>
+                  <a:srgbClr val="AA3731"/>
+                </a:solidFill>
+                <a:effectLst/>
+                <a:latin typeface="D2Coding" panose="020B0609020101020101" pitchFamily="49" charset="-127"/>
+                <a:ea typeface="D2Coding" panose="020B0609020101020101" pitchFamily="49" charset="-127"/>
+              </a:rPr>
+              <a:t>selectAmusmentParkDelegate</a:t>
+            </a:r>
+            <a:r>
+              <a:rPr lang="en-US" altLang="ko-KR" sz="800" b="0">
+                <a:solidFill>
+                  <a:srgbClr val="777777"/>
+                </a:solidFill>
+                <a:effectLst/>
+                <a:latin typeface="D2Coding" panose="020B0609020101020101" pitchFamily="49" charset="-127"/>
+                <a:ea typeface="D2Coding" panose="020B0609020101020101" pitchFamily="49" charset="-127"/>
+              </a:rPr>
+              <a:t>(</a:t>
+            </a:r>
+            <a:r>
+              <a:rPr lang="en-US" altLang="ko-KR" sz="800" b="0">
+                <a:solidFill>
+                  <a:srgbClr val="7A3E9D"/>
+                </a:solidFill>
+                <a:effectLst/>
+                <a:latin typeface="D2Coding" panose="020B0609020101020101" pitchFamily="49" charset="-127"/>
+                <a:ea typeface="D2Coding" panose="020B0609020101020101" pitchFamily="49" charset="-127"/>
+              </a:rPr>
+              <a:t>data</a:t>
+            </a:r>
+            <a:r>
+              <a:rPr lang="en-US" altLang="ko-KR" sz="800" b="0">
+                <a:solidFill>
+                  <a:srgbClr val="777777"/>
+                </a:solidFill>
+                <a:effectLst/>
+                <a:latin typeface="D2Coding" panose="020B0609020101020101" pitchFamily="49" charset="-127"/>
+                <a:ea typeface="D2Coding" panose="020B0609020101020101" pitchFamily="49" charset="-127"/>
+              </a:rPr>
+              <a:t>)</a:t>
+            </a:r>
+            <a:r>
+              <a:rPr lang="en-US" altLang="ko-KR" sz="800" b="0">
+                <a:solidFill>
+                  <a:srgbClr val="333333"/>
+                </a:solidFill>
+                <a:effectLst/>
+                <a:latin typeface="D2Coding" panose="020B0609020101020101" pitchFamily="49" charset="-127"/>
+                <a:ea typeface="D2Coding" panose="020B0609020101020101" pitchFamily="49" charset="-127"/>
+              </a:rPr>
+              <a:t> </a:t>
+            </a:r>
+            <a:r>
+              <a:rPr lang="en-US" altLang="ko-KR" sz="800" b="0">
+                <a:solidFill>
+                  <a:srgbClr val="777777"/>
+                </a:solidFill>
+                <a:effectLst/>
+                <a:latin typeface="D2Coding" panose="020B0609020101020101" pitchFamily="49" charset="-127"/>
+                <a:ea typeface="D2Coding" panose="020B0609020101020101" pitchFamily="49" charset="-127"/>
+              </a:rPr>
+              <a:t>{</a:t>
+            </a:r>
+            <a:endParaRPr lang="en-US" altLang="ko-KR" sz="800" b="0">
+              <a:solidFill>
+                <a:srgbClr val="333333"/>
+              </a:solidFill>
+              <a:effectLst/>
+              <a:latin typeface="D2Coding" panose="020B0609020101020101" pitchFamily="49" charset="-127"/>
+              <a:ea typeface="D2Coding" panose="020B0609020101020101" pitchFamily="49" charset="-127"/>
+            </a:endParaRPr>
+          </a:p>
+          <a:p>
+            <a:r>
+              <a:rPr lang="en-US" altLang="ko-KR" sz="800" b="0">
+                <a:solidFill>
+                  <a:srgbClr val="333333"/>
+                </a:solidFill>
+                <a:effectLst/>
+                <a:latin typeface="D2Coding" panose="020B0609020101020101" pitchFamily="49" charset="-127"/>
+                <a:ea typeface="D2Coding" panose="020B0609020101020101" pitchFamily="49" charset="-127"/>
+              </a:rPr>
+              <a:t>    </a:t>
+            </a:r>
+            <a:r>
+              <a:rPr lang="en-US" altLang="ko-KR" sz="800" b="0">
+                <a:solidFill>
+                  <a:srgbClr val="4B69C6"/>
+                </a:solidFill>
+                <a:effectLst/>
+                <a:latin typeface="D2Coding" panose="020B0609020101020101" pitchFamily="49" charset="-127"/>
+                <a:ea typeface="D2Coding" panose="020B0609020101020101" pitchFamily="49" charset="-127"/>
+              </a:rPr>
+              <a:t>switch</a:t>
+            </a:r>
+            <a:r>
+              <a:rPr lang="en-US" altLang="ko-KR" sz="800" b="0">
+                <a:solidFill>
+                  <a:srgbClr val="333333"/>
+                </a:solidFill>
+                <a:effectLst/>
+                <a:latin typeface="D2Coding" panose="020B0609020101020101" pitchFamily="49" charset="-127"/>
+                <a:ea typeface="D2Coding" panose="020B0609020101020101" pitchFamily="49" charset="-127"/>
+              </a:rPr>
+              <a:t> (</a:t>
+            </a:r>
+            <a:r>
+              <a:rPr lang="en-US" altLang="ko-KR" sz="800" b="0">
+                <a:solidFill>
+                  <a:srgbClr val="7A3E9D"/>
+                </a:solidFill>
+                <a:effectLst/>
+                <a:latin typeface="D2Coding" panose="020B0609020101020101" pitchFamily="49" charset="-127"/>
+                <a:ea typeface="D2Coding" panose="020B0609020101020101" pitchFamily="49" charset="-127"/>
+              </a:rPr>
+              <a:t>data</a:t>
+            </a:r>
+            <a:r>
+              <a:rPr lang="en-US" altLang="ko-KR" sz="800" b="0">
+                <a:solidFill>
+                  <a:srgbClr val="777777"/>
+                </a:solidFill>
+                <a:effectLst/>
+                <a:latin typeface="D2Coding" panose="020B0609020101020101" pitchFamily="49" charset="-127"/>
+                <a:ea typeface="D2Coding" panose="020B0609020101020101" pitchFamily="49" charset="-127"/>
+              </a:rPr>
+              <a:t>.</a:t>
+            </a:r>
+            <a:r>
+              <a:rPr lang="en-US" altLang="ko-KR" sz="800" b="0">
+                <a:solidFill>
+                  <a:srgbClr val="7A3E9D"/>
+                </a:solidFill>
+                <a:effectLst/>
+                <a:latin typeface="D2Coding" panose="020B0609020101020101" pitchFamily="49" charset="-127"/>
+                <a:ea typeface="D2Coding" panose="020B0609020101020101" pitchFamily="49" charset="-127"/>
+              </a:rPr>
+              <a:t>type</a:t>
+            </a:r>
+            <a:r>
+              <a:rPr lang="en-US" altLang="ko-KR" sz="800" b="0">
+                <a:solidFill>
+                  <a:srgbClr val="333333"/>
+                </a:solidFill>
+                <a:effectLst/>
+                <a:latin typeface="D2Coding" panose="020B0609020101020101" pitchFamily="49" charset="-127"/>
+                <a:ea typeface="D2Coding" panose="020B0609020101020101" pitchFamily="49" charset="-127"/>
+              </a:rPr>
+              <a:t>) </a:t>
+            </a:r>
+            <a:r>
+              <a:rPr lang="en-US" altLang="ko-KR" sz="800" b="0">
+                <a:solidFill>
+                  <a:srgbClr val="777777"/>
+                </a:solidFill>
+                <a:effectLst/>
+                <a:latin typeface="D2Coding" panose="020B0609020101020101" pitchFamily="49" charset="-127"/>
+                <a:ea typeface="D2Coding" panose="020B0609020101020101" pitchFamily="49" charset="-127"/>
+              </a:rPr>
+              <a:t>{</a:t>
+            </a:r>
+            <a:endParaRPr lang="en-US" altLang="ko-KR" sz="800" b="0">
+              <a:solidFill>
+                <a:srgbClr val="333333"/>
+              </a:solidFill>
+              <a:effectLst/>
+              <a:latin typeface="D2Coding" panose="020B0609020101020101" pitchFamily="49" charset="-127"/>
+              <a:ea typeface="D2Coding" panose="020B0609020101020101" pitchFamily="49" charset="-127"/>
+            </a:endParaRPr>
+          </a:p>
+          <a:p>
+            <a:r>
+              <a:rPr lang="en-US" altLang="ko-KR" sz="800" b="0">
+                <a:solidFill>
+                  <a:srgbClr val="333333"/>
+                </a:solidFill>
+                <a:effectLst/>
+                <a:latin typeface="D2Coding" panose="020B0609020101020101" pitchFamily="49" charset="-127"/>
+                <a:ea typeface="D2Coding" panose="020B0609020101020101" pitchFamily="49" charset="-127"/>
+              </a:rPr>
+              <a:t>      </a:t>
+            </a:r>
+            <a:r>
+              <a:rPr lang="en-US" altLang="ko-KR" sz="800" b="0">
+                <a:solidFill>
+                  <a:srgbClr val="4B69C6"/>
+                </a:solidFill>
+                <a:effectLst/>
+                <a:latin typeface="D2Coding" panose="020B0609020101020101" pitchFamily="49" charset="-127"/>
+                <a:ea typeface="D2Coding" panose="020B0609020101020101" pitchFamily="49" charset="-127"/>
+              </a:rPr>
+              <a:t>case</a:t>
+            </a:r>
+            <a:r>
+              <a:rPr lang="en-US" altLang="ko-KR" sz="800" b="0">
+                <a:solidFill>
+                  <a:srgbClr val="333333"/>
+                </a:solidFill>
+                <a:effectLst/>
+                <a:latin typeface="D2Coding" panose="020B0609020101020101" pitchFamily="49" charset="-127"/>
+                <a:ea typeface="D2Coding" panose="020B0609020101020101" pitchFamily="49" charset="-127"/>
+              </a:rPr>
+              <a:t> </a:t>
+            </a:r>
+            <a:r>
+              <a:rPr lang="en-US" altLang="ko-KR" sz="800" b="0">
+                <a:solidFill>
+                  <a:srgbClr val="777777"/>
+                </a:solidFill>
+                <a:effectLst/>
+                <a:latin typeface="D2Coding" panose="020B0609020101020101" pitchFamily="49" charset="-127"/>
+                <a:ea typeface="D2Coding" panose="020B0609020101020101" pitchFamily="49" charset="-127"/>
+              </a:rPr>
+              <a:t>'</a:t>
+            </a:r>
+            <a:r>
+              <a:rPr lang="ko-KR" altLang="en-US" sz="800" b="0">
+                <a:solidFill>
+                  <a:srgbClr val="448C27"/>
+                </a:solidFill>
+                <a:effectLst/>
+                <a:latin typeface="D2Coding" panose="020B0609020101020101" pitchFamily="49" charset="-127"/>
+                <a:ea typeface="D2Coding" panose="020B0609020101020101" pitchFamily="49" charset="-127"/>
+              </a:rPr>
+              <a:t>돌고래쇼</a:t>
+            </a:r>
+            <a:r>
+              <a:rPr lang="en-US" altLang="ko-KR" sz="800" b="0">
+                <a:solidFill>
+                  <a:srgbClr val="777777"/>
+                </a:solidFill>
+                <a:effectLst/>
+                <a:latin typeface="D2Coding" panose="020B0609020101020101" pitchFamily="49" charset="-127"/>
+                <a:ea typeface="D2Coding" panose="020B0609020101020101" pitchFamily="49" charset="-127"/>
+              </a:rPr>
+              <a:t>':</a:t>
+            </a:r>
+            <a:endParaRPr lang="ko-KR" altLang="en-US" sz="800" b="0">
+              <a:solidFill>
+                <a:srgbClr val="333333"/>
+              </a:solidFill>
+              <a:effectLst/>
+              <a:latin typeface="D2Coding" panose="020B0609020101020101" pitchFamily="49" charset="-127"/>
+              <a:ea typeface="D2Coding" panose="020B0609020101020101" pitchFamily="49" charset="-127"/>
+            </a:endParaRPr>
+          </a:p>
+          <a:p>
+            <a:r>
+              <a:rPr lang="ko-KR" altLang="en-US" sz="800" b="0">
+                <a:solidFill>
+                  <a:srgbClr val="333333"/>
+                </a:solidFill>
+                <a:effectLst/>
+                <a:latin typeface="D2Coding" panose="020B0609020101020101" pitchFamily="49" charset="-127"/>
+                <a:ea typeface="D2Coding" panose="020B0609020101020101" pitchFamily="49" charset="-127"/>
+              </a:rPr>
+              <a:t>        </a:t>
+            </a:r>
+            <a:r>
+              <a:rPr lang="en-US" altLang="ko-KR" sz="800" b="0">
+                <a:solidFill>
+                  <a:srgbClr val="4B69C6"/>
+                </a:solidFill>
+                <a:effectLst/>
+                <a:latin typeface="D2Coding" panose="020B0609020101020101" pitchFamily="49" charset="-127"/>
+                <a:ea typeface="D2Coding" panose="020B0609020101020101" pitchFamily="49" charset="-127"/>
+              </a:rPr>
+              <a:t>return</a:t>
+            </a:r>
+            <a:r>
+              <a:rPr lang="en-US" altLang="ko-KR" sz="800" b="0">
+                <a:solidFill>
+                  <a:srgbClr val="333333"/>
+                </a:solidFill>
+                <a:effectLst/>
+                <a:latin typeface="D2Coding" panose="020B0609020101020101" pitchFamily="49" charset="-127"/>
+                <a:ea typeface="D2Coding" panose="020B0609020101020101" pitchFamily="49" charset="-127"/>
+              </a:rPr>
+              <a:t> </a:t>
+            </a:r>
+            <a:r>
+              <a:rPr lang="en-US" altLang="ko-KR" sz="800" b="0">
+                <a:solidFill>
+                  <a:srgbClr val="777777"/>
+                </a:solidFill>
+                <a:effectLst/>
+                <a:latin typeface="D2Coding" panose="020B0609020101020101" pitchFamily="49" charset="-127"/>
+                <a:ea typeface="D2Coding" panose="020B0609020101020101" pitchFamily="49" charset="-127"/>
+              </a:rPr>
+              <a:t>new</a:t>
+            </a:r>
+            <a:r>
+              <a:rPr lang="en-US" altLang="ko-KR" sz="800" b="0">
+                <a:solidFill>
+                  <a:srgbClr val="333333"/>
+                </a:solidFill>
+                <a:effectLst/>
+                <a:latin typeface="D2Coding" panose="020B0609020101020101" pitchFamily="49" charset="-127"/>
+                <a:ea typeface="D2Coding" panose="020B0609020101020101" pitchFamily="49" charset="-127"/>
+              </a:rPr>
+              <a:t> </a:t>
+            </a:r>
+            <a:r>
+              <a:rPr lang="ko-KR" altLang="en-US" sz="800" b="1">
+                <a:solidFill>
+                  <a:srgbClr val="7A3E9D"/>
+                </a:solidFill>
+                <a:effectLst/>
+                <a:latin typeface="D2Coding" panose="020B0609020101020101" pitchFamily="49" charset="-127"/>
+                <a:ea typeface="D2Coding" panose="020B0609020101020101" pitchFamily="49" charset="-127"/>
+              </a:rPr>
+              <a:t>돌고래쇼델리게이트</a:t>
+            </a:r>
+            <a:r>
+              <a:rPr lang="en-US" altLang="ko-KR" sz="800" b="0">
+                <a:solidFill>
+                  <a:srgbClr val="333333"/>
+                </a:solidFill>
+                <a:effectLst/>
+                <a:latin typeface="D2Coding" panose="020B0609020101020101" pitchFamily="49" charset="-127"/>
+                <a:ea typeface="D2Coding" panose="020B0609020101020101" pitchFamily="49" charset="-127"/>
+              </a:rPr>
+              <a:t>(</a:t>
+            </a:r>
+            <a:r>
+              <a:rPr lang="en-US" altLang="ko-KR" sz="800" b="0">
+                <a:solidFill>
+                  <a:srgbClr val="7A3E9D"/>
+                </a:solidFill>
+                <a:effectLst/>
+                <a:latin typeface="D2Coding" panose="020B0609020101020101" pitchFamily="49" charset="-127"/>
+                <a:ea typeface="D2Coding" panose="020B0609020101020101" pitchFamily="49" charset="-127"/>
+              </a:rPr>
+              <a:t>data</a:t>
+            </a:r>
+            <a:r>
+              <a:rPr lang="en-US" altLang="ko-KR" sz="800" b="0">
+                <a:solidFill>
+                  <a:srgbClr val="777777"/>
+                </a:solidFill>
+                <a:effectLst/>
+                <a:latin typeface="D2Coding" panose="020B0609020101020101" pitchFamily="49" charset="-127"/>
+                <a:ea typeface="D2Coding" panose="020B0609020101020101" pitchFamily="49" charset="-127"/>
+              </a:rPr>
+              <a:t>,</a:t>
+            </a:r>
+            <a:r>
+              <a:rPr lang="en-US" altLang="ko-KR" sz="800" b="0">
+                <a:solidFill>
+                  <a:srgbClr val="333333"/>
+                </a:solidFill>
+                <a:effectLst/>
+                <a:latin typeface="D2Coding" panose="020B0609020101020101" pitchFamily="49" charset="-127"/>
+                <a:ea typeface="D2Coding" panose="020B0609020101020101" pitchFamily="49" charset="-127"/>
+              </a:rPr>
+              <a:t> </a:t>
+            </a:r>
+            <a:r>
+              <a:rPr lang="en-US" altLang="ko-KR" sz="800" b="0">
+                <a:solidFill>
+                  <a:srgbClr val="9C5D27"/>
+                </a:solidFill>
+                <a:effectLst/>
+                <a:latin typeface="D2Coding" panose="020B0609020101020101" pitchFamily="49" charset="-127"/>
+                <a:ea typeface="D2Coding" panose="020B0609020101020101" pitchFamily="49" charset="-127"/>
+              </a:rPr>
+              <a:t>this</a:t>
+            </a:r>
+            <a:r>
+              <a:rPr lang="en-US" altLang="ko-KR" sz="800" b="0">
+                <a:solidFill>
+                  <a:srgbClr val="333333"/>
+                </a:solidFill>
+                <a:effectLst/>
+                <a:latin typeface="D2Coding" panose="020B0609020101020101" pitchFamily="49" charset="-127"/>
+                <a:ea typeface="D2Coding" panose="020B0609020101020101" pitchFamily="49" charset="-127"/>
+              </a:rPr>
+              <a:t>)</a:t>
+            </a:r>
+            <a:r>
+              <a:rPr lang="en-US" altLang="ko-KR" sz="800" b="0">
+                <a:solidFill>
+                  <a:srgbClr val="777777"/>
+                </a:solidFill>
+                <a:effectLst/>
+                <a:latin typeface="D2Coding" panose="020B0609020101020101" pitchFamily="49" charset="-127"/>
+                <a:ea typeface="D2Coding" panose="020B0609020101020101" pitchFamily="49" charset="-127"/>
+              </a:rPr>
+              <a:t>;</a:t>
+            </a:r>
+            <a:endParaRPr lang="en-US" altLang="ko-KR" sz="800" b="0">
+              <a:solidFill>
+                <a:srgbClr val="333333"/>
+              </a:solidFill>
+              <a:effectLst/>
+              <a:latin typeface="D2Coding" panose="020B0609020101020101" pitchFamily="49" charset="-127"/>
+              <a:ea typeface="D2Coding" panose="020B0609020101020101" pitchFamily="49" charset="-127"/>
+            </a:endParaRPr>
+          </a:p>
+          <a:p>
+            <a:br>
+              <a:rPr lang="en-US" altLang="ko-KR" sz="800" b="0">
+                <a:solidFill>
+                  <a:srgbClr val="333333"/>
+                </a:solidFill>
+                <a:effectLst/>
+                <a:latin typeface="D2Coding" panose="020B0609020101020101" pitchFamily="49" charset="-127"/>
+                <a:ea typeface="D2Coding" panose="020B0609020101020101" pitchFamily="49" charset="-127"/>
+              </a:rPr>
+            </a:br>
+            <a:r>
+              <a:rPr lang="en-US" altLang="ko-KR" sz="800" b="0">
+                <a:solidFill>
+                  <a:srgbClr val="333333"/>
+                </a:solidFill>
+                <a:effectLst/>
+                <a:latin typeface="D2Coding" panose="020B0609020101020101" pitchFamily="49" charset="-127"/>
+                <a:ea typeface="D2Coding" panose="020B0609020101020101" pitchFamily="49" charset="-127"/>
+              </a:rPr>
+              <a:t>      </a:t>
+            </a:r>
+            <a:r>
+              <a:rPr lang="en-US" altLang="ko-KR" sz="800" b="0">
+                <a:solidFill>
+                  <a:srgbClr val="4B69C6"/>
+                </a:solidFill>
+                <a:effectLst/>
+                <a:latin typeface="D2Coding" panose="020B0609020101020101" pitchFamily="49" charset="-127"/>
+                <a:ea typeface="D2Coding" panose="020B0609020101020101" pitchFamily="49" charset="-127"/>
+              </a:rPr>
+              <a:t>default</a:t>
+            </a:r>
+            <a:r>
+              <a:rPr lang="en-US" altLang="ko-KR" sz="800" b="0">
+                <a:solidFill>
+                  <a:srgbClr val="777777"/>
+                </a:solidFill>
+                <a:effectLst/>
+                <a:latin typeface="D2Coding" panose="020B0609020101020101" pitchFamily="49" charset="-127"/>
+                <a:ea typeface="D2Coding" panose="020B0609020101020101" pitchFamily="49" charset="-127"/>
+              </a:rPr>
+              <a:t>:</a:t>
+            </a:r>
+            <a:r>
+              <a:rPr lang="en-US" altLang="ko-KR" sz="800" b="0">
+                <a:solidFill>
+                  <a:srgbClr val="333333"/>
+                </a:solidFill>
+                <a:effectLst/>
+                <a:latin typeface="D2Coding" panose="020B0609020101020101" pitchFamily="49" charset="-127"/>
+                <a:ea typeface="D2Coding" panose="020B0609020101020101" pitchFamily="49" charset="-127"/>
+              </a:rPr>
+              <a:t> </a:t>
+            </a:r>
+            <a:r>
+              <a:rPr lang="en-US" altLang="ko-KR" sz="800" b="0">
+                <a:solidFill>
+                  <a:srgbClr val="4B69C6"/>
+                </a:solidFill>
+                <a:effectLst/>
+                <a:latin typeface="D2Coding" panose="020B0609020101020101" pitchFamily="49" charset="-127"/>
+                <a:ea typeface="D2Coding" panose="020B0609020101020101" pitchFamily="49" charset="-127"/>
+              </a:rPr>
+              <a:t>return</a:t>
+            </a:r>
+            <a:r>
+              <a:rPr lang="en-US" altLang="ko-KR" sz="800" b="0">
+                <a:solidFill>
+                  <a:srgbClr val="333333"/>
+                </a:solidFill>
+                <a:effectLst/>
+                <a:latin typeface="D2Coding" panose="020B0609020101020101" pitchFamily="49" charset="-127"/>
+                <a:ea typeface="D2Coding" panose="020B0609020101020101" pitchFamily="49" charset="-127"/>
+              </a:rPr>
+              <a:t> </a:t>
+            </a:r>
+            <a:r>
+              <a:rPr lang="en-US" altLang="ko-KR" sz="800" b="0">
+                <a:solidFill>
+                  <a:srgbClr val="777777"/>
+                </a:solidFill>
+                <a:effectLst/>
+                <a:latin typeface="D2Coding" panose="020B0609020101020101" pitchFamily="49" charset="-127"/>
+                <a:ea typeface="D2Coding" panose="020B0609020101020101" pitchFamily="49" charset="-127"/>
+              </a:rPr>
+              <a:t>new</a:t>
+            </a:r>
+            <a:r>
+              <a:rPr lang="en-US" altLang="ko-KR" sz="800" b="0">
+                <a:solidFill>
+                  <a:srgbClr val="333333"/>
+                </a:solidFill>
+                <a:effectLst/>
+                <a:latin typeface="D2Coding" panose="020B0609020101020101" pitchFamily="49" charset="-127"/>
+                <a:ea typeface="D2Coding" panose="020B0609020101020101" pitchFamily="49" charset="-127"/>
+              </a:rPr>
+              <a:t> </a:t>
+            </a:r>
+            <a:r>
+              <a:rPr lang="ko-KR" altLang="en-US" sz="800" b="1">
+                <a:solidFill>
+                  <a:srgbClr val="7A3E9D"/>
+                </a:solidFill>
+                <a:effectLst/>
+                <a:latin typeface="D2Coding" panose="020B0609020101020101" pitchFamily="49" charset="-127"/>
+                <a:ea typeface="D2Coding" panose="020B0609020101020101" pitchFamily="49" charset="-127"/>
+              </a:rPr>
+              <a:t>놀이동산델리게이트</a:t>
+            </a:r>
+            <a:r>
+              <a:rPr lang="en-US" altLang="ko-KR" sz="800" b="0">
+                <a:solidFill>
+                  <a:srgbClr val="333333"/>
+                </a:solidFill>
+                <a:effectLst/>
+                <a:latin typeface="D2Coding" panose="020B0609020101020101" pitchFamily="49" charset="-127"/>
+                <a:ea typeface="D2Coding" panose="020B0609020101020101" pitchFamily="49" charset="-127"/>
+              </a:rPr>
+              <a:t>(</a:t>
+            </a:r>
+            <a:r>
+              <a:rPr lang="en-US" altLang="ko-KR" sz="800" b="0">
+                <a:solidFill>
+                  <a:srgbClr val="7A3E9D"/>
+                </a:solidFill>
+                <a:effectLst/>
+                <a:latin typeface="D2Coding" panose="020B0609020101020101" pitchFamily="49" charset="-127"/>
+                <a:ea typeface="D2Coding" panose="020B0609020101020101" pitchFamily="49" charset="-127"/>
+              </a:rPr>
+              <a:t>data</a:t>
+            </a:r>
+            <a:r>
+              <a:rPr lang="en-US" altLang="ko-KR" sz="800" b="0">
+                <a:solidFill>
+                  <a:srgbClr val="777777"/>
+                </a:solidFill>
+                <a:effectLst/>
+                <a:latin typeface="D2Coding" panose="020B0609020101020101" pitchFamily="49" charset="-127"/>
+                <a:ea typeface="D2Coding" panose="020B0609020101020101" pitchFamily="49" charset="-127"/>
+              </a:rPr>
+              <a:t>,</a:t>
+            </a:r>
+            <a:r>
+              <a:rPr lang="en-US" altLang="ko-KR" sz="800" b="0">
+                <a:solidFill>
+                  <a:srgbClr val="333333"/>
+                </a:solidFill>
+                <a:effectLst/>
+                <a:latin typeface="D2Coding" panose="020B0609020101020101" pitchFamily="49" charset="-127"/>
+                <a:ea typeface="D2Coding" panose="020B0609020101020101" pitchFamily="49" charset="-127"/>
+              </a:rPr>
+              <a:t> </a:t>
+            </a:r>
+            <a:r>
+              <a:rPr lang="en-US" altLang="ko-KR" sz="800" b="0">
+                <a:solidFill>
+                  <a:srgbClr val="9C5D27"/>
+                </a:solidFill>
+                <a:effectLst/>
+                <a:latin typeface="D2Coding" panose="020B0609020101020101" pitchFamily="49" charset="-127"/>
+                <a:ea typeface="D2Coding" panose="020B0609020101020101" pitchFamily="49" charset="-127"/>
+              </a:rPr>
+              <a:t>this</a:t>
+            </a:r>
+            <a:r>
+              <a:rPr lang="en-US" altLang="ko-KR" sz="800" b="0">
+                <a:solidFill>
+                  <a:srgbClr val="333333"/>
+                </a:solidFill>
+                <a:effectLst/>
+                <a:latin typeface="D2Coding" panose="020B0609020101020101" pitchFamily="49" charset="-127"/>
+                <a:ea typeface="D2Coding" panose="020B0609020101020101" pitchFamily="49" charset="-127"/>
+              </a:rPr>
+              <a:t>)</a:t>
+            </a:r>
+            <a:r>
+              <a:rPr lang="en-US" altLang="ko-KR" sz="800" b="0">
+                <a:solidFill>
+                  <a:srgbClr val="777777"/>
+                </a:solidFill>
+                <a:effectLst/>
+                <a:latin typeface="D2Coding" panose="020B0609020101020101" pitchFamily="49" charset="-127"/>
+                <a:ea typeface="D2Coding" panose="020B0609020101020101" pitchFamily="49" charset="-127"/>
+              </a:rPr>
+              <a:t>;</a:t>
+            </a:r>
+            <a:endParaRPr lang="en-US" altLang="ko-KR" sz="800" b="0">
+              <a:solidFill>
+                <a:srgbClr val="333333"/>
+              </a:solidFill>
+              <a:effectLst/>
+              <a:latin typeface="D2Coding" panose="020B0609020101020101" pitchFamily="49" charset="-127"/>
+              <a:ea typeface="D2Coding" panose="020B0609020101020101" pitchFamily="49" charset="-127"/>
+            </a:endParaRPr>
+          </a:p>
+          <a:p>
+            <a:r>
+              <a:rPr lang="en-US" altLang="ko-KR" sz="800" b="0">
+                <a:solidFill>
+                  <a:srgbClr val="333333"/>
+                </a:solidFill>
+                <a:effectLst/>
+                <a:latin typeface="D2Coding" panose="020B0609020101020101" pitchFamily="49" charset="-127"/>
+                <a:ea typeface="D2Coding" panose="020B0609020101020101" pitchFamily="49" charset="-127"/>
+              </a:rPr>
+              <a:t>    </a:t>
+            </a:r>
+            <a:r>
+              <a:rPr lang="en-US" altLang="ko-KR" sz="800" b="0">
+                <a:solidFill>
+                  <a:srgbClr val="777777"/>
+                </a:solidFill>
+                <a:effectLst/>
+                <a:latin typeface="D2Coding" panose="020B0609020101020101" pitchFamily="49" charset="-127"/>
+                <a:ea typeface="D2Coding" panose="020B0609020101020101" pitchFamily="49" charset="-127"/>
+              </a:rPr>
+              <a:t>}</a:t>
+            </a:r>
+            <a:endParaRPr lang="en-US" altLang="ko-KR" sz="800" b="0">
+              <a:solidFill>
+                <a:srgbClr val="333333"/>
+              </a:solidFill>
+              <a:effectLst/>
+              <a:latin typeface="D2Coding" panose="020B0609020101020101" pitchFamily="49" charset="-127"/>
+              <a:ea typeface="D2Coding" panose="020B0609020101020101" pitchFamily="49" charset="-127"/>
+            </a:endParaRPr>
+          </a:p>
+          <a:p>
+            <a:r>
+              <a:rPr lang="en-US" altLang="ko-KR" sz="800" b="0">
+                <a:solidFill>
+                  <a:srgbClr val="333333"/>
+                </a:solidFill>
+                <a:effectLst/>
+                <a:latin typeface="D2Coding" panose="020B0609020101020101" pitchFamily="49" charset="-127"/>
+                <a:ea typeface="D2Coding" panose="020B0609020101020101" pitchFamily="49" charset="-127"/>
+              </a:rPr>
+              <a:t>  </a:t>
+            </a:r>
+            <a:r>
+              <a:rPr lang="en-US" altLang="ko-KR" sz="800" b="0">
+                <a:solidFill>
+                  <a:srgbClr val="777777"/>
+                </a:solidFill>
+                <a:effectLst/>
+                <a:latin typeface="D2Coding" panose="020B0609020101020101" pitchFamily="49" charset="-127"/>
+                <a:ea typeface="D2Coding" panose="020B0609020101020101" pitchFamily="49" charset="-127"/>
+              </a:rPr>
+              <a:t>}</a:t>
+            </a:r>
+            <a:endParaRPr lang="en-US" altLang="ko-KR" sz="800" b="0">
+              <a:solidFill>
+                <a:srgbClr val="333333"/>
+              </a:solidFill>
+              <a:effectLst/>
+              <a:latin typeface="D2Coding" panose="020B0609020101020101" pitchFamily="49" charset="-127"/>
+              <a:ea typeface="D2Coding" panose="020B0609020101020101" pitchFamily="49" charset="-127"/>
+            </a:endParaRPr>
+          </a:p>
+          <a:p>
+            <a:r>
+              <a:rPr lang="en-US" altLang="ko-KR" sz="800" b="0">
+                <a:solidFill>
+                  <a:srgbClr val="777777"/>
+                </a:solidFill>
+                <a:effectLst/>
+                <a:latin typeface="D2Coding" panose="020B0609020101020101" pitchFamily="49" charset="-127"/>
+                <a:ea typeface="D2Coding" panose="020B0609020101020101" pitchFamily="49" charset="-127"/>
+              </a:rPr>
+              <a:t>}</a:t>
+            </a:r>
+            <a:endParaRPr lang="en-US" altLang="ko-KR" sz="800" b="0">
+              <a:solidFill>
+                <a:srgbClr val="333333"/>
+              </a:solidFill>
+              <a:effectLst/>
+              <a:latin typeface="D2Coding" panose="020B0609020101020101" pitchFamily="49" charset="-127"/>
+              <a:ea typeface="D2Coding" panose="020B0609020101020101" pitchFamily="49" charset="-127"/>
+            </a:endParaRPr>
+          </a:p>
+          <a:p>
+            <a:br>
+              <a:rPr lang="en-US" altLang="ko-KR" sz="800" b="0">
+                <a:solidFill>
+                  <a:srgbClr val="333333"/>
+                </a:solidFill>
+                <a:effectLst/>
+                <a:latin typeface="D2Coding" panose="020B0609020101020101" pitchFamily="49" charset="-127"/>
+                <a:ea typeface="D2Coding" panose="020B0609020101020101" pitchFamily="49" charset="-127"/>
+              </a:rPr>
+            </a:br>
+            <a:r>
+              <a:rPr lang="en-US" altLang="ko-KR" sz="800" b="0">
+                <a:solidFill>
+                  <a:srgbClr val="7A3E9D"/>
+                </a:solidFill>
+                <a:effectLst/>
+                <a:latin typeface="D2Coding" panose="020B0609020101020101" pitchFamily="49" charset="-127"/>
+                <a:ea typeface="D2Coding" panose="020B0609020101020101" pitchFamily="49" charset="-127"/>
+              </a:rPr>
+              <a:t>class</a:t>
+            </a:r>
+            <a:r>
+              <a:rPr lang="en-US" altLang="ko-KR" sz="800" b="0">
+                <a:solidFill>
+                  <a:srgbClr val="333333"/>
+                </a:solidFill>
+                <a:effectLst/>
+                <a:latin typeface="D2Coding" panose="020B0609020101020101" pitchFamily="49" charset="-127"/>
+                <a:ea typeface="D2Coding" panose="020B0609020101020101" pitchFamily="49" charset="-127"/>
+              </a:rPr>
+              <a:t> </a:t>
+            </a:r>
+            <a:r>
+              <a:rPr lang="ko-KR" altLang="en-US" sz="800" b="1">
+                <a:solidFill>
+                  <a:srgbClr val="7A3E9D"/>
+                </a:solidFill>
+                <a:effectLst/>
+                <a:latin typeface="D2Coding" panose="020B0609020101020101" pitchFamily="49" charset="-127"/>
+                <a:ea typeface="D2Coding" panose="020B0609020101020101" pitchFamily="49" charset="-127"/>
+              </a:rPr>
+              <a:t>종류델리게이트</a:t>
+            </a:r>
+            <a:r>
+              <a:rPr lang="ko-KR" altLang="en-US" sz="800" b="0">
+                <a:solidFill>
+                  <a:srgbClr val="333333"/>
+                </a:solidFill>
+                <a:effectLst/>
+                <a:latin typeface="D2Coding" panose="020B0609020101020101" pitchFamily="49" charset="-127"/>
+                <a:ea typeface="D2Coding" panose="020B0609020101020101" pitchFamily="49" charset="-127"/>
+              </a:rPr>
+              <a:t> </a:t>
+            </a:r>
+            <a:r>
+              <a:rPr lang="en-US" altLang="ko-KR" sz="800" b="0">
+                <a:solidFill>
+                  <a:srgbClr val="777777"/>
+                </a:solidFill>
+                <a:effectLst/>
+                <a:latin typeface="D2Coding" panose="020B0609020101020101" pitchFamily="49" charset="-127"/>
+                <a:ea typeface="D2Coding" panose="020B0609020101020101" pitchFamily="49" charset="-127"/>
+              </a:rPr>
+              <a:t>{</a:t>
+            </a:r>
+            <a:endParaRPr lang="ko-KR" altLang="en-US" sz="800" b="0">
+              <a:solidFill>
+                <a:srgbClr val="333333"/>
+              </a:solidFill>
+              <a:effectLst/>
+              <a:latin typeface="D2Coding" panose="020B0609020101020101" pitchFamily="49" charset="-127"/>
+              <a:ea typeface="D2Coding" panose="020B0609020101020101" pitchFamily="49" charset="-127"/>
+            </a:endParaRPr>
+          </a:p>
+          <a:p>
+            <a:r>
+              <a:rPr lang="ko-KR" altLang="en-US" sz="800" b="0">
+                <a:solidFill>
+                  <a:srgbClr val="333333"/>
+                </a:solidFill>
+                <a:effectLst/>
+                <a:latin typeface="D2Coding" panose="020B0609020101020101" pitchFamily="49" charset="-127"/>
+                <a:ea typeface="D2Coding" panose="020B0609020101020101" pitchFamily="49" charset="-127"/>
+              </a:rPr>
+              <a:t>  </a:t>
+            </a:r>
+            <a:r>
+              <a:rPr lang="en-US" altLang="ko-KR" sz="800" b="1">
+                <a:solidFill>
+                  <a:srgbClr val="AA3731"/>
+                </a:solidFill>
+                <a:effectLst/>
+                <a:latin typeface="D2Coding" panose="020B0609020101020101" pitchFamily="49" charset="-127"/>
+                <a:ea typeface="D2Coding" panose="020B0609020101020101" pitchFamily="49" charset="-127"/>
+              </a:rPr>
+              <a:t>beAmusmentPark</a:t>
+            </a:r>
+            <a:r>
+              <a:rPr lang="en-US" altLang="ko-KR" sz="800" b="0">
+                <a:solidFill>
+                  <a:srgbClr val="777777"/>
+                </a:solidFill>
+                <a:effectLst/>
+                <a:latin typeface="D2Coding" panose="020B0609020101020101" pitchFamily="49" charset="-127"/>
+                <a:ea typeface="D2Coding" panose="020B0609020101020101" pitchFamily="49" charset="-127"/>
+              </a:rPr>
+              <a:t>(</a:t>
+            </a:r>
+            <a:r>
+              <a:rPr lang="en-US" altLang="ko-KR" sz="800" b="0">
+                <a:solidFill>
+                  <a:srgbClr val="7A3E9D"/>
+                </a:solidFill>
+                <a:effectLst/>
+                <a:latin typeface="D2Coding" panose="020B0609020101020101" pitchFamily="49" charset="-127"/>
+                <a:ea typeface="D2Coding" panose="020B0609020101020101" pitchFamily="49" charset="-127"/>
+              </a:rPr>
+              <a:t>that</a:t>
+            </a:r>
+            <a:r>
+              <a:rPr lang="en-US" altLang="ko-KR" sz="800" b="0">
+                <a:solidFill>
+                  <a:srgbClr val="777777"/>
+                </a:solidFill>
+                <a:effectLst/>
+                <a:latin typeface="D2Coding" panose="020B0609020101020101" pitchFamily="49" charset="-127"/>
+                <a:ea typeface="D2Coding" panose="020B0609020101020101" pitchFamily="49" charset="-127"/>
+              </a:rPr>
+              <a:t>)</a:t>
+            </a:r>
+            <a:r>
+              <a:rPr lang="en-US" altLang="ko-KR" sz="800" b="0">
+                <a:solidFill>
+                  <a:srgbClr val="333333"/>
+                </a:solidFill>
+                <a:effectLst/>
+                <a:latin typeface="D2Coding" panose="020B0609020101020101" pitchFamily="49" charset="-127"/>
+                <a:ea typeface="D2Coding" panose="020B0609020101020101" pitchFamily="49" charset="-127"/>
+              </a:rPr>
+              <a:t> </a:t>
+            </a:r>
+            <a:r>
+              <a:rPr lang="en-US" altLang="ko-KR" sz="800" b="0">
+                <a:solidFill>
+                  <a:srgbClr val="777777"/>
+                </a:solidFill>
+                <a:effectLst/>
+                <a:latin typeface="D2Coding" panose="020B0609020101020101" pitchFamily="49" charset="-127"/>
+                <a:ea typeface="D2Coding" panose="020B0609020101020101" pitchFamily="49" charset="-127"/>
+              </a:rPr>
+              <a:t>{</a:t>
+            </a:r>
+            <a:endParaRPr lang="en-US" altLang="ko-KR" sz="800" b="0">
+              <a:solidFill>
+                <a:srgbClr val="333333"/>
+              </a:solidFill>
+              <a:effectLst/>
+              <a:latin typeface="D2Coding" panose="020B0609020101020101" pitchFamily="49" charset="-127"/>
+              <a:ea typeface="D2Coding" panose="020B0609020101020101" pitchFamily="49" charset="-127"/>
+            </a:endParaRPr>
+          </a:p>
+          <a:p>
+            <a:r>
+              <a:rPr lang="en-US" altLang="ko-KR" sz="800" b="0">
+                <a:solidFill>
+                  <a:srgbClr val="333333"/>
+                </a:solidFill>
+                <a:effectLst/>
+                <a:latin typeface="D2Coding" panose="020B0609020101020101" pitchFamily="49" charset="-127"/>
+                <a:ea typeface="D2Coding" panose="020B0609020101020101" pitchFamily="49" charset="-127"/>
+              </a:rPr>
+              <a:t>    </a:t>
+            </a:r>
+            <a:r>
+              <a:rPr lang="en-US" altLang="ko-KR" sz="800" b="0">
+                <a:solidFill>
+                  <a:srgbClr val="7A3E9D"/>
+                </a:solidFill>
+                <a:effectLst/>
+                <a:latin typeface="D2Coding" panose="020B0609020101020101" pitchFamily="49" charset="-127"/>
+                <a:ea typeface="D2Coding" panose="020B0609020101020101" pitchFamily="49" charset="-127"/>
+              </a:rPr>
+              <a:t>that</a:t>
+            </a:r>
+            <a:r>
+              <a:rPr lang="en-US" altLang="ko-KR" sz="800" b="0">
+                <a:solidFill>
+                  <a:srgbClr val="777777"/>
+                </a:solidFill>
+                <a:effectLst/>
+                <a:latin typeface="D2Coding" panose="020B0609020101020101" pitchFamily="49" charset="-127"/>
+                <a:ea typeface="D2Coding" panose="020B0609020101020101" pitchFamily="49" charset="-127"/>
+              </a:rPr>
+              <a:t>.</a:t>
+            </a:r>
+            <a:r>
+              <a:rPr lang="en-US" altLang="ko-KR" sz="800" b="0">
+                <a:solidFill>
+                  <a:srgbClr val="7A3E9D"/>
+                </a:solidFill>
+                <a:effectLst/>
+                <a:latin typeface="D2Coding" panose="020B0609020101020101" pitchFamily="49" charset="-127"/>
+                <a:ea typeface="D2Coding" panose="020B0609020101020101" pitchFamily="49" charset="-127"/>
+              </a:rPr>
+              <a:t>_classificationDelegate</a:t>
+            </a:r>
+            <a:r>
+              <a:rPr lang="en-US" altLang="ko-KR" sz="800" b="0">
+                <a:solidFill>
+                  <a:srgbClr val="333333"/>
+                </a:solidFill>
+                <a:effectLst/>
+                <a:latin typeface="D2Coding" panose="020B0609020101020101" pitchFamily="49" charset="-127"/>
+                <a:ea typeface="D2Coding" panose="020B0609020101020101" pitchFamily="49" charset="-127"/>
+              </a:rPr>
+              <a:t> </a:t>
+            </a:r>
+            <a:r>
+              <a:rPr lang="en-US" altLang="ko-KR" sz="800" b="0">
+                <a:solidFill>
+                  <a:srgbClr val="777777"/>
+                </a:solidFill>
+                <a:effectLst/>
+                <a:latin typeface="D2Coding" panose="020B0609020101020101" pitchFamily="49" charset="-127"/>
+                <a:ea typeface="D2Coding" panose="020B0609020101020101" pitchFamily="49" charset="-127"/>
+              </a:rPr>
+              <a:t>=</a:t>
+            </a:r>
+            <a:r>
+              <a:rPr lang="en-US" altLang="ko-KR" sz="800" b="0">
+                <a:solidFill>
+                  <a:srgbClr val="333333"/>
+                </a:solidFill>
+                <a:effectLst/>
+                <a:latin typeface="D2Coding" panose="020B0609020101020101" pitchFamily="49" charset="-127"/>
+                <a:ea typeface="D2Coding" panose="020B0609020101020101" pitchFamily="49" charset="-127"/>
+              </a:rPr>
+              <a:t> </a:t>
+            </a:r>
+            <a:r>
+              <a:rPr lang="en-US" altLang="ko-KR" sz="800" b="0">
+                <a:solidFill>
+                  <a:srgbClr val="777777"/>
+                </a:solidFill>
+                <a:effectLst/>
+                <a:latin typeface="D2Coding" panose="020B0609020101020101" pitchFamily="49" charset="-127"/>
+                <a:ea typeface="D2Coding" panose="020B0609020101020101" pitchFamily="49" charset="-127"/>
+              </a:rPr>
+              <a:t>new</a:t>
+            </a:r>
+            <a:r>
+              <a:rPr lang="en-US" altLang="ko-KR" sz="800" b="0">
+                <a:solidFill>
+                  <a:srgbClr val="333333"/>
+                </a:solidFill>
+                <a:effectLst/>
+                <a:latin typeface="D2Coding" panose="020B0609020101020101" pitchFamily="49" charset="-127"/>
+                <a:ea typeface="D2Coding" panose="020B0609020101020101" pitchFamily="49" charset="-127"/>
+              </a:rPr>
+              <a:t> </a:t>
+            </a:r>
+            <a:r>
+              <a:rPr lang="ko-KR" altLang="en-US" sz="800" b="1">
+                <a:solidFill>
+                  <a:srgbClr val="7A3E9D"/>
+                </a:solidFill>
+                <a:effectLst/>
+                <a:latin typeface="D2Coding" panose="020B0609020101020101" pitchFamily="49" charset="-127"/>
+                <a:ea typeface="D2Coding" panose="020B0609020101020101" pitchFamily="49" charset="-127"/>
+              </a:rPr>
+              <a:t>놀이동산델리게이트</a:t>
+            </a:r>
+            <a:r>
+              <a:rPr lang="en-US" altLang="ko-KR" sz="800" b="0">
+                <a:solidFill>
+                  <a:srgbClr val="333333"/>
+                </a:solidFill>
+                <a:effectLst/>
+                <a:latin typeface="D2Coding" panose="020B0609020101020101" pitchFamily="49" charset="-127"/>
+                <a:ea typeface="D2Coding" panose="020B0609020101020101" pitchFamily="49" charset="-127"/>
+              </a:rPr>
+              <a:t>(</a:t>
+            </a:r>
+            <a:r>
+              <a:rPr lang="en-US" altLang="ko-KR" sz="800" b="0">
+                <a:solidFill>
+                  <a:srgbClr val="9C5D27"/>
+                </a:solidFill>
+                <a:effectLst/>
+                <a:latin typeface="D2Coding" panose="020B0609020101020101" pitchFamily="49" charset="-127"/>
+                <a:ea typeface="D2Coding" panose="020B0609020101020101" pitchFamily="49" charset="-127"/>
+              </a:rPr>
+              <a:t>this</a:t>
+            </a:r>
+            <a:r>
+              <a:rPr lang="en-US" altLang="ko-KR" sz="800" b="0">
+                <a:solidFill>
+                  <a:srgbClr val="333333"/>
+                </a:solidFill>
+                <a:effectLst/>
+                <a:latin typeface="D2Coding" panose="020B0609020101020101" pitchFamily="49" charset="-127"/>
+                <a:ea typeface="D2Coding" panose="020B0609020101020101" pitchFamily="49" charset="-127"/>
+              </a:rPr>
+              <a:t>)</a:t>
+            </a:r>
+            <a:r>
+              <a:rPr lang="en-US" altLang="ko-KR" sz="800" b="0">
+                <a:solidFill>
+                  <a:srgbClr val="777777"/>
+                </a:solidFill>
+                <a:effectLst/>
+                <a:latin typeface="D2Coding" panose="020B0609020101020101" pitchFamily="49" charset="-127"/>
+                <a:ea typeface="D2Coding" panose="020B0609020101020101" pitchFamily="49" charset="-127"/>
+              </a:rPr>
+              <a:t>;</a:t>
+            </a:r>
+            <a:endParaRPr lang="en-US" altLang="ko-KR" sz="800" b="0">
+              <a:solidFill>
+                <a:srgbClr val="333333"/>
+              </a:solidFill>
+              <a:effectLst/>
+              <a:latin typeface="D2Coding" panose="020B0609020101020101" pitchFamily="49" charset="-127"/>
+              <a:ea typeface="D2Coding" panose="020B0609020101020101" pitchFamily="49" charset="-127"/>
+            </a:endParaRPr>
+          </a:p>
+          <a:p>
+            <a:r>
+              <a:rPr lang="en-US" altLang="ko-KR" sz="800" b="0">
+                <a:solidFill>
+                  <a:srgbClr val="333333"/>
+                </a:solidFill>
+                <a:effectLst/>
+                <a:latin typeface="D2Coding" panose="020B0609020101020101" pitchFamily="49" charset="-127"/>
+                <a:ea typeface="D2Coding" panose="020B0609020101020101" pitchFamily="49" charset="-127"/>
+              </a:rPr>
+              <a:t>  </a:t>
+            </a:r>
+            <a:r>
+              <a:rPr lang="en-US" altLang="ko-KR" sz="800" b="0">
+                <a:solidFill>
+                  <a:srgbClr val="777777"/>
+                </a:solidFill>
+                <a:effectLst/>
+                <a:latin typeface="D2Coding" panose="020B0609020101020101" pitchFamily="49" charset="-127"/>
+                <a:ea typeface="D2Coding" panose="020B0609020101020101" pitchFamily="49" charset="-127"/>
+              </a:rPr>
+              <a:t>}</a:t>
+            </a:r>
+            <a:endParaRPr lang="en-US" altLang="ko-KR" sz="800" b="0">
+              <a:solidFill>
+                <a:srgbClr val="333333"/>
+              </a:solidFill>
+              <a:effectLst/>
+              <a:latin typeface="D2Coding" panose="020B0609020101020101" pitchFamily="49" charset="-127"/>
+              <a:ea typeface="D2Coding" panose="020B0609020101020101" pitchFamily="49" charset="-127"/>
+            </a:endParaRPr>
+          </a:p>
+          <a:p>
+            <a:r>
+              <a:rPr lang="en-US" altLang="ko-KR" sz="800" b="0">
+                <a:solidFill>
+                  <a:srgbClr val="777777"/>
+                </a:solidFill>
+                <a:effectLst/>
+                <a:latin typeface="D2Coding" panose="020B0609020101020101" pitchFamily="49" charset="-127"/>
+                <a:ea typeface="D2Coding" panose="020B0609020101020101" pitchFamily="49" charset="-127"/>
+              </a:rPr>
+              <a:t>}</a:t>
+            </a:r>
+            <a:endParaRPr lang="en-US" altLang="ko-KR" sz="800" b="0">
+              <a:solidFill>
+                <a:srgbClr val="333333"/>
+              </a:solidFill>
+              <a:effectLst/>
+              <a:latin typeface="D2Coding" panose="020B0609020101020101" pitchFamily="49" charset="-127"/>
+              <a:ea typeface="D2Coding" panose="020B0609020101020101" pitchFamily="49" charset="-127"/>
+            </a:endParaRPr>
+          </a:p>
+          <a:p>
+            <a:br>
+              <a:rPr lang="en-US" altLang="ko-KR" sz="800" b="0">
+                <a:solidFill>
+                  <a:srgbClr val="333333"/>
+                </a:solidFill>
+                <a:effectLst/>
+                <a:latin typeface="D2Coding" panose="020B0609020101020101" pitchFamily="49" charset="-127"/>
+                <a:ea typeface="D2Coding" panose="020B0609020101020101" pitchFamily="49" charset="-127"/>
+              </a:rPr>
+            </a:br>
+            <a:r>
+              <a:rPr lang="en-US" altLang="ko-KR" sz="800" b="0">
+                <a:solidFill>
+                  <a:srgbClr val="7A3E9D"/>
+                </a:solidFill>
+                <a:effectLst/>
+                <a:latin typeface="D2Coding" panose="020B0609020101020101" pitchFamily="49" charset="-127"/>
+                <a:ea typeface="D2Coding" panose="020B0609020101020101" pitchFamily="49" charset="-127"/>
+              </a:rPr>
+              <a:t>class</a:t>
+            </a:r>
+            <a:r>
+              <a:rPr lang="en-US" altLang="ko-KR" sz="800" b="0">
+                <a:solidFill>
+                  <a:srgbClr val="333333"/>
+                </a:solidFill>
+                <a:effectLst/>
+                <a:latin typeface="D2Coding" panose="020B0609020101020101" pitchFamily="49" charset="-127"/>
+                <a:ea typeface="D2Coding" panose="020B0609020101020101" pitchFamily="49" charset="-127"/>
+              </a:rPr>
+              <a:t> </a:t>
+            </a:r>
+            <a:r>
+              <a:rPr lang="ko-KR" altLang="en-US" sz="800" b="1">
+                <a:solidFill>
+                  <a:srgbClr val="7A3E9D"/>
+                </a:solidFill>
+                <a:effectLst/>
+                <a:latin typeface="D2Coding" panose="020B0609020101020101" pitchFamily="49" charset="-127"/>
+                <a:ea typeface="D2Coding" panose="020B0609020101020101" pitchFamily="49" charset="-127"/>
+              </a:rPr>
+              <a:t>포유류델리게이트</a:t>
+            </a:r>
+            <a:r>
+              <a:rPr lang="ko-KR" altLang="en-US" sz="800" b="0">
+                <a:solidFill>
+                  <a:srgbClr val="333333"/>
+                </a:solidFill>
+                <a:effectLst/>
+                <a:latin typeface="D2Coding" panose="020B0609020101020101" pitchFamily="49" charset="-127"/>
+                <a:ea typeface="D2Coding" panose="020B0609020101020101" pitchFamily="49" charset="-127"/>
+              </a:rPr>
+              <a:t> </a:t>
+            </a:r>
+            <a:r>
+              <a:rPr lang="en-US" altLang="ko-KR" sz="800" b="0">
+                <a:solidFill>
+                  <a:srgbClr val="4B69C6"/>
+                </a:solidFill>
+                <a:effectLst/>
+                <a:latin typeface="D2Coding" panose="020B0609020101020101" pitchFamily="49" charset="-127"/>
+                <a:ea typeface="D2Coding" panose="020B0609020101020101" pitchFamily="49" charset="-127"/>
+              </a:rPr>
+              <a:t>extends</a:t>
+            </a:r>
+            <a:r>
+              <a:rPr lang="en-US" altLang="ko-KR" sz="800" b="0">
+                <a:solidFill>
+                  <a:srgbClr val="333333"/>
+                </a:solidFill>
+                <a:effectLst/>
+                <a:latin typeface="D2Coding" panose="020B0609020101020101" pitchFamily="49" charset="-127"/>
+                <a:ea typeface="D2Coding" panose="020B0609020101020101" pitchFamily="49" charset="-127"/>
+              </a:rPr>
+              <a:t> </a:t>
+            </a:r>
+            <a:r>
+              <a:rPr lang="ko-KR" altLang="en-US" sz="800" b="1">
+                <a:solidFill>
+                  <a:srgbClr val="7A3E9D"/>
+                </a:solidFill>
+                <a:effectLst/>
+                <a:latin typeface="D2Coding" panose="020B0609020101020101" pitchFamily="49" charset="-127"/>
+                <a:ea typeface="D2Coding" panose="020B0609020101020101" pitchFamily="49" charset="-127"/>
+              </a:rPr>
+              <a:t>종류델리게이트</a:t>
+            </a:r>
+            <a:r>
+              <a:rPr lang="ko-KR" altLang="en-US" sz="800" b="0">
+                <a:solidFill>
+                  <a:srgbClr val="333333"/>
+                </a:solidFill>
+                <a:effectLst/>
+                <a:latin typeface="D2Coding" panose="020B0609020101020101" pitchFamily="49" charset="-127"/>
+                <a:ea typeface="D2Coding" panose="020B0609020101020101" pitchFamily="49" charset="-127"/>
+              </a:rPr>
+              <a:t> </a:t>
+            </a:r>
+            <a:r>
+              <a:rPr lang="en-US" altLang="ko-KR" sz="800" b="0">
+                <a:solidFill>
+                  <a:srgbClr val="777777"/>
+                </a:solidFill>
+                <a:effectLst/>
+                <a:latin typeface="D2Coding" panose="020B0609020101020101" pitchFamily="49" charset="-127"/>
+                <a:ea typeface="D2Coding" panose="020B0609020101020101" pitchFamily="49" charset="-127"/>
+              </a:rPr>
+              <a:t>{</a:t>
+            </a:r>
+            <a:endParaRPr lang="ko-KR" altLang="en-US" sz="800" b="0">
+              <a:solidFill>
+                <a:srgbClr val="333333"/>
+              </a:solidFill>
+              <a:effectLst/>
+              <a:latin typeface="D2Coding" panose="020B0609020101020101" pitchFamily="49" charset="-127"/>
+              <a:ea typeface="D2Coding" panose="020B0609020101020101" pitchFamily="49" charset="-127"/>
+            </a:endParaRPr>
+          </a:p>
+          <a:p>
+            <a:r>
+              <a:rPr lang="ko-KR" altLang="en-US" sz="800" b="0">
+                <a:solidFill>
+                  <a:srgbClr val="333333"/>
+                </a:solidFill>
+                <a:effectLst/>
+                <a:latin typeface="D2Coding" panose="020B0609020101020101" pitchFamily="49" charset="-127"/>
+                <a:ea typeface="D2Coding" panose="020B0609020101020101" pitchFamily="49" charset="-127"/>
+              </a:rPr>
+              <a:t>  </a:t>
+            </a:r>
+            <a:r>
+              <a:rPr lang="en-US" altLang="ko-KR" sz="800" b="0">
+                <a:solidFill>
+                  <a:srgbClr val="7A3E9D"/>
+                </a:solidFill>
+                <a:effectLst/>
+                <a:latin typeface="D2Coding" panose="020B0609020101020101" pitchFamily="49" charset="-127"/>
+                <a:ea typeface="D2Coding" panose="020B0609020101020101" pitchFamily="49" charset="-127"/>
+              </a:rPr>
+              <a:t>constructor</a:t>
+            </a:r>
+            <a:r>
+              <a:rPr lang="en-US" altLang="ko-KR" sz="800" b="0">
+                <a:solidFill>
+                  <a:srgbClr val="777777"/>
+                </a:solidFill>
+                <a:effectLst/>
+                <a:latin typeface="D2Coding" panose="020B0609020101020101" pitchFamily="49" charset="-127"/>
+                <a:ea typeface="D2Coding" panose="020B0609020101020101" pitchFamily="49" charset="-127"/>
+              </a:rPr>
+              <a:t>(</a:t>
+            </a:r>
+            <a:r>
+              <a:rPr lang="en-US" altLang="ko-KR" sz="800" b="0">
+                <a:solidFill>
+                  <a:srgbClr val="7A3E9D"/>
+                </a:solidFill>
+                <a:effectLst/>
+                <a:latin typeface="D2Coding" panose="020B0609020101020101" pitchFamily="49" charset="-127"/>
+                <a:ea typeface="D2Coding" panose="020B0609020101020101" pitchFamily="49" charset="-127"/>
+              </a:rPr>
+              <a:t>data</a:t>
+            </a:r>
+            <a:r>
+              <a:rPr lang="en-US" altLang="ko-KR" sz="800" b="0">
+                <a:solidFill>
+                  <a:srgbClr val="777777"/>
+                </a:solidFill>
+                <a:effectLst/>
+                <a:latin typeface="D2Coding" panose="020B0609020101020101" pitchFamily="49" charset="-127"/>
+                <a:ea typeface="D2Coding" panose="020B0609020101020101" pitchFamily="49" charset="-127"/>
+              </a:rPr>
+              <a:t>)</a:t>
+            </a:r>
+            <a:r>
+              <a:rPr lang="en-US" altLang="ko-KR" sz="800" b="0">
+                <a:solidFill>
+                  <a:srgbClr val="333333"/>
+                </a:solidFill>
+                <a:effectLst/>
+                <a:latin typeface="D2Coding" panose="020B0609020101020101" pitchFamily="49" charset="-127"/>
+                <a:ea typeface="D2Coding" panose="020B0609020101020101" pitchFamily="49" charset="-127"/>
+              </a:rPr>
+              <a:t> </a:t>
+            </a:r>
+            <a:r>
+              <a:rPr lang="en-US" altLang="ko-KR" sz="800" b="0">
+                <a:solidFill>
+                  <a:srgbClr val="777777"/>
+                </a:solidFill>
+                <a:effectLst/>
+                <a:latin typeface="D2Coding" panose="020B0609020101020101" pitchFamily="49" charset="-127"/>
+                <a:ea typeface="D2Coding" panose="020B0609020101020101" pitchFamily="49" charset="-127"/>
+              </a:rPr>
+              <a:t>{</a:t>
+            </a:r>
+            <a:endParaRPr lang="en-US" altLang="ko-KR" sz="800" b="0">
+              <a:solidFill>
+                <a:srgbClr val="333333"/>
+              </a:solidFill>
+              <a:effectLst/>
+              <a:latin typeface="D2Coding" panose="020B0609020101020101" pitchFamily="49" charset="-127"/>
+              <a:ea typeface="D2Coding" panose="020B0609020101020101" pitchFamily="49" charset="-127"/>
+            </a:endParaRPr>
+          </a:p>
+          <a:p>
+            <a:r>
+              <a:rPr lang="en-US" altLang="ko-KR" sz="800" b="0">
+                <a:solidFill>
+                  <a:srgbClr val="333333"/>
+                </a:solidFill>
+                <a:effectLst/>
+                <a:latin typeface="D2Coding" panose="020B0609020101020101" pitchFamily="49" charset="-127"/>
+                <a:ea typeface="D2Coding" panose="020B0609020101020101" pitchFamily="49" charset="-127"/>
+              </a:rPr>
+              <a:t>    </a:t>
+            </a:r>
+            <a:r>
+              <a:rPr lang="en-US" altLang="ko-KR" sz="800" b="0">
+                <a:solidFill>
+                  <a:srgbClr val="9C5D27"/>
+                </a:solidFill>
+                <a:effectLst/>
+                <a:latin typeface="D2Coding" panose="020B0609020101020101" pitchFamily="49" charset="-127"/>
+                <a:ea typeface="D2Coding" panose="020B0609020101020101" pitchFamily="49" charset="-127"/>
+              </a:rPr>
+              <a:t>super</a:t>
+            </a:r>
+            <a:r>
+              <a:rPr lang="en-US" altLang="ko-KR" sz="800" b="0">
+                <a:solidFill>
+                  <a:srgbClr val="333333"/>
+                </a:solidFill>
+                <a:effectLst/>
+                <a:latin typeface="D2Coding" panose="020B0609020101020101" pitchFamily="49" charset="-127"/>
+                <a:ea typeface="D2Coding" panose="020B0609020101020101" pitchFamily="49" charset="-127"/>
+              </a:rPr>
+              <a:t>(</a:t>
+            </a:r>
+            <a:r>
+              <a:rPr lang="en-US" altLang="ko-KR" sz="800" b="0">
+                <a:solidFill>
+                  <a:srgbClr val="7A3E9D"/>
+                </a:solidFill>
+                <a:effectLst/>
+                <a:latin typeface="D2Coding" panose="020B0609020101020101" pitchFamily="49" charset="-127"/>
+                <a:ea typeface="D2Coding" panose="020B0609020101020101" pitchFamily="49" charset="-127"/>
+              </a:rPr>
+              <a:t>data</a:t>
+            </a:r>
+            <a:r>
+              <a:rPr lang="en-US" altLang="ko-KR" sz="800" b="0">
+                <a:solidFill>
+                  <a:srgbClr val="333333"/>
+                </a:solidFill>
+                <a:effectLst/>
+                <a:latin typeface="D2Coding" panose="020B0609020101020101" pitchFamily="49" charset="-127"/>
+                <a:ea typeface="D2Coding" panose="020B0609020101020101" pitchFamily="49" charset="-127"/>
+              </a:rPr>
+              <a:t>)</a:t>
+            </a:r>
+            <a:r>
+              <a:rPr lang="en-US" altLang="ko-KR" sz="800" b="0">
+                <a:solidFill>
+                  <a:srgbClr val="777777"/>
+                </a:solidFill>
+                <a:effectLst/>
+                <a:latin typeface="D2Coding" panose="020B0609020101020101" pitchFamily="49" charset="-127"/>
+                <a:ea typeface="D2Coding" panose="020B0609020101020101" pitchFamily="49" charset="-127"/>
+              </a:rPr>
+              <a:t>;</a:t>
+            </a:r>
+            <a:endParaRPr lang="en-US" altLang="ko-KR" sz="800" b="0">
+              <a:solidFill>
+                <a:srgbClr val="333333"/>
+              </a:solidFill>
+              <a:effectLst/>
+              <a:latin typeface="D2Coding" panose="020B0609020101020101" pitchFamily="49" charset="-127"/>
+              <a:ea typeface="D2Coding" panose="020B0609020101020101" pitchFamily="49" charset="-127"/>
+            </a:endParaRPr>
+          </a:p>
+          <a:p>
+            <a:r>
+              <a:rPr lang="en-US" altLang="ko-KR" sz="800" b="0">
+                <a:solidFill>
+                  <a:srgbClr val="333333"/>
+                </a:solidFill>
+                <a:effectLst/>
+                <a:latin typeface="D2Coding" panose="020B0609020101020101" pitchFamily="49" charset="-127"/>
+                <a:ea typeface="D2Coding" panose="020B0609020101020101" pitchFamily="49" charset="-127"/>
+              </a:rPr>
+              <a:t>    </a:t>
+            </a:r>
+            <a:r>
+              <a:rPr lang="en-US" altLang="ko-KR" sz="800" b="0">
+                <a:solidFill>
+                  <a:srgbClr val="9C5D27"/>
+                </a:solidFill>
+                <a:effectLst/>
+                <a:latin typeface="D2Coding" panose="020B0609020101020101" pitchFamily="49" charset="-127"/>
+                <a:ea typeface="D2Coding" panose="020B0609020101020101" pitchFamily="49" charset="-127"/>
+              </a:rPr>
+              <a:t>this</a:t>
+            </a:r>
+            <a:r>
+              <a:rPr lang="en-US" altLang="ko-KR" sz="800" b="0">
+                <a:solidFill>
+                  <a:srgbClr val="777777"/>
+                </a:solidFill>
+                <a:effectLst/>
+                <a:latin typeface="D2Coding" panose="020B0609020101020101" pitchFamily="49" charset="-127"/>
+                <a:ea typeface="D2Coding" panose="020B0609020101020101" pitchFamily="49" charset="-127"/>
+              </a:rPr>
+              <a:t>.</a:t>
+            </a:r>
+            <a:r>
+              <a:rPr lang="en-US" altLang="ko-KR" sz="800" b="0">
+                <a:solidFill>
+                  <a:srgbClr val="7A3E9D"/>
+                </a:solidFill>
+                <a:effectLst/>
+                <a:latin typeface="D2Coding" panose="020B0609020101020101" pitchFamily="49" charset="-127"/>
+                <a:ea typeface="D2Coding" panose="020B0609020101020101" pitchFamily="49" charset="-127"/>
+              </a:rPr>
+              <a:t>_isBone</a:t>
+            </a:r>
+            <a:r>
+              <a:rPr lang="en-US" altLang="ko-KR" sz="800" b="0">
+                <a:solidFill>
+                  <a:srgbClr val="333333"/>
+                </a:solidFill>
+                <a:effectLst/>
+                <a:latin typeface="D2Coding" panose="020B0609020101020101" pitchFamily="49" charset="-127"/>
+                <a:ea typeface="D2Coding" panose="020B0609020101020101" pitchFamily="49" charset="-127"/>
+              </a:rPr>
+              <a:t> </a:t>
+            </a:r>
+            <a:r>
+              <a:rPr lang="en-US" altLang="ko-KR" sz="800" b="0">
+                <a:solidFill>
+                  <a:srgbClr val="777777"/>
+                </a:solidFill>
+                <a:effectLst/>
+                <a:latin typeface="D2Coding" panose="020B0609020101020101" pitchFamily="49" charset="-127"/>
+                <a:ea typeface="D2Coding" panose="020B0609020101020101" pitchFamily="49" charset="-127"/>
+              </a:rPr>
+              <a:t>=</a:t>
+            </a:r>
+            <a:r>
+              <a:rPr lang="en-US" altLang="ko-KR" sz="800" b="0">
+                <a:solidFill>
+                  <a:srgbClr val="333333"/>
+                </a:solidFill>
+                <a:effectLst/>
+                <a:latin typeface="D2Coding" panose="020B0609020101020101" pitchFamily="49" charset="-127"/>
+                <a:ea typeface="D2Coding" panose="020B0609020101020101" pitchFamily="49" charset="-127"/>
+              </a:rPr>
+              <a:t> </a:t>
+            </a:r>
+            <a:r>
+              <a:rPr lang="en-US" altLang="ko-KR" sz="800" b="0">
+                <a:solidFill>
+                  <a:srgbClr val="7A3E9D"/>
+                </a:solidFill>
+                <a:effectLst/>
+                <a:latin typeface="D2Coding" panose="020B0609020101020101" pitchFamily="49" charset="-127"/>
+                <a:ea typeface="D2Coding" panose="020B0609020101020101" pitchFamily="49" charset="-127"/>
+              </a:rPr>
+              <a:t>data</a:t>
+            </a:r>
+            <a:r>
+              <a:rPr lang="en-US" altLang="ko-KR" sz="800" b="0">
+                <a:solidFill>
+                  <a:srgbClr val="777777"/>
+                </a:solidFill>
+                <a:effectLst/>
+                <a:latin typeface="D2Coding" panose="020B0609020101020101" pitchFamily="49" charset="-127"/>
+                <a:ea typeface="D2Coding" panose="020B0609020101020101" pitchFamily="49" charset="-127"/>
+              </a:rPr>
+              <a:t>.</a:t>
+            </a:r>
+            <a:r>
+              <a:rPr lang="en-US" altLang="ko-KR" sz="800" b="0">
+                <a:solidFill>
+                  <a:srgbClr val="7A3E9D"/>
+                </a:solidFill>
+                <a:effectLst/>
+                <a:latin typeface="D2Coding" panose="020B0609020101020101" pitchFamily="49" charset="-127"/>
+                <a:ea typeface="D2Coding" panose="020B0609020101020101" pitchFamily="49" charset="-127"/>
+              </a:rPr>
+              <a:t>isBorn</a:t>
+            </a:r>
+            <a:r>
+              <a:rPr lang="en-US" altLang="ko-KR" sz="800" b="0">
+                <a:solidFill>
+                  <a:srgbClr val="777777"/>
+                </a:solidFill>
+                <a:effectLst/>
+                <a:latin typeface="D2Coding" panose="020B0609020101020101" pitchFamily="49" charset="-127"/>
+                <a:ea typeface="D2Coding" panose="020B0609020101020101" pitchFamily="49" charset="-127"/>
+              </a:rPr>
+              <a:t>;</a:t>
+            </a:r>
+            <a:endParaRPr lang="en-US" altLang="ko-KR" sz="800" b="0">
+              <a:solidFill>
+                <a:srgbClr val="333333"/>
+              </a:solidFill>
+              <a:effectLst/>
+              <a:latin typeface="D2Coding" panose="020B0609020101020101" pitchFamily="49" charset="-127"/>
+              <a:ea typeface="D2Coding" panose="020B0609020101020101" pitchFamily="49" charset="-127"/>
+            </a:endParaRPr>
+          </a:p>
+          <a:p>
+            <a:r>
+              <a:rPr lang="en-US" altLang="ko-KR" sz="800" b="0">
+                <a:solidFill>
+                  <a:srgbClr val="333333"/>
+                </a:solidFill>
+                <a:effectLst/>
+                <a:latin typeface="D2Coding" panose="020B0609020101020101" pitchFamily="49" charset="-127"/>
+                <a:ea typeface="D2Coding" panose="020B0609020101020101" pitchFamily="49" charset="-127"/>
+              </a:rPr>
+              <a:t>    </a:t>
+            </a:r>
+            <a:r>
+              <a:rPr lang="en-US" altLang="ko-KR" sz="800" b="0">
+                <a:solidFill>
+                  <a:srgbClr val="9C5D27"/>
+                </a:solidFill>
+                <a:effectLst/>
+                <a:latin typeface="D2Coding" panose="020B0609020101020101" pitchFamily="49" charset="-127"/>
+                <a:ea typeface="D2Coding" panose="020B0609020101020101" pitchFamily="49" charset="-127"/>
+              </a:rPr>
+              <a:t>this</a:t>
+            </a:r>
+            <a:r>
+              <a:rPr lang="en-US" altLang="ko-KR" sz="800" b="0">
+                <a:solidFill>
+                  <a:srgbClr val="777777"/>
+                </a:solidFill>
+                <a:effectLst/>
+                <a:latin typeface="D2Coding" panose="020B0609020101020101" pitchFamily="49" charset="-127"/>
+                <a:ea typeface="D2Coding" panose="020B0609020101020101" pitchFamily="49" charset="-127"/>
+              </a:rPr>
+              <a:t>.</a:t>
+            </a:r>
+            <a:r>
+              <a:rPr lang="en-US" altLang="ko-KR" sz="800" b="0">
+                <a:solidFill>
+                  <a:srgbClr val="7A3E9D"/>
+                </a:solidFill>
+                <a:effectLst/>
+                <a:latin typeface="D2Coding" panose="020B0609020101020101" pitchFamily="49" charset="-127"/>
+                <a:ea typeface="D2Coding" panose="020B0609020101020101" pitchFamily="49" charset="-127"/>
+              </a:rPr>
+              <a:t>_isHair</a:t>
+            </a:r>
+            <a:r>
+              <a:rPr lang="en-US" altLang="ko-KR" sz="800" b="0">
+                <a:solidFill>
+                  <a:srgbClr val="333333"/>
+                </a:solidFill>
+                <a:effectLst/>
+                <a:latin typeface="D2Coding" panose="020B0609020101020101" pitchFamily="49" charset="-127"/>
+                <a:ea typeface="D2Coding" panose="020B0609020101020101" pitchFamily="49" charset="-127"/>
+              </a:rPr>
+              <a:t> </a:t>
+            </a:r>
+            <a:r>
+              <a:rPr lang="en-US" altLang="ko-KR" sz="800" b="0">
+                <a:solidFill>
+                  <a:srgbClr val="777777"/>
+                </a:solidFill>
+                <a:effectLst/>
+                <a:latin typeface="D2Coding" panose="020B0609020101020101" pitchFamily="49" charset="-127"/>
+                <a:ea typeface="D2Coding" panose="020B0609020101020101" pitchFamily="49" charset="-127"/>
+              </a:rPr>
+              <a:t>=</a:t>
+            </a:r>
+            <a:r>
+              <a:rPr lang="en-US" altLang="ko-KR" sz="800" b="0">
+                <a:solidFill>
+                  <a:srgbClr val="333333"/>
+                </a:solidFill>
+                <a:effectLst/>
+                <a:latin typeface="D2Coding" panose="020B0609020101020101" pitchFamily="49" charset="-127"/>
+                <a:ea typeface="D2Coding" panose="020B0609020101020101" pitchFamily="49" charset="-127"/>
+              </a:rPr>
+              <a:t> </a:t>
+            </a:r>
+            <a:r>
+              <a:rPr lang="en-US" altLang="ko-KR" sz="800" b="0">
+                <a:solidFill>
+                  <a:srgbClr val="7A3E9D"/>
+                </a:solidFill>
+                <a:effectLst/>
+                <a:latin typeface="D2Coding" panose="020B0609020101020101" pitchFamily="49" charset="-127"/>
+                <a:ea typeface="D2Coding" panose="020B0609020101020101" pitchFamily="49" charset="-127"/>
+              </a:rPr>
+              <a:t>data</a:t>
+            </a:r>
+            <a:r>
+              <a:rPr lang="en-US" altLang="ko-KR" sz="800" b="0">
+                <a:solidFill>
+                  <a:srgbClr val="777777"/>
+                </a:solidFill>
+                <a:effectLst/>
+                <a:latin typeface="D2Coding" panose="020B0609020101020101" pitchFamily="49" charset="-127"/>
+                <a:ea typeface="D2Coding" panose="020B0609020101020101" pitchFamily="49" charset="-127"/>
+              </a:rPr>
+              <a:t>.</a:t>
+            </a:r>
+            <a:r>
+              <a:rPr lang="en-US" altLang="ko-KR" sz="800" b="0">
+                <a:solidFill>
+                  <a:srgbClr val="7A3E9D"/>
+                </a:solidFill>
+                <a:effectLst/>
+                <a:latin typeface="D2Coding" panose="020B0609020101020101" pitchFamily="49" charset="-127"/>
+                <a:ea typeface="D2Coding" panose="020B0609020101020101" pitchFamily="49" charset="-127"/>
+              </a:rPr>
+              <a:t>isHair</a:t>
+            </a:r>
+            <a:r>
+              <a:rPr lang="en-US" altLang="ko-KR" sz="800" b="0">
+                <a:solidFill>
+                  <a:srgbClr val="777777"/>
+                </a:solidFill>
+                <a:effectLst/>
+                <a:latin typeface="D2Coding" panose="020B0609020101020101" pitchFamily="49" charset="-127"/>
+                <a:ea typeface="D2Coding" panose="020B0609020101020101" pitchFamily="49" charset="-127"/>
+              </a:rPr>
+              <a:t>;</a:t>
+            </a:r>
+            <a:endParaRPr lang="en-US" altLang="ko-KR" sz="800" b="0">
+              <a:solidFill>
+                <a:srgbClr val="333333"/>
+              </a:solidFill>
+              <a:effectLst/>
+              <a:latin typeface="D2Coding" panose="020B0609020101020101" pitchFamily="49" charset="-127"/>
+              <a:ea typeface="D2Coding" panose="020B0609020101020101" pitchFamily="49" charset="-127"/>
+            </a:endParaRPr>
+          </a:p>
+          <a:p>
+            <a:r>
+              <a:rPr lang="en-US" altLang="ko-KR" sz="800" b="0">
+                <a:solidFill>
+                  <a:srgbClr val="333333"/>
+                </a:solidFill>
+                <a:effectLst/>
+                <a:latin typeface="D2Coding" panose="020B0609020101020101" pitchFamily="49" charset="-127"/>
+                <a:ea typeface="D2Coding" panose="020B0609020101020101" pitchFamily="49" charset="-127"/>
+              </a:rPr>
+              <a:t>  </a:t>
+            </a:r>
+            <a:r>
+              <a:rPr lang="en-US" altLang="ko-KR" sz="800" b="0">
+                <a:solidFill>
+                  <a:srgbClr val="777777"/>
+                </a:solidFill>
+                <a:effectLst/>
+                <a:latin typeface="D2Coding" panose="020B0609020101020101" pitchFamily="49" charset="-127"/>
+                <a:ea typeface="D2Coding" panose="020B0609020101020101" pitchFamily="49" charset="-127"/>
+              </a:rPr>
+              <a:t>}</a:t>
+            </a:r>
+            <a:endParaRPr lang="en-US" altLang="ko-KR" sz="800" b="0">
+              <a:solidFill>
+                <a:srgbClr val="333333"/>
+              </a:solidFill>
+              <a:effectLst/>
+              <a:latin typeface="D2Coding" panose="020B0609020101020101" pitchFamily="49" charset="-127"/>
+              <a:ea typeface="D2Coding" panose="020B0609020101020101" pitchFamily="49" charset="-127"/>
+            </a:endParaRPr>
+          </a:p>
+          <a:p>
+            <a:r>
+              <a:rPr lang="en-US" altLang="ko-KR" sz="800" b="0">
+                <a:solidFill>
+                  <a:srgbClr val="777777"/>
+                </a:solidFill>
+                <a:effectLst/>
+                <a:latin typeface="D2Coding" panose="020B0609020101020101" pitchFamily="49" charset="-127"/>
+                <a:ea typeface="D2Coding" panose="020B0609020101020101" pitchFamily="49" charset="-127"/>
+              </a:rPr>
+              <a:t>}</a:t>
+            </a:r>
+            <a:endParaRPr lang="en-US" altLang="ko-KR" sz="800" b="0">
+              <a:solidFill>
+                <a:srgbClr val="333333"/>
+              </a:solidFill>
+              <a:effectLst/>
+              <a:latin typeface="D2Coding" panose="020B0609020101020101" pitchFamily="49" charset="-127"/>
+              <a:ea typeface="D2Coding" panose="020B0609020101020101" pitchFamily="49" charset="-127"/>
+            </a:endParaRPr>
+          </a:p>
+        </p:txBody>
+      </p:sp>
+      <p:sp>
+        <p:nvSpPr>
+          <p:cNvPr id="7" name="TextBox 6">
+            <a:extLst>
+              <a:ext uri="{FF2B5EF4-FFF2-40B4-BE49-F238E27FC236}">
+                <a16:creationId xmlns:a16="http://schemas.microsoft.com/office/drawing/2014/main" id="{C77E993E-A021-4E2C-88F4-5CFD996D708C}"/>
+              </a:ext>
+            </a:extLst>
+          </p:cNvPr>
+          <p:cNvSpPr txBox="1"/>
+          <p:nvPr/>
+        </p:nvSpPr>
+        <p:spPr>
+          <a:xfrm>
+            <a:off x="4860032" y="1268760"/>
+            <a:ext cx="3996444" cy="5509200"/>
+          </a:xfrm>
+          <a:prstGeom prst="rect">
+            <a:avLst/>
+          </a:prstGeom>
+          <a:noFill/>
+        </p:spPr>
+        <p:txBody>
+          <a:bodyPr wrap="square">
+            <a:spAutoFit/>
+          </a:bodyPr>
+          <a:lstStyle/>
+          <a:p>
+            <a:r>
+              <a:rPr lang="en-US" altLang="ko-KR" sz="800" b="0">
+                <a:solidFill>
+                  <a:srgbClr val="7A3E9D"/>
+                </a:solidFill>
+                <a:effectLst/>
+                <a:latin typeface="D2Coding" panose="020B0609020101020101" pitchFamily="49" charset="-127"/>
+                <a:ea typeface="D2Coding" panose="020B0609020101020101" pitchFamily="49" charset="-127"/>
+              </a:rPr>
+              <a:t>class</a:t>
+            </a:r>
+            <a:r>
+              <a:rPr lang="en-US" altLang="ko-KR" sz="800" b="0">
+                <a:solidFill>
+                  <a:srgbClr val="333333"/>
+                </a:solidFill>
+                <a:effectLst/>
+                <a:latin typeface="D2Coding" panose="020B0609020101020101" pitchFamily="49" charset="-127"/>
+                <a:ea typeface="D2Coding" panose="020B0609020101020101" pitchFamily="49" charset="-127"/>
+              </a:rPr>
+              <a:t> </a:t>
+            </a:r>
+            <a:r>
+              <a:rPr lang="ko-KR" altLang="en-US" sz="800" b="1">
+                <a:solidFill>
+                  <a:srgbClr val="7A3E9D"/>
+                </a:solidFill>
+                <a:effectLst/>
+                <a:latin typeface="D2Coding" panose="020B0609020101020101" pitchFamily="49" charset="-127"/>
+                <a:ea typeface="D2Coding" panose="020B0609020101020101" pitchFamily="49" charset="-127"/>
+              </a:rPr>
+              <a:t>놀이동산델리게이트</a:t>
+            </a:r>
+            <a:r>
+              <a:rPr lang="ko-KR" altLang="en-US" sz="800" b="0">
+                <a:solidFill>
+                  <a:srgbClr val="333333"/>
+                </a:solidFill>
+                <a:effectLst/>
+                <a:latin typeface="D2Coding" panose="020B0609020101020101" pitchFamily="49" charset="-127"/>
+                <a:ea typeface="D2Coding" panose="020B0609020101020101" pitchFamily="49" charset="-127"/>
+              </a:rPr>
+              <a:t> </a:t>
+            </a:r>
+            <a:r>
+              <a:rPr lang="en-US" altLang="ko-KR" sz="800" b="0">
+                <a:solidFill>
+                  <a:srgbClr val="777777"/>
+                </a:solidFill>
+                <a:effectLst/>
+                <a:latin typeface="D2Coding" panose="020B0609020101020101" pitchFamily="49" charset="-127"/>
+                <a:ea typeface="D2Coding" panose="020B0609020101020101" pitchFamily="49" charset="-127"/>
+              </a:rPr>
+              <a:t>{</a:t>
+            </a:r>
+            <a:endParaRPr lang="ko-KR" altLang="en-US" sz="800" b="0">
+              <a:solidFill>
+                <a:srgbClr val="333333"/>
+              </a:solidFill>
+              <a:effectLst/>
+              <a:latin typeface="D2Coding" panose="020B0609020101020101" pitchFamily="49" charset="-127"/>
+              <a:ea typeface="D2Coding" panose="020B0609020101020101" pitchFamily="49" charset="-127"/>
+            </a:endParaRPr>
+          </a:p>
+          <a:p>
+            <a:r>
+              <a:rPr lang="ko-KR" altLang="en-US" sz="800" b="0">
+                <a:solidFill>
+                  <a:srgbClr val="333333"/>
+                </a:solidFill>
+                <a:effectLst/>
+                <a:latin typeface="D2Coding" panose="020B0609020101020101" pitchFamily="49" charset="-127"/>
+                <a:ea typeface="D2Coding" panose="020B0609020101020101" pitchFamily="49" charset="-127"/>
+              </a:rPr>
+              <a:t>  </a:t>
+            </a:r>
+            <a:r>
+              <a:rPr lang="en-US" altLang="ko-KR" sz="800" b="0">
+                <a:solidFill>
+                  <a:srgbClr val="7A3E9D"/>
+                </a:solidFill>
+                <a:effectLst/>
+                <a:latin typeface="D2Coding" panose="020B0609020101020101" pitchFamily="49" charset="-127"/>
+                <a:ea typeface="D2Coding" panose="020B0609020101020101" pitchFamily="49" charset="-127"/>
+              </a:rPr>
+              <a:t>constructor</a:t>
+            </a:r>
+            <a:r>
+              <a:rPr lang="en-US" altLang="ko-KR" sz="800" b="0">
+                <a:solidFill>
+                  <a:srgbClr val="777777"/>
+                </a:solidFill>
+                <a:effectLst/>
+                <a:latin typeface="D2Coding" panose="020B0609020101020101" pitchFamily="49" charset="-127"/>
+                <a:ea typeface="D2Coding" panose="020B0609020101020101" pitchFamily="49" charset="-127"/>
+              </a:rPr>
+              <a:t>(</a:t>
+            </a:r>
+            <a:r>
+              <a:rPr lang="en-US" altLang="ko-KR" sz="800" b="0">
+                <a:solidFill>
+                  <a:srgbClr val="7A3E9D"/>
+                </a:solidFill>
+                <a:effectLst/>
+                <a:latin typeface="D2Coding" panose="020B0609020101020101" pitchFamily="49" charset="-127"/>
+                <a:ea typeface="D2Coding" panose="020B0609020101020101" pitchFamily="49" charset="-127"/>
+              </a:rPr>
+              <a:t>data</a:t>
+            </a:r>
+            <a:r>
+              <a:rPr lang="en-US" altLang="ko-KR" sz="800" b="0">
+                <a:solidFill>
+                  <a:srgbClr val="777777"/>
+                </a:solidFill>
+                <a:effectLst/>
+                <a:latin typeface="D2Coding" panose="020B0609020101020101" pitchFamily="49" charset="-127"/>
+                <a:ea typeface="D2Coding" panose="020B0609020101020101" pitchFamily="49" charset="-127"/>
+              </a:rPr>
+              <a:t>)</a:t>
+            </a:r>
+            <a:r>
+              <a:rPr lang="en-US" altLang="ko-KR" sz="800" b="0">
+                <a:solidFill>
+                  <a:srgbClr val="333333"/>
+                </a:solidFill>
+                <a:effectLst/>
+                <a:latin typeface="D2Coding" panose="020B0609020101020101" pitchFamily="49" charset="-127"/>
+                <a:ea typeface="D2Coding" panose="020B0609020101020101" pitchFamily="49" charset="-127"/>
+              </a:rPr>
+              <a:t> </a:t>
+            </a:r>
+            <a:r>
+              <a:rPr lang="en-US" altLang="ko-KR" sz="800" b="0">
+                <a:solidFill>
+                  <a:srgbClr val="777777"/>
+                </a:solidFill>
+                <a:effectLst/>
+                <a:latin typeface="D2Coding" panose="020B0609020101020101" pitchFamily="49" charset="-127"/>
+                <a:ea typeface="D2Coding" panose="020B0609020101020101" pitchFamily="49" charset="-127"/>
+              </a:rPr>
+              <a:t>{</a:t>
+            </a:r>
+            <a:endParaRPr lang="en-US" altLang="ko-KR" sz="800" b="0">
+              <a:solidFill>
+                <a:srgbClr val="333333"/>
+              </a:solidFill>
+              <a:effectLst/>
+              <a:latin typeface="D2Coding" panose="020B0609020101020101" pitchFamily="49" charset="-127"/>
+              <a:ea typeface="D2Coding" panose="020B0609020101020101" pitchFamily="49" charset="-127"/>
+            </a:endParaRPr>
+          </a:p>
+          <a:p>
+            <a:r>
+              <a:rPr lang="en-US" altLang="ko-KR" sz="800" b="0">
+                <a:solidFill>
+                  <a:srgbClr val="333333"/>
+                </a:solidFill>
+                <a:effectLst/>
+                <a:latin typeface="D2Coding" panose="020B0609020101020101" pitchFamily="49" charset="-127"/>
+                <a:ea typeface="D2Coding" panose="020B0609020101020101" pitchFamily="49" charset="-127"/>
+              </a:rPr>
+              <a:t>    </a:t>
+            </a:r>
+            <a:r>
+              <a:rPr lang="en-US" altLang="ko-KR" sz="800" b="0">
+                <a:solidFill>
+                  <a:srgbClr val="9C5D27"/>
+                </a:solidFill>
+                <a:effectLst/>
+                <a:latin typeface="D2Coding" panose="020B0609020101020101" pitchFamily="49" charset="-127"/>
+                <a:ea typeface="D2Coding" panose="020B0609020101020101" pitchFamily="49" charset="-127"/>
+              </a:rPr>
+              <a:t>this</a:t>
+            </a:r>
+            <a:r>
+              <a:rPr lang="en-US" altLang="ko-KR" sz="800" b="0">
+                <a:solidFill>
+                  <a:srgbClr val="777777"/>
+                </a:solidFill>
+                <a:effectLst/>
+                <a:latin typeface="D2Coding" panose="020B0609020101020101" pitchFamily="49" charset="-127"/>
+                <a:ea typeface="D2Coding" panose="020B0609020101020101" pitchFamily="49" charset="-127"/>
+              </a:rPr>
+              <a:t>.</a:t>
+            </a:r>
+            <a:r>
+              <a:rPr lang="en-US" altLang="ko-KR" sz="800" b="0">
+                <a:solidFill>
+                  <a:srgbClr val="7A3E9D"/>
+                </a:solidFill>
+                <a:effectLst/>
+                <a:latin typeface="D2Coding" panose="020B0609020101020101" pitchFamily="49" charset="-127"/>
+                <a:ea typeface="D2Coding" panose="020B0609020101020101" pitchFamily="49" charset="-127"/>
+              </a:rPr>
+              <a:t>bookingCount</a:t>
+            </a:r>
+            <a:r>
+              <a:rPr lang="en-US" altLang="ko-KR" sz="800" b="0">
+                <a:solidFill>
+                  <a:srgbClr val="333333"/>
+                </a:solidFill>
+                <a:effectLst/>
+                <a:latin typeface="D2Coding" panose="020B0609020101020101" pitchFamily="49" charset="-127"/>
+                <a:ea typeface="D2Coding" panose="020B0609020101020101" pitchFamily="49" charset="-127"/>
+              </a:rPr>
+              <a:t> </a:t>
+            </a:r>
+            <a:r>
+              <a:rPr lang="en-US" altLang="ko-KR" sz="800" b="0">
+                <a:solidFill>
+                  <a:srgbClr val="777777"/>
+                </a:solidFill>
+                <a:effectLst/>
+                <a:latin typeface="D2Coding" panose="020B0609020101020101" pitchFamily="49" charset="-127"/>
+                <a:ea typeface="D2Coding" panose="020B0609020101020101" pitchFamily="49" charset="-127"/>
+              </a:rPr>
+              <a:t>=</a:t>
+            </a:r>
+            <a:r>
+              <a:rPr lang="en-US" altLang="ko-KR" sz="800" b="0">
+                <a:solidFill>
+                  <a:srgbClr val="333333"/>
+                </a:solidFill>
+                <a:effectLst/>
+                <a:latin typeface="D2Coding" panose="020B0609020101020101" pitchFamily="49" charset="-127"/>
+                <a:ea typeface="D2Coding" panose="020B0609020101020101" pitchFamily="49" charset="-127"/>
+              </a:rPr>
+              <a:t> </a:t>
+            </a:r>
+            <a:r>
+              <a:rPr lang="en-US" altLang="ko-KR" sz="800" b="0">
+                <a:solidFill>
+                  <a:srgbClr val="7A3E9D"/>
+                </a:solidFill>
+                <a:effectLst/>
+                <a:latin typeface="D2Coding" panose="020B0609020101020101" pitchFamily="49" charset="-127"/>
+                <a:ea typeface="D2Coding" panose="020B0609020101020101" pitchFamily="49" charset="-127"/>
+              </a:rPr>
+              <a:t>data</a:t>
+            </a:r>
+            <a:r>
+              <a:rPr lang="en-US" altLang="ko-KR" sz="800" b="0">
+                <a:solidFill>
+                  <a:srgbClr val="777777"/>
+                </a:solidFill>
+                <a:effectLst/>
+                <a:latin typeface="D2Coding" panose="020B0609020101020101" pitchFamily="49" charset="-127"/>
+                <a:ea typeface="D2Coding" panose="020B0609020101020101" pitchFamily="49" charset="-127"/>
+              </a:rPr>
+              <a:t>.</a:t>
+            </a:r>
+            <a:r>
+              <a:rPr lang="en-US" altLang="ko-KR" sz="800" b="0">
+                <a:solidFill>
+                  <a:srgbClr val="7A3E9D"/>
+                </a:solidFill>
+                <a:effectLst/>
+                <a:latin typeface="D2Coding" panose="020B0609020101020101" pitchFamily="49" charset="-127"/>
+                <a:ea typeface="D2Coding" panose="020B0609020101020101" pitchFamily="49" charset="-127"/>
+              </a:rPr>
+              <a:t>bookingCount</a:t>
+            </a:r>
+            <a:r>
+              <a:rPr lang="en-US" altLang="ko-KR" sz="800" b="0">
+                <a:solidFill>
+                  <a:srgbClr val="777777"/>
+                </a:solidFill>
+                <a:effectLst/>
+                <a:latin typeface="D2Coding" panose="020B0609020101020101" pitchFamily="49" charset="-127"/>
+                <a:ea typeface="D2Coding" panose="020B0609020101020101" pitchFamily="49" charset="-127"/>
+              </a:rPr>
+              <a:t>;</a:t>
+            </a:r>
+            <a:endParaRPr lang="en-US" altLang="ko-KR" sz="800" b="0">
+              <a:solidFill>
+                <a:srgbClr val="333333"/>
+              </a:solidFill>
+              <a:effectLst/>
+              <a:latin typeface="D2Coding" panose="020B0609020101020101" pitchFamily="49" charset="-127"/>
+              <a:ea typeface="D2Coding" panose="020B0609020101020101" pitchFamily="49" charset="-127"/>
+            </a:endParaRPr>
+          </a:p>
+          <a:p>
+            <a:r>
+              <a:rPr lang="en-US" altLang="ko-KR" sz="800" b="0">
+                <a:solidFill>
+                  <a:srgbClr val="333333"/>
+                </a:solidFill>
+                <a:effectLst/>
+                <a:latin typeface="D2Coding" panose="020B0609020101020101" pitchFamily="49" charset="-127"/>
+                <a:ea typeface="D2Coding" panose="020B0609020101020101" pitchFamily="49" charset="-127"/>
+              </a:rPr>
+              <a:t>  </a:t>
+            </a:r>
+            <a:r>
+              <a:rPr lang="en-US" altLang="ko-KR" sz="800" b="0">
+                <a:solidFill>
+                  <a:srgbClr val="777777"/>
+                </a:solidFill>
+                <a:effectLst/>
+                <a:latin typeface="D2Coding" panose="020B0609020101020101" pitchFamily="49" charset="-127"/>
+                <a:ea typeface="D2Coding" panose="020B0609020101020101" pitchFamily="49" charset="-127"/>
+              </a:rPr>
+              <a:t>}</a:t>
+            </a:r>
+            <a:endParaRPr lang="en-US" altLang="ko-KR" sz="800" b="0">
+              <a:solidFill>
+                <a:srgbClr val="333333"/>
+              </a:solidFill>
+              <a:effectLst/>
+              <a:latin typeface="D2Coding" panose="020B0609020101020101" pitchFamily="49" charset="-127"/>
+              <a:ea typeface="D2Coding" panose="020B0609020101020101" pitchFamily="49" charset="-127"/>
+            </a:endParaRPr>
+          </a:p>
+          <a:p>
+            <a:r>
+              <a:rPr lang="en-US" altLang="ko-KR" sz="800" b="0">
+                <a:solidFill>
+                  <a:srgbClr val="333333"/>
+                </a:solidFill>
+                <a:effectLst/>
+                <a:latin typeface="D2Coding" panose="020B0609020101020101" pitchFamily="49" charset="-127"/>
+                <a:ea typeface="D2Coding" panose="020B0609020101020101" pitchFamily="49" charset="-127"/>
+              </a:rPr>
+              <a:t>  </a:t>
+            </a:r>
+            <a:r>
+              <a:rPr lang="en-US" altLang="ko-KR" sz="800" b="1">
+                <a:solidFill>
+                  <a:srgbClr val="AA3731"/>
+                </a:solidFill>
+                <a:effectLst/>
+                <a:latin typeface="D2Coding" panose="020B0609020101020101" pitchFamily="49" charset="-127"/>
+                <a:ea typeface="D2Coding" panose="020B0609020101020101" pitchFamily="49" charset="-127"/>
+              </a:rPr>
+              <a:t>beSpecies</a:t>
+            </a:r>
+            <a:r>
+              <a:rPr lang="en-US" altLang="ko-KR" sz="800" b="0">
+                <a:solidFill>
+                  <a:srgbClr val="777777"/>
+                </a:solidFill>
+                <a:effectLst/>
+                <a:latin typeface="D2Coding" panose="020B0609020101020101" pitchFamily="49" charset="-127"/>
+                <a:ea typeface="D2Coding" panose="020B0609020101020101" pitchFamily="49" charset="-127"/>
+              </a:rPr>
+              <a:t>(</a:t>
+            </a:r>
+            <a:r>
+              <a:rPr lang="en-US" altLang="ko-KR" sz="800" b="0">
+                <a:solidFill>
+                  <a:srgbClr val="7A3E9D"/>
+                </a:solidFill>
+                <a:effectLst/>
+                <a:latin typeface="D2Coding" panose="020B0609020101020101" pitchFamily="49" charset="-127"/>
+                <a:ea typeface="D2Coding" panose="020B0609020101020101" pitchFamily="49" charset="-127"/>
+              </a:rPr>
+              <a:t>that</a:t>
+            </a:r>
+            <a:r>
+              <a:rPr lang="en-US" altLang="ko-KR" sz="800" b="0">
+                <a:solidFill>
+                  <a:srgbClr val="777777"/>
+                </a:solidFill>
+                <a:effectLst/>
+                <a:latin typeface="D2Coding" panose="020B0609020101020101" pitchFamily="49" charset="-127"/>
+                <a:ea typeface="D2Coding" panose="020B0609020101020101" pitchFamily="49" charset="-127"/>
+              </a:rPr>
+              <a:t>)</a:t>
+            </a:r>
+            <a:r>
+              <a:rPr lang="en-US" altLang="ko-KR" sz="800" b="0">
+                <a:solidFill>
+                  <a:srgbClr val="333333"/>
+                </a:solidFill>
+                <a:effectLst/>
+                <a:latin typeface="D2Coding" panose="020B0609020101020101" pitchFamily="49" charset="-127"/>
+                <a:ea typeface="D2Coding" panose="020B0609020101020101" pitchFamily="49" charset="-127"/>
+              </a:rPr>
+              <a:t> </a:t>
+            </a:r>
+            <a:r>
+              <a:rPr lang="en-US" altLang="ko-KR" sz="800" b="0">
+                <a:solidFill>
+                  <a:srgbClr val="777777"/>
+                </a:solidFill>
+                <a:effectLst/>
+                <a:latin typeface="D2Coding" panose="020B0609020101020101" pitchFamily="49" charset="-127"/>
+                <a:ea typeface="D2Coding" panose="020B0609020101020101" pitchFamily="49" charset="-127"/>
+              </a:rPr>
+              <a:t>{</a:t>
+            </a:r>
+            <a:endParaRPr lang="en-US" altLang="ko-KR" sz="800" b="0">
+              <a:solidFill>
+                <a:srgbClr val="333333"/>
+              </a:solidFill>
+              <a:effectLst/>
+              <a:latin typeface="D2Coding" panose="020B0609020101020101" pitchFamily="49" charset="-127"/>
+              <a:ea typeface="D2Coding" panose="020B0609020101020101" pitchFamily="49" charset="-127"/>
+            </a:endParaRPr>
+          </a:p>
+          <a:p>
+            <a:r>
+              <a:rPr lang="en-US" altLang="ko-KR" sz="800" b="0">
+                <a:solidFill>
+                  <a:srgbClr val="333333"/>
+                </a:solidFill>
+                <a:effectLst/>
+                <a:latin typeface="D2Coding" panose="020B0609020101020101" pitchFamily="49" charset="-127"/>
+                <a:ea typeface="D2Coding" panose="020B0609020101020101" pitchFamily="49" charset="-127"/>
+              </a:rPr>
+              <a:t>    </a:t>
+            </a:r>
+            <a:r>
+              <a:rPr lang="en-US" altLang="ko-KR" sz="800" b="0">
+                <a:solidFill>
+                  <a:srgbClr val="7A3E9D"/>
+                </a:solidFill>
+                <a:effectLst/>
+                <a:latin typeface="D2Coding" panose="020B0609020101020101" pitchFamily="49" charset="-127"/>
+                <a:ea typeface="D2Coding" panose="020B0609020101020101" pitchFamily="49" charset="-127"/>
+              </a:rPr>
+              <a:t>that</a:t>
+            </a:r>
+            <a:r>
+              <a:rPr lang="en-US" altLang="ko-KR" sz="800" b="0">
+                <a:solidFill>
+                  <a:srgbClr val="777777"/>
+                </a:solidFill>
+                <a:effectLst/>
+                <a:latin typeface="D2Coding" panose="020B0609020101020101" pitchFamily="49" charset="-127"/>
+                <a:ea typeface="D2Coding" panose="020B0609020101020101" pitchFamily="49" charset="-127"/>
+              </a:rPr>
+              <a:t>.</a:t>
+            </a:r>
+            <a:r>
+              <a:rPr lang="en-US" altLang="ko-KR" sz="800" b="0">
+                <a:solidFill>
+                  <a:srgbClr val="7A3E9D"/>
+                </a:solidFill>
+                <a:effectLst/>
+                <a:latin typeface="D2Coding" panose="020B0609020101020101" pitchFamily="49" charset="-127"/>
+                <a:ea typeface="D2Coding" panose="020B0609020101020101" pitchFamily="49" charset="-127"/>
+              </a:rPr>
+              <a:t>_classificationDelegate</a:t>
+            </a:r>
+            <a:r>
+              <a:rPr lang="en-US" altLang="ko-KR" sz="800" b="0">
+                <a:solidFill>
+                  <a:srgbClr val="333333"/>
+                </a:solidFill>
+                <a:effectLst/>
+                <a:latin typeface="D2Coding" panose="020B0609020101020101" pitchFamily="49" charset="-127"/>
+                <a:ea typeface="D2Coding" panose="020B0609020101020101" pitchFamily="49" charset="-127"/>
+              </a:rPr>
+              <a:t> </a:t>
+            </a:r>
+            <a:r>
+              <a:rPr lang="en-US" altLang="ko-KR" sz="800" b="0">
+                <a:solidFill>
+                  <a:srgbClr val="777777"/>
+                </a:solidFill>
+                <a:effectLst/>
+                <a:latin typeface="D2Coding" panose="020B0609020101020101" pitchFamily="49" charset="-127"/>
+                <a:ea typeface="D2Coding" panose="020B0609020101020101" pitchFamily="49" charset="-127"/>
+              </a:rPr>
+              <a:t>=</a:t>
+            </a:r>
+            <a:r>
+              <a:rPr lang="en-US" altLang="ko-KR" sz="800" b="0">
+                <a:solidFill>
+                  <a:srgbClr val="333333"/>
+                </a:solidFill>
+                <a:effectLst/>
+                <a:latin typeface="D2Coding" panose="020B0609020101020101" pitchFamily="49" charset="-127"/>
+                <a:ea typeface="D2Coding" panose="020B0609020101020101" pitchFamily="49" charset="-127"/>
+              </a:rPr>
+              <a:t> </a:t>
+            </a:r>
+            <a:r>
+              <a:rPr lang="en-US" altLang="ko-KR" sz="800" b="0">
+                <a:solidFill>
+                  <a:srgbClr val="777777"/>
+                </a:solidFill>
+                <a:effectLst/>
+                <a:latin typeface="D2Coding" panose="020B0609020101020101" pitchFamily="49" charset="-127"/>
+                <a:ea typeface="D2Coding" panose="020B0609020101020101" pitchFamily="49" charset="-127"/>
+              </a:rPr>
+              <a:t>new</a:t>
+            </a:r>
+            <a:r>
+              <a:rPr lang="en-US" altLang="ko-KR" sz="800" b="0">
+                <a:solidFill>
+                  <a:srgbClr val="333333"/>
+                </a:solidFill>
+                <a:effectLst/>
+                <a:latin typeface="D2Coding" panose="020B0609020101020101" pitchFamily="49" charset="-127"/>
+                <a:ea typeface="D2Coding" panose="020B0609020101020101" pitchFamily="49" charset="-127"/>
+              </a:rPr>
+              <a:t> </a:t>
+            </a:r>
+            <a:r>
+              <a:rPr lang="ko-KR" altLang="en-US" sz="800" b="1">
+                <a:solidFill>
+                  <a:srgbClr val="7A3E9D"/>
+                </a:solidFill>
+                <a:effectLst/>
+                <a:latin typeface="D2Coding" panose="020B0609020101020101" pitchFamily="49" charset="-127"/>
+                <a:ea typeface="D2Coding" panose="020B0609020101020101" pitchFamily="49" charset="-127"/>
+              </a:rPr>
+              <a:t>종류델리게이트</a:t>
+            </a:r>
+            <a:r>
+              <a:rPr lang="en-US" altLang="ko-KR" sz="800" b="0">
+                <a:solidFill>
+                  <a:srgbClr val="333333"/>
+                </a:solidFill>
+                <a:effectLst/>
+                <a:latin typeface="D2Coding" panose="020B0609020101020101" pitchFamily="49" charset="-127"/>
+                <a:ea typeface="D2Coding" panose="020B0609020101020101" pitchFamily="49" charset="-127"/>
+              </a:rPr>
+              <a:t>(</a:t>
+            </a:r>
+            <a:r>
+              <a:rPr lang="en-US" altLang="ko-KR" sz="800" b="0">
+                <a:solidFill>
+                  <a:srgbClr val="9C5D27"/>
+                </a:solidFill>
+                <a:effectLst/>
+                <a:latin typeface="D2Coding" panose="020B0609020101020101" pitchFamily="49" charset="-127"/>
+                <a:ea typeface="D2Coding" panose="020B0609020101020101" pitchFamily="49" charset="-127"/>
+              </a:rPr>
+              <a:t>this</a:t>
+            </a:r>
+            <a:r>
+              <a:rPr lang="en-US" altLang="ko-KR" sz="800" b="0">
+                <a:solidFill>
+                  <a:srgbClr val="333333"/>
+                </a:solidFill>
+                <a:effectLst/>
+                <a:latin typeface="D2Coding" panose="020B0609020101020101" pitchFamily="49" charset="-127"/>
+                <a:ea typeface="D2Coding" panose="020B0609020101020101" pitchFamily="49" charset="-127"/>
+              </a:rPr>
+              <a:t>)</a:t>
+            </a:r>
+            <a:r>
+              <a:rPr lang="en-US" altLang="ko-KR" sz="800" b="0">
+                <a:solidFill>
+                  <a:srgbClr val="777777"/>
+                </a:solidFill>
+                <a:effectLst/>
+                <a:latin typeface="D2Coding" panose="020B0609020101020101" pitchFamily="49" charset="-127"/>
+                <a:ea typeface="D2Coding" panose="020B0609020101020101" pitchFamily="49" charset="-127"/>
+              </a:rPr>
+              <a:t>;</a:t>
+            </a:r>
+            <a:endParaRPr lang="en-US" altLang="ko-KR" sz="800" b="0">
+              <a:solidFill>
+                <a:srgbClr val="333333"/>
+              </a:solidFill>
+              <a:effectLst/>
+              <a:latin typeface="D2Coding" panose="020B0609020101020101" pitchFamily="49" charset="-127"/>
+              <a:ea typeface="D2Coding" panose="020B0609020101020101" pitchFamily="49" charset="-127"/>
+            </a:endParaRPr>
+          </a:p>
+          <a:p>
+            <a:r>
+              <a:rPr lang="en-US" altLang="ko-KR" sz="800" b="0">
+                <a:solidFill>
+                  <a:srgbClr val="333333"/>
+                </a:solidFill>
+                <a:effectLst/>
+                <a:latin typeface="D2Coding" panose="020B0609020101020101" pitchFamily="49" charset="-127"/>
+                <a:ea typeface="D2Coding" panose="020B0609020101020101" pitchFamily="49" charset="-127"/>
+              </a:rPr>
+              <a:t>  </a:t>
+            </a:r>
+            <a:r>
+              <a:rPr lang="en-US" altLang="ko-KR" sz="800" b="0">
+                <a:solidFill>
+                  <a:srgbClr val="777777"/>
+                </a:solidFill>
+                <a:effectLst/>
+                <a:latin typeface="D2Coding" panose="020B0609020101020101" pitchFamily="49" charset="-127"/>
+                <a:ea typeface="D2Coding" panose="020B0609020101020101" pitchFamily="49" charset="-127"/>
+              </a:rPr>
+              <a:t>}</a:t>
+            </a:r>
+            <a:endParaRPr lang="en-US" altLang="ko-KR" sz="800" b="0">
+              <a:solidFill>
+                <a:srgbClr val="333333"/>
+              </a:solidFill>
+              <a:effectLst/>
+              <a:latin typeface="D2Coding" panose="020B0609020101020101" pitchFamily="49" charset="-127"/>
+              <a:ea typeface="D2Coding" panose="020B0609020101020101" pitchFamily="49" charset="-127"/>
+            </a:endParaRPr>
+          </a:p>
+          <a:p>
+            <a:r>
+              <a:rPr lang="en-US" altLang="ko-KR" sz="800" b="0">
+                <a:solidFill>
+                  <a:srgbClr val="777777"/>
+                </a:solidFill>
+                <a:effectLst/>
+                <a:latin typeface="D2Coding" panose="020B0609020101020101" pitchFamily="49" charset="-127"/>
+                <a:ea typeface="D2Coding" panose="020B0609020101020101" pitchFamily="49" charset="-127"/>
+              </a:rPr>
+              <a:t>}</a:t>
+            </a:r>
+            <a:endParaRPr lang="en-US" altLang="ko-KR" sz="800" b="0">
+              <a:solidFill>
+                <a:srgbClr val="333333"/>
+              </a:solidFill>
+              <a:effectLst/>
+              <a:latin typeface="D2Coding" panose="020B0609020101020101" pitchFamily="49" charset="-127"/>
+              <a:ea typeface="D2Coding" panose="020B0609020101020101" pitchFamily="49" charset="-127"/>
+            </a:endParaRPr>
+          </a:p>
+          <a:p>
+            <a:br>
+              <a:rPr lang="en-US" altLang="ko-KR" sz="800" b="0">
+                <a:solidFill>
+                  <a:srgbClr val="333333"/>
+                </a:solidFill>
+                <a:effectLst/>
+                <a:latin typeface="D2Coding" panose="020B0609020101020101" pitchFamily="49" charset="-127"/>
+                <a:ea typeface="D2Coding" panose="020B0609020101020101" pitchFamily="49" charset="-127"/>
+              </a:rPr>
+            </a:br>
+            <a:r>
+              <a:rPr lang="en-US" altLang="ko-KR" sz="800" b="0">
+                <a:solidFill>
+                  <a:srgbClr val="7A3E9D"/>
+                </a:solidFill>
+                <a:effectLst/>
+                <a:latin typeface="D2Coding" panose="020B0609020101020101" pitchFamily="49" charset="-127"/>
+                <a:ea typeface="D2Coding" panose="020B0609020101020101" pitchFamily="49" charset="-127"/>
+              </a:rPr>
+              <a:t>class</a:t>
+            </a:r>
+            <a:r>
+              <a:rPr lang="en-US" altLang="ko-KR" sz="800" b="0">
+                <a:solidFill>
+                  <a:srgbClr val="333333"/>
+                </a:solidFill>
+                <a:effectLst/>
+                <a:latin typeface="D2Coding" panose="020B0609020101020101" pitchFamily="49" charset="-127"/>
+                <a:ea typeface="D2Coding" panose="020B0609020101020101" pitchFamily="49" charset="-127"/>
+              </a:rPr>
+              <a:t> </a:t>
+            </a:r>
+            <a:r>
+              <a:rPr lang="ko-KR" altLang="en-US" sz="800" b="1">
+                <a:solidFill>
+                  <a:srgbClr val="7A3E9D"/>
+                </a:solidFill>
+                <a:effectLst/>
+                <a:latin typeface="D2Coding" panose="020B0609020101020101" pitchFamily="49" charset="-127"/>
+                <a:ea typeface="D2Coding" panose="020B0609020101020101" pitchFamily="49" charset="-127"/>
+              </a:rPr>
+              <a:t>돌고래쇼델리게이트</a:t>
+            </a:r>
+            <a:r>
+              <a:rPr lang="ko-KR" altLang="en-US" sz="800" b="0">
+                <a:solidFill>
+                  <a:srgbClr val="333333"/>
+                </a:solidFill>
+                <a:effectLst/>
+                <a:latin typeface="D2Coding" panose="020B0609020101020101" pitchFamily="49" charset="-127"/>
+                <a:ea typeface="D2Coding" panose="020B0609020101020101" pitchFamily="49" charset="-127"/>
+              </a:rPr>
+              <a:t> </a:t>
+            </a:r>
+            <a:r>
+              <a:rPr lang="en-US" altLang="ko-KR" sz="800" b="0">
+                <a:solidFill>
+                  <a:srgbClr val="4B69C6"/>
+                </a:solidFill>
+                <a:effectLst/>
+                <a:latin typeface="D2Coding" panose="020B0609020101020101" pitchFamily="49" charset="-127"/>
+                <a:ea typeface="D2Coding" panose="020B0609020101020101" pitchFamily="49" charset="-127"/>
+              </a:rPr>
+              <a:t>extends</a:t>
+            </a:r>
+            <a:r>
+              <a:rPr lang="en-US" altLang="ko-KR" sz="800" b="0">
+                <a:solidFill>
+                  <a:srgbClr val="333333"/>
+                </a:solidFill>
+                <a:effectLst/>
+                <a:latin typeface="D2Coding" panose="020B0609020101020101" pitchFamily="49" charset="-127"/>
+                <a:ea typeface="D2Coding" panose="020B0609020101020101" pitchFamily="49" charset="-127"/>
+              </a:rPr>
+              <a:t> </a:t>
+            </a:r>
+            <a:r>
+              <a:rPr lang="ko-KR" altLang="en-US" sz="800" b="1">
+                <a:solidFill>
+                  <a:srgbClr val="7A3E9D"/>
+                </a:solidFill>
+                <a:effectLst/>
+                <a:latin typeface="D2Coding" panose="020B0609020101020101" pitchFamily="49" charset="-127"/>
+                <a:ea typeface="D2Coding" panose="020B0609020101020101" pitchFamily="49" charset="-127"/>
+              </a:rPr>
+              <a:t>놀이동산델리게이트</a:t>
+            </a:r>
+            <a:r>
+              <a:rPr lang="ko-KR" altLang="en-US" sz="800" b="0">
+                <a:solidFill>
+                  <a:srgbClr val="333333"/>
+                </a:solidFill>
+                <a:effectLst/>
+                <a:latin typeface="D2Coding" panose="020B0609020101020101" pitchFamily="49" charset="-127"/>
+                <a:ea typeface="D2Coding" panose="020B0609020101020101" pitchFamily="49" charset="-127"/>
+              </a:rPr>
+              <a:t> </a:t>
+            </a:r>
+            <a:r>
+              <a:rPr lang="en-US" altLang="ko-KR" sz="800" b="0">
+                <a:solidFill>
+                  <a:srgbClr val="777777"/>
+                </a:solidFill>
+                <a:effectLst/>
+                <a:latin typeface="D2Coding" panose="020B0609020101020101" pitchFamily="49" charset="-127"/>
+                <a:ea typeface="D2Coding" panose="020B0609020101020101" pitchFamily="49" charset="-127"/>
+              </a:rPr>
+              <a:t>{</a:t>
+            </a:r>
+            <a:endParaRPr lang="ko-KR" altLang="en-US" sz="800" b="0">
+              <a:solidFill>
+                <a:srgbClr val="333333"/>
+              </a:solidFill>
+              <a:effectLst/>
+              <a:latin typeface="D2Coding" panose="020B0609020101020101" pitchFamily="49" charset="-127"/>
+              <a:ea typeface="D2Coding" panose="020B0609020101020101" pitchFamily="49" charset="-127"/>
+            </a:endParaRPr>
+          </a:p>
+          <a:p>
+            <a:r>
+              <a:rPr lang="ko-KR" altLang="en-US" sz="800" b="0">
+                <a:solidFill>
+                  <a:srgbClr val="333333"/>
+                </a:solidFill>
+                <a:effectLst/>
+                <a:latin typeface="D2Coding" panose="020B0609020101020101" pitchFamily="49" charset="-127"/>
+                <a:ea typeface="D2Coding" panose="020B0609020101020101" pitchFamily="49" charset="-127"/>
+              </a:rPr>
+              <a:t>  </a:t>
+            </a:r>
+            <a:r>
+              <a:rPr lang="en-US" altLang="ko-KR" sz="800" b="0">
+                <a:solidFill>
+                  <a:srgbClr val="7A3E9D"/>
+                </a:solidFill>
+                <a:effectLst/>
+                <a:latin typeface="D2Coding" panose="020B0609020101020101" pitchFamily="49" charset="-127"/>
+                <a:ea typeface="D2Coding" panose="020B0609020101020101" pitchFamily="49" charset="-127"/>
+              </a:rPr>
+              <a:t>constructor</a:t>
+            </a:r>
+            <a:r>
+              <a:rPr lang="en-US" altLang="ko-KR" sz="800" b="0">
+                <a:solidFill>
+                  <a:srgbClr val="777777"/>
+                </a:solidFill>
+                <a:effectLst/>
+                <a:latin typeface="D2Coding" panose="020B0609020101020101" pitchFamily="49" charset="-127"/>
+                <a:ea typeface="D2Coding" panose="020B0609020101020101" pitchFamily="49" charset="-127"/>
+              </a:rPr>
+              <a:t>(</a:t>
+            </a:r>
+            <a:r>
+              <a:rPr lang="en-US" altLang="ko-KR" sz="800" b="0">
+                <a:solidFill>
+                  <a:srgbClr val="7A3E9D"/>
+                </a:solidFill>
+                <a:effectLst/>
+                <a:latin typeface="D2Coding" panose="020B0609020101020101" pitchFamily="49" charset="-127"/>
+                <a:ea typeface="D2Coding" panose="020B0609020101020101" pitchFamily="49" charset="-127"/>
+              </a:rPr>
+              <a:t>data</a:t>
+            </a:r>
+            <a:r>
+              <a:rPr lang="en-US" altLang="ko-KR" sz="800" b="0">
+                <a:solidFill>
+                  <a:srgbClr val="777777"/>
+                </a:solidFill>
+                <a:effectLst/>
+                <a:latin typeface="D2Coding" panose="020B0609020101020101" pitchFamily="49" charset="-127"/>
+                <a:ea typeface="D2Coding" panose="020B0609020101020101" pitchFamily="49" charset="-127"/>
+              </a:rPr>
+              <a:t>)</a:t>
+            </a:r>
+            <a:r>
+              <a:rPr lang="en-US" altLang="ko-KR" sz="800" b="0">
+                <a:solidFill>
+                  <a:srgbClr val="333333"/>
+                </a:solidFill>
+                <a:effectLst/>
+                <a:latin typeface="D2Coding" panose="020B0609020101020101" pitchFamily="49" charset="-127"/>
+                <a:ea typeface="D2Coding" panose="020B0609020101020101" pitchFamily="49" charset="-127"/>
+              </a:rPr>
+              <a:t> </a:t>
+            </a:r>
+            <a:r>
+              <a:rPr lang="en-US" altLang="ko-KR" sz="800" b="0">
+                <a:solidFill>
+                  <a:srgbClr val="777777"/>
+                </a:solidFill>
+                <a:effectLst/>
+                <a:latin typeface="D2Coding" panose="020B0609020101020101" pitchFamily="49" charset="-127"/>
+                <a:ea typeface="D2Coding" panose="020B0609020101020101" pitchFamily="49" charset="-127"/>
+              </a:rPr>
+              <a:t>{</a:t>
+            </a:r>
+            <a:endParaRPr lang="en-US" altLang="ko-KR" sz="800" b="0">
+              <a:solidFill>
+                <a:srgbClr val="333333"/>
+              </a:solidFill>
+              <a:effectLst/>
+              <a:latin typeface="D2Coding" panose="020B0609020101020101" pitchFamily="49" charset="-127"/>
+              <a:ea typeface="D2Coding" panose="020B0609020101020101" pitchFamily="49" charset="-127"/>
+            </a:endParaRPr>
+          </a:p>
+          <a:p>
+            <a:r>
+              <a:rPr lang="en-US" altLang="ko-KR" sz="800" b="0">
+                <a:solidFill>
+                  <a:srgbClr val="333333"/>
+                </a:solidFill>
+                <a:effectLst/>
+                <a:latin typeface="D2Coding" panose="020B0609020101020101" pitchFamily="49" charset="-127"/>
+                <a:ea typeface="D2Coding" panose="020B0609020101020101" pitchFamily="49" charset="-127"/>
+              </a:rPr>
+              <a:t>    </a:t>
+            </a:r>
+            <a:r>
+              <a:rPr lang="en-US" altLang="ko-KR" sz="800" b="0">
+                <a:solidFill>
+                  <a:srgbClr val="9C5D27"/>
+                </a:solidFill>
+                <a:effectLst/>
+                <a:latin typeface="D2Coding" panose="020B0609020101020101" pitchFamily="49" charset="-127"/>
+                <a:ea typeface="D2Coding" panose="020B0609020101020101" pitchFamily="49" charset="-127"/>
+              </a:rPr>
+              <a:t>super</a:t>
+            </a:r>
+            <a:r>
+              <a:rPr lang="en-US" altLang="ko-KR" sz="800" b="0">
+                <a:solidFill>
+                  <a:srgbClr val="333333"/>
+                </a:solidFill>
+                <a:effectLst/>
+                <a:latin typeface="D2Coding" panose="020B0609020101020101" pitchFamily="49" charset="-127"/>
+                <a:ea typeface="D2Coding" panose="020B0609020101020101" pitchFamily="49" charset="-127"/>
+              </a:rPr>
+              <a:t>(</a:t>
+            </a:r>
+            <a:r>
+              <a:rPr lang="en-US" altLang="ko-KR" sz="800" b="0">
+                <a:solidFill>
+                  <a:srgbClr val="7A3E9D"/>
+                </a:solidFill>
+                <a:effectLst/>
+                <a:latin typeface="D2Coding" panose="020B0609020101020101" pitchFamily="49" charset="-127"/>
+                <a:ea typeface="D2Coding" panose="020B0609020101020101" pitchFamily="49" charset="-127"/>
+              </a:rPr>
+              <a:t>data</a:t>
+            </a:r>
+            <a:r>
+              <a:rPr lang="en-US" altLang="ko-KR" sz="800" b="0">
+                <a:solidFill>
+                  <a:srgbClr val="333333"/>
+                </a:solidFill>
+                <a:effectLst/>
+                <a:latin typeface="D2Coding" panose="020B0609020101020101" pitchFamily="49" charset="-127"/>
+                <a:ea typeface="D2Coding" panose="020B0609020101020101" pitchFamily="49" charset="-127"/>
+              </a:rPr>
+              <a:t>)</a:t>
+            </a:r>
+            <a:r>
+              <a:rPr lang="en-US" altLang="ko-KR" sz="800" b="0">
+                <a:solidFill>
+                  <a:srgbClr val="777777"/>
+                </a:solidFill>
+                <a:effectLst/>
+                <a:latin typeface="D2Coding" panose="020B0609020101020101" pitchFamily="49" charset="-127"/>
+                <a:ea typeface="D2Coding" panose="020B0609020101020101" pitchFamily="49" charset="-127"/>
+              </a:rPr>
+              <a:t>;</a:t>
+            </a:r>
+            <a:endParaRPr lang="en-US" altLang="ko-KR" sz="800" b="0">
+              <a:solidFill>
+                <a:srgbClr val="333333"/>
+              </a:solidFill>
+              <a:effectLst/>
+              <a:latin typeface="D2Coding" panose="020B0609020101020101" pitchFamily="49" charset="-127"/>
+              <a:ea typeface="D2Coding" panose="020B0609020101020101" pitchFamily="49" charset="-127"/>
+            </a:endParaRPr>
+          </a:p>
+          <a:p>
+            <a:r>
+              <a:rPr lang="en-US" altLang="ko-KR" sz="800" b="0">
+                <a:solidFill>
+                  <a:srgbClr val="333333"/>
+                </a:solidFill>
+                <a:effectLst/>
+                <a:latin typeface="D2Coding" panose="020B0609020101020101" pitchFamily="49" charset="-127"/>
+                <a:ea typeface="D2Coding" panose="020B0609020101020101" pitchFamily="49" charset="-127"/>
+              </a:rPr>
+              <a:t>    </a:t>
+            </a:r>
+            <a:r>
+              <a:rPr lang="en-US" altLang="ko-KR" sz="800" b="0">
+                <a:solidFill>
+                  <a:srgbClr val="9C5D27"/>
+                </a:solidFill>
+                <a:effectLst/>
+                <a:latin typeface="D2Coding" panose="020B0609020101020101" pitchFamily="49" charset="-127"/>
+                <a:ea typeface="D2Coding" panose="020B0609020101020101" pitchFamily="49" charset="-127"/>
+              </a:rPr>
+              <a:t>this</a:t>
+            </a:r>
+            <a:r>
+              <a:rPr lang="en-US" altLang="ko-KR" sz="800" b="0">
+                <a:solidFill>
+                  <a:srgbClr val="777777"/>
+                </a:solidFill>
+                <a:effectLst/>
+                <a:latin typeface="D2Coding" panose="020B0609020101020101" pitchFamily="49" charset="-127"/>
+                <a:ea typeface="D2Coding" panose="020B0609020101020101" pitchFamily="49" charset="-127"/>
+              </a:rPr>
+              <a:t>.</a:t>
+            </a:r>
+            <a:r>
+              <a:rPr lang="en-US" altLang="ko-KR" sz="800" b="0">
+                <a:solidFill>
+                  <a:srgbClr val="7A3E9D"/>
+                </a:solidFill>
+                <a:effectLst/>
+                <a:latin typeface="D2Coding" panose="020B0609020101020101" pitchFamily="49" charset="-127"/>
+                <a:ea typeface="D2Coding" panose="020B0609020101020101" pitchFamily="49" charset="-127"/>
+              </a:rPr>
+              <a:t>_</a:t>
+            </a:r>
+            <a:r>
+              <a:rPr lang="ko-KR" altLang="en-US" sz="800" b="0">
+                <a:solidFill>
+                  <a:srgbClr val="7A3E9D"/>
+                </a:solidFill>
+                <a:effectLst/>
+                <a:latin typeface="D2Coding" panose="020B0609020101020101" pitchFamily="49" charset="-127"/>
+                <a:ea typeface="D2Coding" panose="020B0609020101020101" pitchFamily="49" charset="-127"/>
+              </a:rPr>
+              <a:t>돌고래수</a:t>
+            </a:r>
+            <a:r>
+              <a:rPr lang="ko-KR" altLang="en-US" sz="800" b="0">
+                <a:solidFill>
+                  <a:srgbClr val="333333"/>
+                </a:solidFill>
+                <a:effectLst/>
+                <a:latin typeface="D2Coding" panose="020B0609020101020101" pitchFamily="49" charset="-127"/>
+                <a:ea typeface="D2Coding" panose="020B0609020101020101" pitchFamily="49" charset="-127"/>
+              </a:rPr>
+              <a:t> </a:t>
+            </a:r>
+            <a:r>
+              <a:rPr lang="en-US" altLang="ko-KR" sz="800" b="0">
+                <a:solidFill>
+                  <a:srgbClr val="777777"/>
+                </a:solidFill>
+                <a:effectLst/>
+                <a:latin typeface="D2Coding" panose="020B0609020101020101" pitchFamily="49" charset="-127"/>
+                <a:ea typeface="D2Coding" panose="020B0609020101020101" pitchFamily="49" charset="-127"/>
+              </a:rPr>
+              <a:t>=</a:t>
+            </a:r>
+            <a:r>
+              <a:rPr lang="ko-KR" altLang="en-US" sz="800" b="0">
+                <a:solidFill>
+                  <a:srgbClr val="333333"/>
+                </a:solidFill>
+                <a:effectLst/>
+                <a:latin typeface="D2Coding" panose="020B0609020101020101" pitchFamily="49" charset="-127"/>
+                <a:ea typeface="D2Coding" panose="020B0609020101020101" pitchFamily="49" charset="-127"/>
+              </a:rPr>
+              <a:t> </a:t>
+            </a:r>
+            <a:r>
+              <a:rPr lang="en-US" altLang="ko-KR" sz="800" b="0">
+                <a:solidFill>
+                  <a:srgbClr val="7A3E9D"/>
+                </a:solidFill>
+                <a:effectLst/>
+                <a:latin typeface="D2Coding" panose="020B0609020101020101" pitchFamily="49" charset="-127"/>
+                <a:ea typeface="D2Coding" panose="020B0609020101020101" pitchFamily="49" charset="-127"/>
+              </a:rPr>
+              <a:t>data</a:t>
+            </a:r>
+            <a:r>
+              <a:rPr lang="en-US" altLang="ko-KR" sz="800" b="0">
+                <a:solidFill>
+                  <a:srgbClr val="777777"/>
+                </a:solidFill>
+                <a:effectLst/>
+                <a:latin typeface="D2Coding" panose="020B0609020101020101" pitchFamily="49" charset="-127"/>
+                <a:ea typeface="D2Coding" panose="020B0609020101020101" pitchFamily="49" charset="-127"/>
+              </a:rPr>
+              <a:t>.</a:t>
+            </a:r>
+            <a:r>
+              <a:rPr lang="ko-KR" altLang="en-US" sz="800" b="0">
+                <a:solidFill>
+                  <a:srgbClr val="7A3E9D"/>
+                </a:solidFill>
+                <a:effectLst/>
+                <a:latin typeface="D2Coding" panose="020B0609020101020101" pitchFamily="49" charset="-127"/>
+                <a:ea typeface="D2Coding" panose="020B0609020101020101" pitchFamily="49" charset="-127"/>
+              </a:rPr>
+              <a:t>돌고래수</a:t>
+            </a:r>
+            <a:r>
+              <a:rPr lang="en-US" altLang="ko-KR" sz="800" b="0">
+                <a:solidFill>
+                  <a:srgbClr val="777777"/>
+                </a:solidFill>
+                <a:effectLst/>
+                <a:latin typeface="D2Coding" panose="020B0609020101020101" pitchFamily="49" charset="-127"/>
+                <a:ea typeface="D2Coding" panose="020B0609020101020101" pitchFamily="49" charset="-127"/>
+              </a:rPr>
+              <a:t>;</a:t>
+            </a:r>
+            <a:endParaRPr lang="ko-KR" altLang="en-US" sz="800" b="0">
+              <a:solidFill>
+                <a:srgbClr val="333333"/>
+              </a:solidFill>
+              <a:effectLst/>
+              <a:latin typeface="D2Coding" panose="020B0609020101020101" pitchFamily="49" charset="-127"/>
+              <a:ea typeface="D2Coding" panose="020B0609020101020101" pitchFamily="49" charset="-127"/>
+            </a:endParaRPr>
+          </a:p>
+          <a:p>
+            <a:r>
+              <a:rPr lang="ko-KR" altLang="en-US" sz="800" b="0">
+                <a:solidFill>
+                  <a:srgbClr val="333333"/>
+                </a:solidFill>
+                <a:effectLst/>
+                <a:latin typeface="D2Coding" panose="020B0609020101020101" pitchFamily="49" charset="-127"/>
+                <a:ea typeface="D2Coding" panose="020B0609020101020101" pitchFamily="49" charset="-127"/>
+              </a:rPr>
+              <a:t>  </a:t>
+            </a:r>
+            <a:r>
+              <a:rPr lang="en-US" altLang="ko-KR" sz="800" b="0">
+                <a:solidFill>
+                  <a:srgbClr val="777777"/>
+                </a:solidFill>
+                <a:effectLst/>
+                <a:latin typeface="D2Coding" panose="020B0609020101020101" pitchFamily="49" charset="-127"/>
+                <a:ea typeface="D2Coding" panose="020B0609020101020101" pitchFamily="49" charset="-127"/>
+              </a:rPr>
+              <a:t>}</a:t>
+            </a:r>
+            <a:endParaRPr lang="ko-KR" altLang="en-US" sz="800" b="0">
+              <a:solidFill>
+                <a:srgbClr val="333333"/>
+              </a:solidFill>
+              <a:effectLst/>
+              <a:latin typeface="D2Coding" panose="020B0609020101020101" pitchFamily="49" charset="-127"/>
+              <a:ea typeface="D2Coding" panose="020B0609020101020101" pitchFamily="49" charset="-127"/>
+            </a:endParaRPr>
+          </a:p>
+          <a:p>
+            <a:r>
+              <a:rPr lang="en-US" altLang="ko-KR" sz="800" b="0">
+                <a:solidFill>
+                  <a:srgbClr val="777777"/>
+                </a:solidFill>
+                <a:effectLst/>
+                <a:latin typeface="D2Coding" panose="020B0609020101020101" pitchFamily="49" charset="-127"/>
+                <a:ea typeface="D2Coding" panose="020B0609020101020101" pitchFamily="49" charset="-127"/>
+              </a:rPr>
+              <a:t>}</a:t>
+            </a:r>
+            <a:endParaRPr lang="ko-KR" altLang="en-US" sz="800" b="0">
+              <a:solidFill>
+                <a:srgbClr val="333333"/>
+              </a:solidFill>
+              <a:effectLst/>
+              <a:latin typeface="D2Coding" panose="020B0609020101020101" pitchFamily="49" charset="-127"/>
+              <a:ea typeface="D2Coding" panose="020B0609020101020101" pitchFamily="49" charset="-127"/>
+            </a:endParaRPr>
+          </a:p>
+          <a:p>
+            <a:br>
+              <a:rPr lang="ko-KR" altLang="en-US" sz="800" b="0">
+                <a:solidFill>
+                  <a:srgbClr val="333333"/>
+                </a:solidFill>
+                <a:effectLst/>
+                <a:latin typeface="D2Coding" panose="020B0609020101020101" pitchFamily="49" charset="-127"/>
+                <a:ea typeface="D2Coding" panose="020B0609020101020101" pitchFamily="49" charset="-127"/>
+              </a:rPr>
+            </a:br>
+            <a:r>
+              <a:rPr lang="en-US" altLang="ko-KR" sz="800" b="0">
+                <a:solidFill>
+                  <a:srgbClr val="333333"/>
+                </a:solidFill>
+                <a:effectLst/>
+                <a:latin typeface="D2Coding" panose="020B0609020101020101" pitchFamily="49" charset="-127"/>
+                <a:ea typeface="D2Coding" panose="020B0609020101020101" pitchFamily="49" charset="-127"/>
+              </a:rPr>
+              <a:t>(</a:t>
+            </a:r>
+            <a:r>
+              <a:rPr lang="en-US" altLang="ko-KR" sz="800" b="1">
+                <a:solidFill>
+                  <a:srgbClr val="AA3731"/>
+                </a:solidFill>
+                <a:effectLst/>
+                <a:latin typeface="D2Coding" panose="020B0609020101020101" pitchFamily="49" charset="-127"/>
+                <a:ea typeface="D2Coding" panose="020B0609020101020101" pitchFamily="49" charset="-127"/>
+              </a:rPr>
+              <a:t>main</a:t>
+            </a:r>
+            <a:r>
+              <a:rPr lang="en-US" altLang="ko-KR" sz="800" b="0">
+                <a:solidFill>
+                  <a:srgbClr val="333333"/>
+                </a:solidFill>
+                <a:effectLst/>
+                <a:latin typeface="D2Coding" panose="020B0609020101020101" pitchFamily="49" charset="-127"/>
+                <a:ea typeface="D2Coding" panose="020B0609020101020101" pitchFamily="49" charset="-127"/>
+              </a:rPr>
+              <a:t> </a:t>
+            </a:r>
+            <a:r>
+              <a:rPr lang="en-US" altLang="ko-KR" sz="800" b="0">
+                <a:solidFill>
+                  <a:srgbClr val="777777"/>
+                </a:solidFill>
+                <a:effectLst/>
+                <a:latin typeface="D2Coding" panose="020B0609020101020101" pitchFamily="49" charset="-127"/>
+                <a:ea typeface="D2Coding" panose="020B0609020101020101" pitchFamily="49" charset="-127"/>
+              </a:rPr>
+              <a:t>=</a:t>
+            </a:r>
+            <a:r>
+              <a:rPr lang="en-US" altLang="ko-KR" sz="800" b="0">
+                <a:solidFill>
+                  <a:srgbClr val="333333"/>
+                </a:solidFill>
+                <a:effectLst/>
+                <a:latin typeface="D2Coding" panose="020B0609020101020101" pitchFamily="49" charset="-127"/>
+                <a:ea typeface="D2Coding" panose="020B0609020101020101" pitchFamily="49" charset="-127"/>
+              </a:rPr>
+              <a:t> </a:t>
+            </a:r>
+            <a:r>
+              <a:rPr lang="en-US" altLang="ko-KR" sz="800" b="0">
+                <a:solidFill>
+                  <a:srgbClr val="7A3E9D"/>
+                </a:solidFill>
+                <a:effectLst/>
+                <a:latin typeface="D2Coding" panose="020B0609020101020101" pitchFamily="49" charset="-127"/>
+                <a:ea typeface="D2Coding" panose="020B0609020101020101" pitchFamily="49" charset="-127"/>
+              </a:rPr>
+              <a:t>_</a:t>
+            </a:r>
+            <a:r>
+              <a:rPr lang="en-US" altLang="ko-KR" sz="800" b="0">
+                <a:solidFill>
+                  <a:srgbClr val="333333"/>
+                </a:solidFill>
+                <a:effectLst/>
+                <a:latin typeface="D2Coding" panose="020B0609020101020101" pitchFamily="49" charset="-127"/>
+                <a:ea typeface="D2Coding" panose="020B0609020101020101" pitchFamily="49" charset="-127"/>
+              </a:rPr>
+              <a:t> </a:t>
+            </a:r>
+            <a:r>
+              <a:rPr lang="en-US" altLang="ko-KR" sz="800" b="0">
+                <a:solidFill>
+                  <a:srgbClr val="7A3E9D"/>
+                </a:solidFill>
+                <a:effectLst/>
+                <a:latin typeface="D2Coding" panose="020B0609020101020101" pitchFamily="49" charset="-127"/>
+                <a:ea typeface="D2Coding" panose="020B0609020101020101" pitchFamily="49" charset="-127"/>
+              </a:rPr>
+              <a:t>=&gt;</a:t>
+            </a:r>
+            <a:r>
+              <a:rPr lang="en-US" altLang="ko-KR" sz="800" b="0">
+                <a:solidFill>
+                  <a:srgbClr val="333333"/>
+                </a:solidFill>
+                <a:effectLst/>
+                <a:latin typeface="D2Coding" panose="020B0609020101020101" pitchFamily="49" charset="-127"/>
+                <a:ea typeface="D2Coding" panose="020B0609020101020101" pitchFamily="49" charset="-127"/>
+              </a:rPr>
+              <a:t> </a:t>
+            </a:r>
+            <a:r>
+              <a:rPr lang="en-US" altLang="ko-KR" sz="800" b="0">
+                <a:solidFill>
+                  <a:srgbClr val="777777"/>
+                </a:solidFill>
+                <a:effectLst/>
+                <a:latin typeface="D2Coding" panose="020B0609020101020101" pitchFamily="49" charset="-127"/>
+                <a:ea typeface="D2Coding" panose="020B0609020101020101" pitchFamily="49" charset="-127"/>
+              </a:rPr>
+              <a:t>{</a:t>
+            </a:r>
+            <a:endParaRPr lang="en-US" altLang="ko-KR" sz="800" b="0">
+              <a:solidFill>
+                <a:srgbClr val="333333"/>
+              </a:solidFill>
+              <a:effectLst/>
+              <a:latin typeface="D2Coding" panose="020B0609020101020101" pitchFamily="49" charset="-127"/>
+              <a:ea typeface="D2Coding" panose="020B0609020101020101" pitchFamily="49" charset="-127"/>
+            </a:endParaRPr>
+          </a:p>
+          <a:p>
+            <a:r>
+              <a:rPr lang="en-US" altLang="ko-KR" sz="800" b="0">
+                <a:solidFill>
+                  <a:srgbClr val="333333"/>
+                </a:solidFill>
+                <a:effectLst/>
+                <a:latin typeface="D2Coding" panose="020B0609020101020101" pitchFamily="49" charset="-127"/>
+                <a:ea typeface="D2Coding" panose="020B0609020101020101" pitchFamily="49" charset="-127"/>
+              </a:rPr>
+              <a:t>  </a:t>
+            </a:r>
+            <a:r>
+              <a:rPr lang="en-US" altLang="ko-KR" sz="800" b="0">
+                <a:solidFill>
+                  <a:srgbClr val="7A3E9D"/>
+                </a:solidFill>
+                <a:effectLst/>
+                <a:latin typeface="D2Coding" panose="020B0609020101020101" pitchFamily="49" charset="-127"/>
+                <a:ea typeface="D2Coding" panose="020B0609020101020101" pitchFamily="49" charset="-127"/>
+              </a:rPr>
+              <a:t>const</a:t>
+            </a:r>
+            <a:r>
+              <a:rPr lang="en-US" altLang="ko-KR" sz="800" b="0">
+                <a:solidFill>
+                  <a:srgbClr val="333333"/>
+                </a:solidFill>
+                <a:effectLst/>
+                <a:latin typeface="D2Coding" panose="020B0609020101020101" pitchFamily="49" charset="-127"/>
+                <a:ea typeface="D2Coding" panose="020B0609020101020101" pitchFamily="49" charset="-127"/>
+              </a:rPr>
+              <a:t> </a:t>
+            </a:r>
+            <a:r>
+              <a:rPr lang="ko-KR" altLang="en-US" sz="800" b="0">
+                <a:solidFill>
+                  <a:srgbClr val="7A3E9D"/>
+                </a:solidFill>
+                <a:effectLst/>
+                <a:latin typeface="D2Coding" panose="020B0609020101020101" pitchFamily="49" charset="-127"/>
+                <a:ea typeface="D2Coding" panose="020B0609020101020101" pitchFamily="49" charset="-127"/>
+              </a:rPr>
+              <a:t>포유류돌고래</a:t>
+            </a:r>
+            <a:r>
+              <a:rPr lang="ko-KR" altLang="en-US" sz="800" b="0">
+                <a:solidFill>
+                  <a:srgbClr val="333333"/>
+                </a:solidFill>
+                <a:effectLst/>
+                <a:latin typeface="D2Coding" panose="020B0609020101020101" pitchFamily="49" charset="-127"/>
+                <a:ea typeface="D2Coding" panose="020B0609020101020101" pitchFamily="49" charset="-127"/>
+              </a:rPr>
+              <a:t> </a:t>
+            </a:r>
+            <a:r>
+              <a:rPr lang="en-US" altLang="ko-KR" sz="800" b="0">
+                <a:solidFill>
+                  <a:srgbClr val="777777"/>
+                </a:solidFill>
+                <a:effectLst/>
+                <a:latin typeface="D2Coding" panose="020B0609020101020101" pitchFamily="49" charset="-127"/>
+                <a:ea typeface="D2Coding" panose="020B0609020101020101" pitchFamily="49" charset="-127"/>
+              </a:rPr>
+              <a:t>=</a:t>
+            </a:r>
+            <a:r>
+              <a:rPr lang="ko-KR" altLang="en-US" sz="800" b="0">
+                <a:solidFill>
+                  <a:srgbClr val="333333"/>
+                </a:solidFill>
+                <a:effectLst/>
+                <a:latin typeface="D2Coding" panose="020B0609020101020101" pitchFamily="49" charset="-127"/>
+                <a:ea typeface="D2Coding" panose="020B0609020101020101" pitchFamily="49" charset="-127"/>
+              </a:rPr>
+              <a:t> </a:t>
+            </a:r>
+            <a:r>
+              <a:rPr lang="en-US" altLang="ko-KR" sz="800" b="0">
+                <a:solidFill>
+                  <a:srgbClr val="777777"/>
+                </a:solidFill>
+                <a:effectLst/>
+                <a:latin typeface="D2Coding" panose="020B0609020101020101" pitchFamily="49" charset="-127"/>
+                <a:ea typeface="D2Coding" panose="020B0609020101020101" pitchFamily="49" charset="-127"/>
+              </a:rPr>
+              <a:t>new</a:t>
+            </a:r>
+            <a:r>
+              <a:rPr lang="en-US" altLang="ko-KR" sz="800" b="0">
+                <a:solidFill>
+                  <a:srgbClr val="333333"/>
+                </a:solidFill>
+                <a:effectLst/>
+                <a:latin typeface="D2Coding" panose="020B0609020101020101" pitchFamily="49" charset="-127"/>
+                <a:ea typeface="D2Coding" panose="020B0609020101020101" pitchFamily="49" charset="-127"/>
+              </a:rPr>
+              <a:t> </a:t>
+            </a:r>
+            <a:r>
+              <a:rPr lang="ko-KR" altLang="en-US" sz="800" b="1">
+                <a:solidFill>
+                  <a:srgbClr val="7A3E9D"/>
+                </a:solidFill>
+                <a:effectLst/>
+                <a:latin typeface="D2Coding" panose="020B0609020101020101" pitchFamily="49" charset="-127"/>
+                <a:ea typeface="D2Coding" panose="020B0609020101020101" pitchFamily="49" charset="-127"/>
+              </a:rPr>
+              <a:t>돌고래</a:t>
+            </a:r>
+            <a:r>
+              <a:rPr lang="en-US" altLang="ko-KR" sz="800" b="0">
+                <a:solidFill>
+                  <a:srgbClr val="333333"/>
+                </a:solidFill>
+                <a:effectLst/>
+                <a:latin typeface="D2Coding" panose="020B0609020101020101" pitchFamily="49" charset="-127"/>
+                <a:ea typeface="D2Coding" panose="020B0609020101020101" pitchFamily="49" charset="-127"/>
+              </a:rPr>
+              <a:t>(</a:t>
+            </a:r>
+            <a:r>
+              <a:rPr lang="en-US" altLang="ko-KR" sz="800" b="0">
+                <a:solidFill>
+                  <a:srgbClr val="777777"/>
+                </a:solidFill>
+                <a:effectLst/>
+                <a:latin typeface="D2Coding" panose="020B0609020101020101" pitchFamily="49" charset="-127"/>
+                <a:ea typeface="D2Coding" panose="020B0609020101020101" pitchFamily="49" charset="-127"/>
+              </a:rPr>
+              <a:t>{</a:t>
+            </a:r>
+            <a:endParaRPr lang="ko-KR" altLang="en-US" sz="800" b="0">
+              <a:solidFill>
+                <a:srgbClr val="333333"/>
+              </a:solidFill>
+              <a:effectLst/>
+              <a:latin typeface="D2Coding" panose="020B0609020101020101" pitchFamily="49" charset="-127"/>
+              <a:ea typeface="D2Coding" panose="020B0609020101020101" pitchFamily="49" charset="-127"/>
+            </a:endParaRPr>
+          </a:p>
+          <a:p>
+            <a:r>
+              <a:rPr lang="ko-KR" altLang="en-US" sz="800" b="0">
+                <a:solidFill>
+                  <a:srgbClr val="333333"/>
+                </a:solidFill>
+                <a:effectLst/>
+                <a:latin typeface="D2Coding" panose="020B0609020101020101" pitchFamily="49" charset="-127"/>
+                <a:ea typeface="D2Coding" panose="020B0609020101020101" pitchFamily="49" charset="-127"/>
+              </a:rPr>
+              <a:t>    </a:t>
+            </a:r>
+            <a:r>
+              <a:rPr lang="en-US" altLang="ko-KR" sz="800" b="0">
+                <a:solidFill>
+                  <a:srgbClr val="7A3E9D"/>
+                </a:solidFill>
+                <a:effectLst/>
+                <a:latin typeface="D2Coding" panose="020B0609020101020101" pitchFamily="49" charset="-127"/>
+                <a:ea typeface="D2Coding" panose="020B0609020101020101" pitchFamily="49" charset="-127"/>
+              </a:rPr>
+              <a:t>type</a:t>
+            </a:r>
+            <a:r>
+              <a:rPr lang="en-US" altLang="ko-KR" sz="800" b="0">
+                <a:solidFill>
+                  <a:srgbClr val="777777"/>
+                </a:solidFill>
+                <a:effectLst/>
+                <a:latin typeface="D2Coding" panose="020B0609020101020101" pitchFamily="49" charset="-127"/>
+                <a:ea typeface="D2Coding" panose="020B0609020101020101" pitchFamily="49" charset="-127"/>
+              </a:rPr>
+              <a:t>:</a:t>
+            </a:r>
+            <a:r>
+              <a:rPr lang="en-US" altLang="ko-KR" sz="800" b="0">
+                <a:solidFill>
+                  <a:srgbClr val="333333"/>
+                </a:solidFill>
+                <a:effectLst/>
+                <a:latin typeface="D2Coding" panose="020B0609020101020101" pitchFamily="49" charset="-127"/>
+                <a:ea typeface="D2Coding" panose="020B0609020101020101" pitchFamily="49" charset="-127"/>
+              </a:rPr>
+              <a:t> </a:t>
+            </a:r>
+            <a:r>
+              <a:rPr lang="en-US" altLang="ko-KR" sz="800" b="0">
+                <a:solidFill>
+                  <a:srgbClr val="777777"/>
+                </a:solidFill>
+                <a:effectLst/>
+                <a:latin typeface="D2Coding" panose="020B0609020101020101" pitchFamily="49" charset="-127"/>
+                <a:ea typeface="D2Coding" panose="020B0609020101020101" pitchFamily="49" charset="-127"/>
+              </a:rPr>
+              <a:t>"</a:t>
+            </a:r>
+            <a:r>
+              <a:rPr lang="ko-KR" altLang="en-US" sz="800" b="0">
+                <a:solidFill>
+                  <a:srgbClr val="448C27"/>
+                </a:solidFill>
+                <a:effectLst/>
+                <a:latin typeface="D2Coding" panose="020B0609020101020101" pitchFamily="49" charset="-127"/>
+                <a:ea typeface="D2Coding" panose="020B0609020101020101" pitchFamily="49" charset="-127"/>
+              </a:rPr>
+              <a:t>포유류</a:t>
+            </a:r>
+            <a:r>
+              <a:rPr lang="en-US" altLang="ko-KR" sz="800" b="0">
+                <a:solidFill>
+                  <a:srgbClr val="777777"/>
+                </a:solidFill>
+                <a:effectLst/>
+                <a:latin typeface="D2Coding" panose="020B0609020101020101" pitchFamily="49" charset="-127"/>
+                <a:ea typeface="D2Coding" panose="020B0609020101020101" pitchFamily="49" charset="-127"/>
+              </a:rPr>
+              <a:t>",</a:t>
+            </a:r>
+            <a:endParaRPr lang="ko-KR" altLang="en-US" sz="800" b="0">
+              <a:solidFill>
+                <a:srgbClr val="333333"/>
+              </a:solidFill>
+              <a:effectLst/>
+              <a:latin typeface="D2Coding" panose="020B0609020101020101" pitchFamily="49" charset="-127"/>
+              <a:ea typeface="D2Coding" panose="020B0609020101020101" pitchFamily="49" charset="-127"/>
+            </a:endParaRPr>
+          </a:p>
+          <a:p>
+            <a:r>
+              <a:rPr lang="ko-KR" altLang="en-US" sz="800" b="0">
+                <a:solidFill>
+                  <a:srgbClr val="333333"/>
+                </a:solidFill>
+                <a:effectLst/>
+                <a:latin typeface="D2Coding" panose="020B0609020101020101" pitchFamily="49" charset="-127"/>
+                <a:ea typeface="D2Coding" panose="020B0609020101020101" pitchFamily="49" charset="-127"/>
+              </a:rPr>
+              <a:t>    </a:t>
+            </a:r>
+            <a:r>
+              <a:rPr lang="en-US" altLang="ko-KR" sz="800" b="0">
+                <a:solidFill>
+                  <a:srgbClr val="7A3E9D"/>
+                </a:solidFill>
+                <a:effectLst/>
+                <a:latin typeface="D2Coding" panose="020B0609020101020101" pitchFamily="49" charset="-127"/>
+                <a:ea typeface="D2Coding" panose="020B0609020101020101" pitchFamily="49" charset="-127"/>
+              </a:rPr>
+              <a:t>isBorn</a:t>
+            </a:r>
+            <a:r>
+              <a:rPr lang="en-US" altLang="ko-KR" sz="800" b="0">
+                <a:solidFill>
+                  <a:srgbClr val="777777"/>
+                </a:solidFill>
+                <a:effectLst/>
+                <a:latin typeface="D2Coding" panose="020B0609020101020101" pitchFamily="49" charset="-127"/>
+                <a:ea typeface="D2Coding" panose="020B0609020101020101" pitchFamily="49" charset="-127"/>
+              </a:rPr>
+              <a:t>:</a:t>
+            </a:r>
+            <a:r>
+              <a:rPr lang="en-US" altLang="ko-KR" sz="800" b="0">
+                <a:solidFill>
+                  <a:srgbClr val="333333"/>
+                </a:solidFill>
+                <a:effectLst/>
+                <a:latin typeface="D2Coding" panose="020B0609020101020101" pitchFamily="49" charset="-127"/>
+                <a:ea typeface="D2Coding" panose="020B0609020101020101" pitchFamily="49" charset="-127"/>
+              </a:rPr>
+              <a:t> </a:t>
+            </a:r>
+            <a:r>
+              <a:rPr lang="en-US" altLang="ko-KR" sz="800" b="0">
+                <a:solidFill>
+                  <a:srgbClr val="9C5D27"/>
+                </a:solidFill>
+                <a:effectLst/>
+                <a:latin typeface="D2Coding" panose="020B0609020101020101" pitchFamily="49" charset="-127"/>
+                <a:ea typeface="D2Coding" panose="020B0609020101020101" pitchFamily="49" charset="-127"/>
+              </a:rPr>
+              <a:t>true</a:t>
+            </a:r>
+            <a:r>
+              <a:rPr lang="en-US" altLang="ko-KR" sz="800" b="0">
+                <a:solidFill>
+                  <a:srgbClr val="777777"/>
+                </a:solidFill>
+                <a:effectLst/>
+                <a:latin typeface="D2Coding" panose="020B0609020101020101" pitchFamily="49" charset="-127"/>
+                <a:ea typeface="D2Coding" panose="020B0609020101020101" pitchFamily="49" charset="-127"/>
+              </a:rPr>
+              <a:t>,</a:t>
+            </a:r>
+            <a:endParaRPr lang="en-US" altLang="ko-KR" sz="800" b="0">
+              <a:solidFill>
+                <a:srgbClr val="333333"/>
+              </a:solidFill>
+              <a:effectLst/>
+              <a:latin typeface="D2Coding" panose="020B0609020101020101" pitchFamily="49" charset="-127"/>
+              <a:ea typeface="D2Coding" panose="020B0609020101020101" pitchFamily="49" charset="-127"/>
+            </a:endParaRPr>
+          </a:p>
+          <a:p>
+            <a:r>
+              <a:rPr lang="en-US" altLang="ko-KR" sz="800" b="0">
+                <a:solidFill>
+                  <a:srgbClr val="333333"/>
+                </a:solidFill>
+                <a:effectLst/>
+                <a:latin typeface="D2Coding" panose="020B0609020101020101" pitchFamily="49" charset="-127"/>
+                <a:ea typeface="D2Coding" panose="020B0609020101020101" pitchFamily="49" charset="-127"/>
+              </a:rPr>
+              <a:t>    </a:t>
+            </a:r>
+            <a:r>
+              <a:rPr lang="en-US" altLang="ko-KR" sz="800" b="0">
+                <a:solidFill>
+                  <a:srgbClr val="7A3E9D"/>
+                </a:solidFill>
+                <a:effectLst/>
+                <a:latin typeface="D2Coding" panose="020B0609020101020101" pitchFamily="49" charset="-127"/>
+                <a:ea typeface="D2Coding" panose="020B0609020101020101" pitchFamily="49" charset="-127"/>
+              </a:rPr>
+              <a:t>isHair</a:t>
+            </a:r>
+            <a:r>
+              <a:rPr lang="en-US" altLang="ko-KR" sz="800" b="0">
+                <a:solidFill>
+                  <a:srgbClr val="777777"/>
+                </a:solidFill>
+                <a:effectLst/>
+                <a:latin typeface="D2Coding" panose="020B0609020101020101" pitchFamily="49" charset="-127"/>
+                <a:ea typeface="D2Coding" panose="020B0609020101020101" pitchFamily="49" charset="-127"/>
+              </a:rPr>
+              <a:t>:</a:t>
+            </a:r>
+            <a:r>
+              <a:rPr lang="en-US" altLang="ko-KR" sz="800" b="0">
+                <a:solidFill>
+                  <a:srgbClr val="333333"/>
+                </a:solidFill>
+                <a:effectLst/>
+                <a:latin typeface="D2Coding" panose="020B0609020101020101" pitchFamily="49" charset="-127"/>
+                <a:ea typeface="D2Coding" panose="020B0609020101020101" pitchFamily="49" charset="-127"/>
+              </a:rPr>
+              <a:t> </a:t>
+            </a:r>
+            <a:r>
+              <a:rPr lang="en-US" altLang="ko-KR" sz="800" b="0">
+                <a:solidFill>
+                  <a:srgbClr val="9C5D27"/>
+                </a:solidFill>
+                <a:effectLst/>
+                <a:latin typeface="D2Coding" panose="020B0609020101020101" pitchFamily="49" charset="-127"/>
+                <a:ea typeface="D2Coding" panose="020B0609020101020101" pitchFamily="49" charset="-127"/>
+              </a:rPr>
+              <a:t>true</a:t>
+            </a:r>
+            <a:endParaRPr lang="en-US" altLang="ko-KR" sz="800" b="0">
+              <a:solidFill>
+                <a:srgbClr val="333333"/>
+              </a:solidFill>
+              <a:effectLst/>
+              <a:latin typeface="D2Coding" panose="020B0609020101020101" pitchFamily="49" charset="-127"/>
+              <a:ea typeface="D2Coding" panose="020B0609020101020101" pitchFamily="49" charset="-127"/>
+            </a:endParaRPr>
+          </a:p>
+          <a:p>
+            <a:r>
+              <a:rPr lang="en-US" altLang="ko-KR" sz="800" b="0">
+                <a:solidFill>
+                  <a:srgbClr val="333333"/>
+                </a:solidFill>
+                <a:effectLst/>
+                <a:latin typeface="D2Coding" panose="020B0609020101020101" pitchFamily="49" charset="-127"/>
+                <a:ea typeface="D2Coding" panose="020B0609020101020101" pitchFamily="49" charset="-127"/>
+              </a:rPr>
+              <a:t>  </a:t>
+            </a:r>
+            <a:r>
+              <a:rPr lang="en-US" altLang="ko-KR" sz="800" b="0">
+                <a:solidFill>
+                  <a:srgbClr val="777777"/>
+                </a:solidFill>
+                <a:effectLst/>
+                <a:latin typeface="D2Coding" panose="020B0609020101020101" pitchFamily="49" charset="-127"/>
+                <a:ea typeface="D2Coding" panose="020B0609020101020101" pitchFamily="49" charset="-127"/>
+              </a:rPr>
+              <a:t>}</a:t>
+            </a:r>
+            <a:r>
+              <a:rPr lang="en-US" altLang="ko-KR" sz="800" b="0">
+                <a:solidFill>
+                  <a:srgbClr val="333333"/>
+                </a:solidFill>
+                <a:effectLst/>
+                <a:latin typeface="D2Coding" panose="020B0609020101020101" pitchFamily="49" charset="-127"/>
+                <a:ea typeface="D2Coding" panose="020B0609020101020101" pitchFamily="49" charset="-127"/>
+              </a:rPr>
+              <a:t>)</a:t>
+            </a:r>
+            <a:r>
+              <a:rPr lang="en-US" altLang="ko-KR" sz="800" b="0">
+                <a:solidFill>
+                  <a:srgbClr val="777777"/>
+                </a:solidFill>
+                <a:effectLst/>
+                <a:latin typeface="D2Coding" panose="020B0609020101020101" pitchFamily="49" charset="-127"/>
+                <a:ea typeface="D2Coding" panose="020B0609020101020101" pitchFamily="49" charset="-127"/>
+              </a:rPr>
+              <a:t>;</a:t>
+            </a:r>
+            <a:endParaRPr lang="en-US" altLang="ko-KR" sz="800" b="0">
+              <a:solidFill>
+                <a:srgbClr val="333333"/>
+              </a:solidFill>
+              <a:effectLst/>
+              <a:latin typeface="D2Coding" panose="020B0609020101020101" pitchFamily="49" charset="-127"/>
+              <a:ea typeface="D2Coding" panose="020B0609020101020101" pitchFamily="49" charset="-127"/>
+            </a:endParaRPr>
+          </a:p>
+          <a:p>
+            <a:br>
+              <a:rPr lang="en-US" altLang="ko-KR" sz="800" b="0">
+                <a:solidFill>
+                  <a:srgbClr val="333333"/>
+                </a:solidFill>
+                <a:effectLst/>
+                <a:latin typeface="D2Coding" panose="020B0609020101020101" pitchFamily="49" charset="-127"/>
+                <a:ea typeface="D2Coding" panose="020B0609020101020101" pitchFamily="49" charset="-127"/>
+              </a:rPr>
+            </a:br>
+            <a:r>
+              <a:rPr lang="en-US" altLang="ko-KR" sz="800" b="0">
+                <a:solidFill>
+                  <a:srgbClr val="333333"/>
+                </a:solidFill>
+                <a:effectLst/>
+                <a:latin typeface="D2Coding" panose="020B0609020101020101" pitchFamily="49" charset="-127"/>
+                <a:ea typeface="D2Coding" panose="020B0609020101020101" pitchFamily="49" charset="-127"/>
+              </a:rPr>
+              <a:t>  </a:t>
+            </a:r>
+            <a:r>
+              <a:rPr lang="en-US" altLang="ko-KR" sz="800" b="0">
+                <a:solidFill>
+                  <a:srgbClr val="7A3E9D"/>
+                </a:solidFill>
+                <a:effectLst/>
+                <a:latin typeface="D2Coding" panose="020B0609020101020101" pitchFamily="49" charset="-127"/>
+                <a:ea typeface="D2Coding" panose="020B0609020101020101" pitchFamily="49" charset="-127"/>
+              </a:rPr>
+              <a:t>console</a:t>
+            </a:r>
+            <a:r>
+              <a:rPr lang="en-US" altLang="ko-KR" sz="800" b="0">
+                <a:solidFill>
+                  <a:srgbClr val="777777"/>
+                </a:solidFill>
+                <a:effectLst/>
+                <a:latin typeface="D2Coding" panose="020B0609020101020101" pitchFamily="49" charset="-127"/>
+                <a:ea typeface="D2Coding" panose="020B0609020101020101" pitchFamily="49" charset="-127"/>
+              </a:rPr>
+              <a:t>.</a:t>
+            </a:r>
+            <a:r>
+              <a:rPr lang="en-US" altLang="ko-KR" sz="800" b="1">
+                <a:solidFill>
+                  <a:srgbClr val="AA3731"/>
+                </a:solidFill>
+                <a:effectLst/>
+                <a:latin typeface="D2Coding" panose="020B0609020101020101" pitchFamily="49" charset="-127"/>
+                <a:ea typeface="D2Coding" panose="020B0609020101020101" pitchFamily="49" charset="-127"/>
+              </a:rPr>
+              <a:t>log</a:t>
+            </a:r>
+            <a:r>
+              <a:rPr lang="en-US" altLang="ko-KR" sz="800" b="0">
+                <a:solidFill>
+                  <a:srgbClr val="333333"/>
+                </a:solidFill>
+                <a:effectLst/>
+                <a:latin typeface="D2Coding" panose="020B0609020101020101" pitchFamily="49" charset="-127"/>
+                <a:ea typeface="D2Coding" panose="020B0609020101020101" pitchFamily="49" charset="-127"/>
+              </a:rPr>
+              <a:t>(</a:t>
+            </a:r>
+            <a:r>
+              <a:rPr lang="en-US" altLang="ko-KR" sz="800" b="1">
+                <a:solidFill>
+                  <a:srgbClr val="7A3E9D"/>
+                </a:solidFill>
+                <a:effectLst/>
+                <a:latin typeface="D2Coding" panose="020B0609020101020101" pitchFamily="49" charset="-127"/>
+                <a:ea typeface="D2Coding" panose="020B0609020101020101" pitchFamily="49" charset="-127"/>
+              </a:rPr>
+              <a:t>util</a:t>
+            </a:r>
+            <a:r>
+              <a:rPr lang="en-US" altLang="ko-KR" sz="800" b="0">
+                <a:solidFill>
+                  <a:srgbClr val="777777"/>
+                </a:solidFill>
+                <a:effectLst/>
+                <a:latin typeface="D2Coding" panose="020B0609020101020101" pitchFamily="49" charset="-127"/>
+                <a:ea typeface="D2Coding" panose="020B0609020101020101" pitchFamily="49" charset="-127"/>
+              </a:rPr>
+              <a:t>.</a:t>
+            </a:r>
+            <a:r>
+              <a:rPr lang="en-US" altLang="ko-KR" sz="800" b="1">
+                <a:solidFill>
+                  <a:srgbClr val="AA3731"/>
+                </a:solidFill>
+                <a:effectLst/>
+                <a:latin typeface="D2Coding" panose="020B0609020101020101" pitchFamily="49" charset="-127"/>
+                <a:ea typeface="D2Coding" panose="020B0609020101020101" pitchFamily="49" charset="-127"/>
+              </a:rPr>
+              <a:t>inspect</a:t>
+            </a:r>
+            <a:r>
+              <a:rPr lang="en-US" altLang="ko-KR" sz="800" b="0">
+                <a:solidFill>
+                  <a:srgbClr val="333333"/>
+                </a:solidFill>
+                <a:effectLst/>
+                <a:latin typeface="D2Coding" panose="020B0609020101020101" pitchFamily="49" charset="-127"/>
+                <a:ea typeface="D2Coding" panose="020B0609020101020101" pitchFamily="49" charset="-127"/>
+              </a:rPr>
+              <a:t>(</a:t>
+            </a:r>
+            <a:r>
+              <a:rPr lang="ko-KR" altLang="en-US" sz="800" b="0">
+                <a:solidFill>
+                  <a:srgbClr val="7A3E9D"/>
+                </a:solidFill>
+                <a:effectLst/>
+                <a:latin typeface="D2Coding" panose="020B0609020101020101" pitchFamily="49" charset="-127"/>
+                <a:ea typeface="D2Coding" panose="020B0609020101020101" pitchFamily="49" charset="-127"/>
+              </a:rPr>
+              <a:t>포유류돌고래</a:t>
+            </a:r>
+            <a:r>
+              <a:rPr lang="en-US" altLang="ko-KR" sz="800" b="0">
+                <a:solidFill>
+                  <a:srgbClr val="777777"/>
+                </a:solidFill>
+                <a:effectLst/>
+                <a:latin typeface="D2Coding" panose="020B0609020101020101" pitchFamily="49" charset="-127"/>
+                <a:ea typeface="D2Coding" panose="020B0609020101020101" pitchFamily="49" charset="-127"/>
+              </a:rPr>
+              <a:t>,</a:t>
+            </a:r>
+            <a:r>
+              <a:rPr lang="ko-KR" altLang="en-US" sz="800" b="0">
+                <a:solidFill>
+                  <a:srgbClr val="333333"/>
+                </a:solidFill>
+                <a:effectLst/>
+                <a:latin typeface="D2Coding" panose="020B0609020101020101" pitchFamily="49" charset="-127"/>
+                <a:ea typeface="D2Coding" panose="020B0609020101020101" pitchFamily="49" charset="-127"/>
+              </a:rPr>
+              <a:t> </a:t>
+            </a:r>
+            <a:r>
+              <a:rPr lang="en-US" altLang="ko-KR" sz="800" b="0">
+                <a:solidFill>
+                  <a:srgbClr val="777777"/>
+                </a:solidFill>
+                <a:effectLst/>
+                <a:latin typeface="D2Coding" panose="020B0609020101020101" pitchFamily="49" charset="-127"/>
+                <a:ea typeface="D2Coding" panose="020B0609020101020101" pitchFamily="49" charset="-127"/>
+              </a:rPr>
+              <a:t>{</a:t>
+            </a:r>
+            <a:r>
+              <a:rPr lang="ko-KR" altLang="en-US" sz="800" b="0">
+                <a:solidFill>
+                  <a:srgbClr val="333333"/>
+                </a:solidFill>
+                <a:effectLst/>
+                <a:latin typeface="D2Coding" panose="020B0609020101020101" pitchFamily="49" charset="-127"/>
+                <a:ea typeface="D2Coding" panose="020B0609020101020101" pitchFamily="49" charset="-127"/>
+              </a:rPr>
+              <a:t> </a:t>
+            </a:r>
+            <a:r>
+              <a:rPr lang="en-US" altLang="ko-KR" sz="800" b="0">
+                <a:solidFill>
+                  <a:srgbClr val="7A3E9D"/>
+                </a:solidFill>
+                <a:effectLst/>
+                <a:latin typeface="D2Coding" panose="020B0609020101020101" pitchFamily="49" charset="-127"/>
+                <a:ea typeface="D2Coding" panose="020B0609020101020101" pitchFamily="49" charset="-127"/>
+              </a:rPr>
+              <a:t>compact</a:t>
+            </a:r>
+            <a:r>
+              <a:rPr lang="en-US" altLang="ko-KR" sz="800" b="0">
+                <a:solidFill>
+                  <a:srgbClr val="777777"/>
+                </a:solidFill>
+                <a:effectLst/>
+                <a:latin typeface="D2Coding" panose="020B0609020101020101" pitchFamily="49" charset="-127"/>
+                <a:ea typeface="D2Coding" panose="020B0609020101020101" pitchFamily="49" charset="-127"/>
+              </a:rPr>
+              <a:t>:</a:t>
+            </a:r>
+            <a:r>
+              <a:rPr lang="en-US" altLang="ko-KR" sz="800" b="0">
+                <a:solidFill>
+                  <a:srgbClr val="333333"/>
+                </a:solidFill>
+                <a:effectLst/>
+                <a:latin typeface="D2Coding" panose="020B0609020101020101" pitchFamily="49" charset="-127"/>
+                <a:ea typeface="D2Coding" panose="020B0609020101020101" pitchFamily="49" charset="-127"/>
+              </a:rPr>
+              <a:t> </a:t>
+            </a:r>
+            <a:r>
+              <a:rPr lang="en-US" altLang="ko-KR" sz="800" b="0">
+                <a:solidFill>
+                  <a:srgbClr val="9C5D27"/>
+                </a:solidFill>
+                <a:effectLst/>
+                <a:latin typeface="D2Coding" panose="020B0609020101020101" pitchFamily="49" charset="-127"/>
+                <a:ea typeface="D2Coding" panose="020B0609020101020101" pitchFamily="49" charset="-127"/>
+              </a:rPr>
+              <a:t>false</a:t>
+            </a:r>
+            <a:r>
+              <a:rPr lang="en-US" altLang="ko-KR" sz="800" b="0">
+                <a:solidFill>
+                  <a:srgbClr val="777777"/>
+                </a:solidFill>
+                <a:effectLst/>
+                <a:latin typeface="D2Coding" panose="020B0609020101020101" pitchFamily="49" charset="-127"/>
+                <a:ea typeface="D2Coding" panose="020B0609020101020101" pitchFamily="49" charset="-127"/>
+              </a:rPr>
+              <a:t>,</a:t>
+            </a:r>
+            <a:r>
+              <a:rPr lang="en-US" altLang="ko-KR" sz="800" b="0">
+                <a:solidFill>
+                  <a:srgbClr val="333333"/>
+                </a:solidFill>
+                <a:effectLst/>
+                <a:latin typeface="D2Coding" panose="020B0609020101020101" pitchFamily="49" charset="-127"/>
+                <a:ea typeface="D2Coding" panose="020B0609020101020101" pitchFamily="49" charset="-127"/>
+              </a:rPr>
+              <a:t> </a:t>
+            </a:r>
+            <a:r>
+              <a:rPr lang="en-US" altLang="ko-KR" sz="800" b="0">
+                <a:solidFill>
+                  <a:srgbClr val="7A3E9D"/>
+                </a:solidFill>
+                <a:effectLst/>
+                <a:latin typeface="D2Coding" panose="020B0609020101020101" pitchFamily="49" charset="-127"/>
+                <a:ea typeface="D2Coding" panose="020B0609020101020101" pitchFamily="49" charset="-127"/>
+              </a:rPr>
+              <a:t>depth</a:t>
+            </a:r>
+            <a:r>
+              <a:rPr lang="en-US" altLang="ko-KR" sz="800" b="0">
+                <a:solidFill>
+                  <a:srgbClr val="777777"/>
+                </a:solidFill>
+                <a:effectLst/>
+                <a:latin typeface="D2Coding" panose="020B0609020101020101" pitchFamily="49" charset="-127"/>
+                <a:ea typeface="D2Coding" panose="020B0609020101020101" pitchFamily="49" charset="-127"/>
+              </a:rPr>
+              <a:t>:</a:t>
+            </a:r>
+            <a:r>
+              <a:rPr lang="en-US" altLang="ko-KR" sz="800" b="0">
+                <a:solidFill>
+                  <a:srgbClr val="333333"/>
+                </a:solidFill>
+                <a:effectLst/>
+                <a:latin typeface="D2Coding" panose="020B0609020101020101" pitchFamily="49" charset="-127"/>
+                <a:ea typeface="D2Coding" panose="020B0609020101020101" pitchFamily="49" charset="-127"/>
+              </a:rPr>
+              <a:t> </a:t>
+            </a:r>
+            <a:r>
+              <a:rPr lang="en-US" altLang="ko-KR" sz="800" b="0">
+                <a:solidFill>
+                  <a:srgbClr val="9C5D27"/>
+                </a:solidFill>
+                <a:effectLst/>
+                <a:latin typeface="D2Coding" panose="020B0609020101020101" pitchFamily="49" charset="-127"/>
+                <a:ea typeface="D2Coding" panose="020B0609020101020101" pitchFamily="49" charset="-127"/>
+              </a:rPr>
+              <a:t>5</a:t>
+            </a:r>
+            <a:r>
+              <a:rPr lang="en-US" altLang="ko-KR" sz="800" b="0">
+                <a:solidFill>
+                  <a:srgbClr val="333333"/>
+                </a:solidFill>
+                <a:effectLst/>
+                <a:latin typeface="D2Coding" panose="020B0609020101020101" pitchFamily="49" charset="-127"/>
+                <a:ea typeface="D2Coding" panose="020B0609020101020101" pitchFamily="49" charset="-127"/>
+              </a:rPr>
+              <a:t> </a:t>
+            </a:r>
+            <a:r>
+              <a:rPr lang="en-US" altLang="ko-KR" sz="800" b="0">
+                <a:solidFill>
+                  <a:srgbClr val="777777"/>
+                </a:solidFill>
+                <a:effectLst/>
+                <a:latin typeface="D2Coding" panose="020B0609020101020101" pitchFamily="49" charset="-127"/>
+                <a:ea typeface="D2Coding" panose="020B0609020101020101" pitchFamily="49" charset="-127"/>
+              </a:rPr>
+              <a:t>}</a:t>
+            </a:r>
+            <a:r>
+              <a:rPr lang="en-US" altLang="ko-KR" sz="800" b="0">
+                <a:solidFill>
+                  <a:srgbClr val="333333"/>
+                </a:solidFill>
+                <a:effectLst/>
+                <a:latin typeface="D2Coding" panose="020B0609020101020101" pitchFamily="49" charset="-127"/>
+                <a:ea typeface="D2Coding" panose="020B0609020101020101" pitchFamily="49" charset="-127"/>
+              </a:rPr>
+              <a:t>))</a:t>
+            </a:r>
+            <a:r>
+              <a:rPr lang="en-US" altLang="ko-KR" sz="800" b="0">
+                <a:solidFill>
+                  <a:srgbClr val="777777"/>
+                </a:solidFill>
+                <a:effectLst/>
+                <a:latin typeface="D2Coding" panose="020B0609020101020101" pitchFamily="49" charset="-127"/>
+                <a:ea typeface="D2Coding" panose="020B0609020101020101" pitchFamily="49" charset="-127"/>
+              </a:rPr>
+              <a:t>;</a:t>
+            </a:r>
+            <a:endParaRPr lang="en-US" altLang="ko-KR" sz="800" b="0">
+              <a:solidFill>
+                <a:srgbClr val="333333"/>
+              </a:solidFill>
+              <a:effectLst/>
+              <a:latin typeface="D2Coding" panose="020B0609020101020101" pitchFamily="49" charset="-127"/>
+              <a:ea typeface="D2Coding" panose="020B0609020101020101" pitchFamily="49" charset="-127"/>
+            </a:endParaRPr>
+          </a:p>
+          <a:p>
+            <a:r>
+              <a:rPr lang="en-US" altLang="ko-KR" sz="800" b="0">
+                <a:solidFill>
+                  <a:srgbClr val="333333"/>
+                </a:solidFill>
+                <a:effectLst/>
+                <a:latin typeface="D2Coding" panose="020B0609020101020101" pitchFamily="49" charset="-127"/>
+                <a:ea typeface="D2Coding" panose="020B0609020101020101" pitchFamily="49" charset="-127"/>
+              </a:rPr>
+              <a:t>  </a:t>
+            </a:r>
+            <a:r>
+              <a:rPr lang="en-US" altLang="ko-KR" sz="800" b="0" i="1">
+                <a:solidFill>
+                  <a:srgbClr val="448C27"/>
+                </a:solidFill>
+                <a:effectLst/>
+                <a:latin typeface="D2Coding" panose="020B0609020101020101" pitchFamily="49" charset="-127"/>
+                <a:ea typeface="D2Coding" panose="020B0609020101020101" pitchFamily="49" charset="-127"/>
+              </a:rPr>
+              <a:t>/**   </a:t>
+            </a:r>
+            <a:endParaRPr lang="en-US" altLang="ko-KR" sz="800" b="0">
+              <a:solidFill>
+                <a:srgbClr val="333333"/>
+              </a:solidFill>
+              <a:effectLst/>
+              <a:latin typeface="D2Coding" panose="020B0609020101020101" pitchFamily="49" charset="-127"/>
+              <a:ea typeface="D2Coding" panose="020B0609020101020101" pitchFamily="49" charset="-127"/>
+            </a:endParaRPr>
+          </a:p>
+          <a:p>
+            <a:r>
+              <a:rPr lang="en-US" altLang="ko-KR" sz="800" b="0" i="1">
+                <a:solidFill>
+                  <a:srgbClr val="448C27"/>
+                </a:solidFill>
+                <a:effectLst/>
+                <a:latin typeface="D2Coding" panose="020B0609020101020101" pitchFamily="49" charset="-127"/>
+                <a:ea typeface="D2Coding" panose="020B0609020101020101" pitchFamily="49" charset="-127"/>
+              </a:rPr>
+              <a:t>        </a:t>
+            </a:r>
+            <a:r>
+              <a:rPr lang="ko-KR" altLang="en-US" sz="800" b="0" i="1">
+                <a:solidFill>
+                  <a:srgbClr val="448C27"/>
+                </a:solidFill>
+                <a:effectLst/>
+                <a:latin typeface="D2Coding" panose="020B0609020101020101" pitchFamily="49" charset="-127"/>
+                <a:ea typeface="D2Coding" panose="020B0609020101020101" pitchFamily="49" charset="-127"/>
+              </a:rPr>
+              <a:t>돌고래 </a:t>
+            </a:r>
+            <a:r>
+              <a:rPr lang="en-US" altLang="ko-KR" sz="800" b="0" i="1">
+                <a:solidFill>
+                  <a:srgbClr val="448C27"/>
+                </a:solidFill>
+                <a:effectLst/>
+                <a:latin typeface="D2Coding" panose="020B0609020101020101" pitchFamily="49" charset="-127"/>
+                <a:ea typeface="D2Coding" panose="020B0609020101020101" pitchFamily="49" charset="-127"/>
+              </a:rPr>
+              <a:t>{</a:t>
+            </a:r>
+            <a:endParaRPr lang="ko-KR" altLang="en-US" sz="800" b="0">
+              <a:solidFill>
+                <a:srgbClr val="333333"/>
+              </a:solidFill>
+              <a:effectLst/>
+              <a:latin typeface="D2Coding" panose="020B0609020101020101" pitchFamily="49" charset="-127"/>
+              <a:ea typeface="D2Coding" panose="020B0609020101020101" pitchFamily="49" charset="-127"/>
+            </a:endParaRPr>
+          </a:p>
+          <a:p>
+            <a:r>
+              <a:rPr lang="ko-KR" altLang="en-US" sz="800" b="0" i="1">
+                <a:solidFill>
+                  <a:srgbClr val="448C27"/>
+                </a:solidFill>
+                <a:effectLst/>
+                <a:latin typeface="D2Coding" panose="020B0609020101020101" pitchFamily="49" charset="-127"/>
+                <a:ea typeface="D2Coding" panose="020B0609020101020101" pitchFamily="49" charset="-127"/>
+              </a:rPr>
+              <a:t>        </a:t>
+            </a:r>
+            <a:r>
+              <a:rPr lang="en-US" altLang="ko-KR" sz="800" b="0" i="1">
+                <a:solidFill>
+                  <a:srgbClr val="448C27"/>
+                </a:solidFill>
+                <a:effectLst/>
+                <a:latin typeface="D2Coding" panose="020B0609020101020101" pitchFamily="49" charset="-127"/>
+                <a:ea typeface="D2Coding" panose="020B0609020101020101" pitchFamily="49" charset="-127"/>
+              </a:rPr>
+              <a:t>_classificationDelegate: </a:t>
+            </a:r>
+            <a:r>
+              <a:rPr lang="ko-KR" altLang="en-US" sz="800" b="0" i="1">
+                <a:solidFill>
+                  <a:srgbClr val="448C27"/>
+                </a:solidFill>
+                <a:effectLst/>
+                <a:latin typeface="D2Coding" panose="020B0609020101020101" pitchFamily="49" charset="-127"/>
+                <a:ea typeface="D2Coding" panose="020B0609020101020101" pitchFamily="49" charset="-127"/>
+              </a:rPr>
+              <a:t>포유류델리게이트 </a:t>
+            </a:r>
+            <a:r>
+              <a:rPr lang="en-US" altLang="ko-KR" sz="800" b="0" i="1">
+                <a:solidFill>
+                  <a:srgbClr val="448C27"/>
+                </a:solidFill>
+                <a:effectLst/>
+                <a:latin typeface="D2Coding" panose="020B0609020101020101" pitchFamily="49" charset="-127"/>
+                <a:ea typeface="D2Coding" panose="020B0609020101020101" pitchFamily="49" charset="-127"/>
+              </a:rPr>
+              <a:t>{</a:t>
+            </a:r>
+            <a:endParaRPr lang="ko-KR" altLang="en-US" sz="800" b="0">
+              <a:solidFill>
+                <a:srgbClr val="333333"/>
+              </a:solidFill>
+              <a:effectLst/>
+              <a:latin typeface="D2Coding" panose="020B0609020101020101" pitchFamily="49" charset="-127"/>
+              <a:ea typeface="D2Coding" panose="020B0609020101020101" pitchFamily="49" charset="-127"/>
+            </a:endParaRPr>
+          </a:p>
+          <a:p>
+            <a:r>
+              <a:rPr lang="ko-KR" altLang="en-US" sz="800" b="0" i="1">
+                <a:solidFill>
+                  <a:srgbClr val="448C27"/>
+                </a:solidFill>
+                <a:effectLst/>
+                <a:latin typeface="D2Coding" panose="020B0609020101020101" pitchFamily="49" charset="-127"/>
+                <a:ea typeface="D2Coding" panose="020B0609020101020101" pitchFamily="49" charset="-127"/>
+              </a:rPr>
+              <a:t>          </a:t>
+            </a:r>
+            <a:r>
+              <a:rPr lang="en-US" altLang="ko-KR" sz="800" b="0" i="1">
+                <a:solidFill>
+                  <a:srgbClr val="448C27"/>
+                </a:solidFill>
+                <a:effectLst/>
+                <a:latin typeface="D2Coding" panose="020B0609020101020101" pitchFamily="49" charset="-127"/>
+                <a:ea typeface="D2Coding" panose="020B0609020101020101" pitchFamily="49" charset="-127"/>
+              </a:rPr>
+              <a:t>_isBone: true,</a:t>
+            </a:r>
+            <a:endParaRPr lang="en-US" altLang="ko-KR" sz="800" b="0">
+              <a:solidFill>
+                <a:srgbClr val="333333"/>
+              </a:solidFill>
+              <a:effectLst/>
+              <a:latin typeface="D2Coding" panose="020B0609020101020101" pitchFamily="49" charset="-127"/>
+              <a:ea typeface="D2Coding" panose="020B0609020101020101" pitchFamily="49" charset="-127"/>
+            </a:endParaRPr>
+          </a:p>
+          <a:p>
+            <a:r>
+              <a:rPr lang="en-US" altLang="ko-KR" sz="800" b="0" i="1">
+                <a:solidFill>
+                  <a:srgbClr val="448C27"/>
+                </a:solidFill>
+                <a:effectLst/>
+                <a:latin typeface="D2Coding" panose="020B0609020101020101" pitchFamily="49" charset="-127"/>
+                <a:ea typeface="D2Coding" panose="020B0609020101020101" pitchFamily="49" charset="-127"/>
+              </a:rPr>
+              <a:t>          _isHair: true</a:t>
+            </a:r>
+            <a:endParaRPr lang="en-US" altLang="ko-KR" sz="800" b="0">
+              <a:solidFill>
+                <a:srgbClr val="333333"/>
+              </a:solidFill>
+              <a:effectLst/>
+              <a:latin typeface="D2Coding" panose="020B0609020101020101" pitchFamily="49" charset="-127"/>
+              <a:ea typeface="D2Coding" panose="020B0609020101020101" pitchFamily="49" charset="-127"/>
+            </a:endParaRPr>
+          </a:p>
+          <a:p>
+            <a:r>
+              <a:rPr lang="en-US" altLang="ko-KR" sz="800" b="0" i="1">
+                <a:solidFill>
+                  <a:srgbClr val="448C27"/>
+                </a:solidFill>
+                <a:effectLst/>
+                <a:latin typeface="D2Coding" panose="020B0609020101020101" pitchFamily="49" charset="-127"/>
+                <a:ea typeface="D2Coding" panose="020B0609020101020101" pitchFamily="49" charset="-127"/>
+              </a:rPr>
+              <a:t>        }</a:t>
+            </a:r>
+            <a:endParaRPr lang="en-US" altLang="ko-KR" sz="800" b="0">
+              <a:solidFill>
+                <a:srgbClr val="333333"/>
+              </a:solidFill>
+              <a:effectLst/>
+              <a:latin typeface="D2Coding" panose="020B0609020101020101" pitchFamily="49" charset="-127"/>
+              <a:ea typeface="D2Coding" panose="020B0609020101020101" pitchFamily="49" charset="-127"/>
+            </a:endParaRPr>
+          </a:p>
+          <a:p>
+            <a:r>
+              <a:rPr lang="en-US" altLang="ko-KR" sz="800" b="0" i="1">
+                <a:solidFill>
+                  <a:srgbClr val="448C27"/>
+                </a:solidFill>
+                <a:effectLst/>
+                <a:latin typeface="D2Coding" panose="020B0609020101020101" pitchFamily="49" charset="-127"/>
+                <a:ea typeface="D2Coding" panose="020B0609020101020101" pitchFamily="49" charset="-127"/>
+              </a:rPr>
+              <a:t>      }</a:t>
+            </a:r>
+            <a:endParaRPr lang="en-US" altLang="ko-KR" sz="800" b="0">
+              <a:solidFill>
+                <a:srgbClr val="333333"/>
+              </a:solidFill>
+              <a:effectLst/>
+              <a:latin typeface="D2Coding" panose="020B0609020101020101" pitchFamily="49" charset="-127"/>
+              <a:ea typeface="D2Coding" panose="020B0609020101020101" pitchFamily="49" charset="-127"/>
+            </a:endParaRPr>
+          </a:p>
+          <a:p>
+            <a:r>
+              <a:rPr lang="en-US" altLang="ko-KR" sz="800" b="0" i="1">
+                <a:solidFill>
+                  <a:srgbClr val="448C27"/>
+                </a:solidFill>
+                <a:effectLst/>
+                <a:latin typeface="D2Coding" panose="020B0609020101020101" pitchFamily="49" charset="-127"/>
+                <a:ea typeface="D2Coding" panose="020B0609020101020101" pitchFamily="49" charset="-127"/>
+              </a:rPr>
+              <a:t>   */</a:t>
+            </a:r>
+            <a:endParaRPr lang="en-US" altLang="ko-KR" sz="800" b="0">
+              <a:solidFill>
+                <a:srgbClr val="333333"/>
+              </a:solidFill>
+              <a:effectLst/>
+              <a:latin typeface="D2Coding" panose="020B0609020101020101" pitchFamily="49" charset="-127"/>
+              <a:ea typeface="D2Coding" panose="020B0609020101020101" pitchFamily="49" charset="-127"/>
+            </a:endParaRPr>
+          </a:p>
+          <a:p>
+            <a:r>
+              <a:rPr lang="en-US" altLang="ko-KR" sz="800" b="0">
+                <a:solidFill>
+                  <a:srgbClr val="333333"/>
+                </a:solidFill>
+                <a:effectLst/>
+                <a:latin typeface="D2Coding" panose="020B0609020101020101" pitchFamily="49" charset="-127"/>
+                <a:ea typeface="D2Coding" panose="020B0609020101020101" pitchFamily="49" charset="-127"/>
+              </a:rPr>
+              <a:t>  </a:t>
+            </a:r>
+            <a:r>
+              <a:rPr lang="ko-KR" altLang="en-US" sz="800" b="0">
+                <a:solidFill>
+                  <a:srgbClr val="7A3E9D"/>
+                </a:solidFill>
+                <a:effectLst/>
+                <a:latin typeface="D2Coding" panose="020B0609020101020101" pitchFamily="49" charset="-127"/>
+                <a:ea typeface="D2Coding" panose="020B0609020101020101" pitchFamily="49" charset="-127"/>
+              </a:rPr>
+              <a:t>포유류돌고래</a:t>
+            </a:r>
+            <a:r>
+              <a:rPr lang="en-US" altLang="ko-KR" sz="800" b="0">
+                <a:solidFill>
+                  <a:srgbClr val="777777"/>
+                </a:solidFill>
+                <a:effectLst/>
+                <a:latin typeface="D2Coding" panose="020B0609020101020101" pitchFamily="49" charset="-127"/>
+                <a:ea typeface="D2Coding" panose="020B0609020101020101" pitchFamily="49" charset="-127"/>
+              </a:rPr>
+              <a:t>.</a:t>
+            </a:r>
+            <a:r>
+              <a:rPr lang="en-US" altLang="ko-KR" sz="800" b="0">
+                <a:solidFill>
+                  <a:srgbClr val="7A3E9D"/>
+                </a:solidFill>
+                <a:effectLst/>
+                <a:latin typeface="D2Coding" panose="020B0609020101020101" pitchFamily="49" charset="-127"/>
+                <a:ea typeface="D2Coding" panose="020B0609020101020101" pitchFamily="49" charset="-127"/>
+              </a:rPr>
+              <a:t>_classificationDelegate</a:t>
+            </a:r>
+            <a:r>
+              <a:rPr lang="en-US" altLang="ko-KR" sz="800" b="0">
+                <a:solidFill>
+                  <a:srgbClr val="777777"/>
+                </a:solidFill>
+                <a:effectLst/>
+                <a:latin typeface="D2Coding" panose="020B0609020101020101" pitchFamily="49" charset="-127"/>
+                <a:ea typeface="D2Coding" panose="020B0609020101020101" pitchFamily="49" charset="-127"/>
+              </a:rPr>
+              <a:t>.</a:t>
+            </a:r>
+            <a:r>
+              <a:rPr lang="en-US" altLang="ko-KR" sz="800" b="1">
+                <a:solidFill>
+                  <a:srgbClr val="AA3731"/>
+                </a:solidFill>
+                <a:effectLst/>
+                <a:latin typeface="D2Coding" panose="020B0609020101020101" pitchFamily="49" charset="-127"/>
+                <a:ea typeface="D2Coding" panose="020B0609020101020101" pitchFamily="49" charset="-127"/>
+              </a:rPr>
+              <a:t>beAmusmentPark</a:t>
+            </a:r>
+            <a:r>
+              <a:rPr lang="en-US" altLang="ko-KR" sz="800" b="0">
+                <a:solidFill>
+                  <a:srgbClr val="333333"/>
+                </a:solidFill>
+                <a:effectLst/>
+                <a:latin typeface="D2Coding" panose="020B0609020101020101" pitchFamily="49" charset="-127"/>
+                <a:ea typeface="D2Coding" panose="020B0609020101020101" pitchFamily="49" charset="-127"/>
+              </a:rPr>
+              <a:t>(</a:t>
+            </a:r>
+            <a:r>
+              <a:rPr lang="ko-KR" altLang="en-US" sz="800" b="0">
+                <a:solidFill>
+                  <a:srgbClr val="7A3E9D"/>
+                </a:solidFill>
+                <a:effectLst/>
+                <a:latin typeface="D2Coding" panose="020B0609020101020101" pitchFamily="49" charset="-127"/>
+                <a:ea typeface="D2Coding" panose="020B0609020101020101" pitchFamily="49" charset="-127"/>
+              </a:rPr>
+              <a:t>포유류돌고래</a:t>
+            </a:r>
+            <a:r>
+              <a:rPr lang="en-US" altLang="ko-KR" sz="800" b="0">
+                <a:solidFill>
+                  <a:srgbClr val="333333"/>
+                </a:solidFill>
+                <a:effectLst/>
+                <a:latin typeface="D2Coding" panose="020B0609020101020101" pitchFamily="49" charset="-127"/>
+                <a:ea typeface="D2Coding" panose="020B0609020101020101" pitchFamily="49" charset="-127"/>
+              </a:rPr>
+              <a:t>)</a:t>
+            </a:r>
+            <a:r>
+              <a:rPr lang="en-US" altLang="ko-KR" sz="800" b="0">
+                <a:solidFill>
+                  <a:srgbClr val="777777"/>
+                </a:solidFill>
+                <a:effectLst/>
+                <a:latin typeface="D2Coding" panose="020B0609020101020101" pitchFamily="49" charset="-127"/>
+                <a:ea typeface="D2Coding" panose="020B0609020101020101" pitchFamily="49" charset="-127"/>
+              </a:rPr>
+              <a:t>;</a:t>
+            </a:r>
+            <a:endParaRPr lang="ko-KR" altLang="en-US" sz="800" b="0">
+              <a:solidFill>
+                <a:srgbClr val="333333"/>
+              </a:solidFill>
+              <a:effectLst/>
+              <a:latin typeface="D2Coding" panose="020B0609020101020101" pitchFamily="49" charset="-127"/>
+              <a:ea typeface="D2Coding" panose="020B0609020101020101" pitchFamily="49" charset="-127"/>
+            </a:endParaRPr>
+          </a:p>
+          <a:p>
+            <a:r>
+              <a:rPr lang="ko-KR" altLang="en-US" sz="800" b="0">
+                <a:solidFill>
+                  <a:srgbClr val="333333"/>
+                </a:solidFill>
+                <a:effectLst/>
+                <a:latin typeface="D2Coding" panose="020B0609020101020101" pitchFamily="49" charset="-127"/>
+                <a:ea typeface="D2Coding" panose="020B0609020101020101" pitchFamily="49" charset="-127"/>
+              </a:rPr>
+              <a:t>  </a:t>
+            </a:r>
+            <a:r>
+              <a:rPr lang="en-US" altLang="ko-KR" sz="800" b="0">
+                <a:solidFill>
+                  <a:srgbClr val="7A3E9D"/>
+                </a:solidFill>
+                <a:effectLst/>
+                <a:latin typeface="D2Coding" panose="020B0609020101020101" pitchFamily="49" charset="-127"/>
+                <a:ea typeface="D2Coding" panose="020B0609020101020101" pitchFamily="49" charset="-127"/>
+              </a:rPr>
+              <a:t>console</a:t>
+            </a:r>
+            <a:r>
+              <a:rPr lang="en-US" altLang="ko-KR" sz="800" b="0">
+                <a:solidFill>
+                  <a:srgbClr val="777777"/>
+                </a:solidFill>
+                <a:effectLst/>
+                <a:latin typeface="D2Coding" panose="020B0609020101020101" pitchFamily="49" charset="-127"/>
+                <a:ea typeface="D2Coding" panose="020B0609020101020101" pitchFamily="49" charset="-127"/>
+              </a:rPr>
+              <a:t>.</a:t>
+            </a:r>
+            <a:r>
+              <a:rPr lang="en-US" altLang="ko-KR" sz="800" b="1">
+                <a:solidFill>
+                  <a:srgbClr val="AA3731"/>
+                </a:solidFill>
+                <a:effectLst/>
+                <a:latin typeface="D2Coding" panose="020B0609020101020101" pitchFamily="49" charset="-127"/>
+                <a:ea typeface="D2Coding" panose="020B0609020101020101" pitchFamily="49" charset="-127"/>
+              </a:rPr>
+              <a:t>log</a:t>
+            </a:r>
+            <a:r>
+              <a:rPr lang="en-US" altLang="ko-KR" sz="800" b="0">
+                <a:solidFill>
+                  <a:srgbClr val="333333"/>
+                </a:solidFill>
+                <a:effectLst/>
+                <a:latin typeface="D2Coding" panose="020B0609020101020101" pitchFamily="49" charset="-127"/>
+                <a:ea typeface="D2Coding" panose="020B0609020101020101" pitchFamily="49" charset="-127"/>
+              </a:rPr>
+              <a:t>(</a:t>
+            </a:r>
+            <a:r>
+              <a:rPr lang="en-US" altLang="ko-KR" sz="800" b="1">
+                <a:solidFill>
+                  <a:srgbClr val="7A3E9D"/>
+                </a:solidFill>
+                <a:effectLst/>
+                <a:latin typeface="D2Coding" panose="020B0609020101020101" pitchFamily="49" charset="-127"/>
+                <a:ea typeface="D2Coding" panose="020B0609020101020101" pitchFamily="49" charset="-127"/>
+              </a:rPr>
+              <a:t>util</a:t>
+            </a:r>
+            <a:r>
+              <a:rPr lang="en-US" altLang="ko-KR" sz="800" b="0">
+                <a:solidFill>
+                  <a:srgbClr val="777777"/>
+                </a:solidFill>
+                <a:effectLst/>
+                <a:latin typeface="D2Coding" panose="020B0609020101020101" pitchFamily="49" charset="-127"/>
+                <a:ea typeface="D2Coding" panose="020B0609020101020101" pitchFamily="49" charset="-127"/>
+              </a:rPr>
+              <a:t>.</a:t>
+            </a:r>
+            <a:r>
+              <a:rPr lang="en-US" altLang="ko-KR" sz="800" b="1">
+                <a:solidFill>
+                  <a:srgbClr val="AA3731"/>
+                </a:solidFill>
+                <a:effectLst/>
+                <a:latin typeface="D2Coding" panose="020B0609020101020101" pitchFamily="49" charset="-127"/>
+                <a:ea typeface="D2Coding" panose="020B0609020101020101" pitchFamily="49" charset="-127"/>
+              </a:rPr>
+              <a:t>inspect</a:t>
+            </a:r>
+            <a:r>
+              <a:rPr lang="en-US" altLang="ko-KR" sz="800" b="0">
+                <a:solidFill>
+                  <a:srgbClr val="333333"/>
+                </a:solidFill>
+                <a:effectLst/>
+                <a:latin typeface="D2Coding" panose="020B0609020101020101" pitchFamily="49" charset="-127"/>
+                <a:ea typeface="D2Coding" panose="020B0609020101020101" pitchFamily="49" charset="-127"/>
+              </a:rPr>
+              <a:t>(</a:t>
+            </a:r>
+            <a:r>
+              <a:rPr lang="ko-KR" altLang="en-US" sz="800" b="0">
+                <a:solidFill>
+                  <a:srgbClr val="7A3E9D"/>
+                </a:solidFill>
+                <a:effectLst/>
+                <a:latin typeface="D2Coding" panose="020B0609020101020101" pitchFamily="49" charset="-127"/>
+                <a:ea typeface="D2Coding" panose="020B0609020101020101" pitchFamily="49" charset="-127"/>
+              </a:rPr>
+              <a:t>포유류돌고래</a:t>
+            </a:r>
+            <a:r>
+              <a:rPr lang="en-US" altLang="ko-KR" sz="800" b="0">
+                <a:solidFill>
+                  <a:srgbClr val="777777"/>
+                </a:solidFill>
+                <a:effectLst/>
+                <a:latin typeface="D2Coding" panose="020B0609020101020101" pitchFamily="49" charset="-127"/>
+                <a:ea typeface="D2Coding" panose="020B0609020101020101" pitchFamily="49" charset="-127"/>
+              </a:rPr>
+              <a:t>,</a:t>
+            </a:r>
+            <a:r>
+              <a:rPr lang="ko-KR" altLang="en-US" sz="800" b="0">
+                <a:solidFill>
+                  <a:srgbClr val="333333"/>
+                </a:solidFill>
+                <a:effectLst/>
+                <a:latin typeface="D2Coding" panose="020B0609020101020101" pitchFamily="49" charset="-127"/>
+                <a:ea typeface="D2Coding" panose="020B0609020101020101" pitchFamily="49" charset="-127"/>
+              </a:rPr>
+              <a:t> </a:t>
+            </a:r>
+            <a:r>
+              <a:rPr lang="en-US" altLang="ko-KR" sz="800" b="0">
+                <a:solidFill>
+                  <a:srgbClr val="777777"/>
+                </a:solidFill>
+                <a:effectLst/>
+                <a:latin typeface="D2Coding" panose="020B0609020101020101" pitchFamily="49" charset="-127"/>
+                <a:ea typeface="D2Coding" panose="020B0609020101020101" pitchFamily="49" charset="-127"/>
+              </a:rPr>
+              <a:t>{</a:t>
+            </a:r>
+            <a:r>
+              <a:rPr lang="ko-KR" altLang="en-US" sz="800" b="0">
+                <a:solidFill>
+                  <a:srgbClr val="333333"/>
+                </a:solidFill>
+                <a:effectLst/>
+                <a:latin typeface="D2Coding" panose="020B0609020101020101" pitchFamily="49" charset="-127"/>
+                <a:ea typeface="D2Coding" panose="020B0609020101020101" pitchFamily="49" charset="-127"/>
+              </a:rPr>
+              <a:t> </a:t>
+            </a:r>
+            <a:r>
+              <a:rPr lang="en-US" altLang="ko-KR" sz="800" b="0">
+                <a:solidFill>
+                  <a:srgbClr val="7A3E9D"/>
+                </a:solidFill>
+                <a:effectLst/>
+                <a:latin typeface="D2Coding" panose="020B0609020101020101" pitchFamily="49" charset="-127"/>
+                <a:ea typeface="D2Coding" panose="020B0609020101020101" pitchFamily="49" charset="-127"/>
+              </a:rPr>
+              <a:t>compact</a:t>
+            </a:r>
+            <a:r>
+              <a:rPr lang="en-US" altLang="ko-KR" sz="800" b="0">
+                <a:solidFill>
+                  <a:srgbClr val="777777"/>
+                </a:solidFill>
+                <a:effectLst/>
+                <a:latin typeface="D2Coding" panose="020B0609020101020101" pitchFamily="49" charset="-127"/>
+                <a:ea typeface="D2Coding" panose="020B0609020101020101" pitchFamily="49" charset="-127"/>
+              </a:rPr>
+              <a:t>:</a:t>
+            </a:r>
+            <a:r>
+              <a:rPr lang="en-US" altLang="ko-KR" sz="800" b="0">
+                <a:solidFill>
+                  <a:srgbClr val="333333"/>
+                </a:solidFill>
+                <a:effectLst/>
+                <a:latin typeface="D2Coding" panose="020B0609020101020101" pitchFamily="49" charset="-127"/>
+                <a:ea typeface="D2Coding" panose="020B0609020101020101" pitchFamily="49" charset="-127"/>
+              </a:rPr>
+              <a:t> </a:t>
+            </a:r>
+            <a:r>
+              <a:rPr lang="en-US" altLang="ko-KR" sz="800" b="0">
+                <a:solidFill>
+                  <a:srgbClr val="9C5D27"/>
+                </a:solidFill>
+                <a:effectLst/>
+                <a:latin typeface="D2Coding" panose="020B0609020101020101" pitchFamily="49" charset="-127"/>
+                <a:ea typeface="D2Coding" panose="020B0609020101020101" pitchFamily="49" charset="-127"/>
+              </a:rPr>
+              <a:t>false</a:t>
+            </a:r>
+            <a:r>
+              <a:rPr lang="en-US" altLang="ko-KR" sz="800" b="0">
+                <a:solidFill>
+                  <a:srgbClr val="777777"/>
+                </a:solidFill>
+                <a:effectLst/>
+                <a:latin typeface="D2Coding" panose="020B0609020101020101" pitchFamily="49" charset="-127"/>
+                <a:ea typeface="D2Coding" panose="020B0609020101020101" pitchFamily="49" charset="-127"/>
+              </a:rPr>
+              <a:t>,</a:t>
+            </a:r>
+            <a:r>
+              <a:rPr lang="en-US" altLang="ko-KR" sz="800" b="0">
+                <a:solidFill>
+                  <a:srgbClr val="333333"/>
+                </a:solidFill>
+                <a:effectLst/>
+                <a:latin typeface="D2Coding" panose="020B0609020101020101" pitchFamily="49" charset="-127"/>
+                <a:ea typeface="D2Coding" panose="020B0609020101020101" pitchFamily="49" charset="-127"/>
+              </a:rPr>
+              <a:t> </a:t>
+            </a:r>
+            <a:r>
+              <a:rPr lang="en-US" altLang="ko-KR" sz="800" b="0">
+                <a:solidFill>
+                  <a:srgbClr val="7A3E9D"/>
+                </a:solidFill>
+                <a:effectLst/>
+                <a:latin typeface="D2Coding" panose="020B0609020101020101" pitchFamily="49" charset="-127"/>
+                <a:ea typeface="D2Coding" panose="020B0609020101020101" pitchFamily="49" charset="-127"/>
+              </a:rPr>
+              <a:t>depth</a:t>
+            </a:r>
+            <a:r>
+              <a:rPr lang="en-US" altLang="ko-KR" sz="800" b="0">
+                <a:solidFill>
+                  <a:srgbClr val="777777"/>
+                </a:solidFill>
+                <a:effectLst/>
+                <a:latin typeface="D2Coding" panose="020B0609020101020101" pitchFamily="49" charset="-127"/>
+                <a:ea typeface="D2Coding" panose="020B0609020101020101" pitchFamily="49" charset="-127"/>
+              </a:rPr>
+              <a:t>:</a:t>
+            </a:r>
+            <a:r>
+              <a:rPr lang="en-US" altLang="ko-KR" sz="800" b="0">
+                <a:solidFill>
+                  <a:srgbClr val="333333"/>
+                </a:solidFill>
+                <a:effectLst/>
+                <a:latin typeface="D2Coding" panose="020B0609020101020101" pitchFamily="49" charset="-127"/>
+                <a:ea typeface="D2Coding" panose="020B0609020101020101" pitchFamily="49" charset="-127"/>
+              </a:rPr>
+              <a:t> </a:t>
+            </a:r>
+            <a:r>
+              <a:rPr lang="en-US" altLang="ko-KR" sz="800" b="0">
+                <a:solidFill>
+                  <a:srgbClr val="9C5D27"/>
+                </a:solidFill>
+                <a:effectLst/>
+                <a:latin typeface="D2Coding" panose="020B0609020101020101" pitchFamily="49" charset="-127"/>
+                <a:ea typeface="D2Coding" panose="020B0609020101020101" pitchFamily="49" charset="-127"/>
+              </a:rPr>
+              <a:t>5</a:t>
+            </a:r>
+            <a:r>
+              <a:rPr lang="en-US" altLang="ko-KR" sz="800" b="0">
+                <a:solidFill>
+                  <a:srgbClr val="333333"/>
+                </a:solidFill>
+                <a:effectLst/>
+                <a:latin typeface="D2Coding" panose="020B0609020101020101" pitchFamily="49" charset="-127"/>
+                <a:ea typeface="D2Coding" panose="020B0609020101020101" pitchFamily="49" charset="-127"/>
+              </a:rPr>
+              <a:t> </a:t>
+            </a:r>
+            <a:r>
+              <a:rPr lang="en-US" altLang="ko-KR" sz="800" b="0">
+                <a:solidFill>
+                  <a:srgbClr val="777777"/>
+                </a:solidFill>
+                <a:effectLst/>
+                <a:latin typeface="D2Coding" panose="020B0609020101020101" pitchFamily="49" charset="-127"/>
+                <a:ea typeface="D2Coding" panose="020B0609020101020101" pitchFamily="49" charset="-127"/>
+              </a:rPr>
+              <a:t>}</a:t>
+            </a:r>
+            <a:r>
+              <a:rPr lang="en-US" altLang="ko-KR" sz="800" b="0">
+                <a:solidFill>
+                  <a:srgbClr val="333333"/>
+                </a:solidFill>
+                <a:effectLst/>
+                <a:latin typeface="D2Coding" panose="020B0609020101020101" pitchFamily="49" charset="-127"/>
+                <a:ea typeface="D2Coding" panose="020B0609020101020101" pitchFamily="49" charset="-127"/>
+              </a:rPr>
+              <a:t>))</a:t>
+            </a:r>
+            <a:r>
+              <a:rPr lang="en-US" altLang="ko-KR" sz="800" b="0">
+                <a:solidFill>
+                  <a:srgbClr val="777777"/>
+                </a:solidFill>
+                <a:effectLst/>
+                <a:latin typeface="D2Coding" panose="020B0609020101020101" pitchFamily="49" charset="-127"/>
+                <a:ea typeface="D2Coding" panose="020B0609020101020101" pitchFamily="49" charset="-127"/>
+              </a:rPr>
+              <a:t>;</a:t>
+            </a:r>
+            <a:endParaRPr lang="en-US" altLang="ko-KR" sz="800" b="0">
+              <a:solidFill>
+                <a:srgbClr val="333333"/>
+              </a:solidFill>
+              <a:effectLst/>
+              <a:latin typeface="D2Coding" panose="020B0609020101020101" pitchFamily="49" charset="-127"/>
+              <a:ea typeface="D2Coding" panose="020B0609020101020101" pitchFamily="49" charset="-127"/>
+            </a:endParaRPr>
+          </a:p>
+          <a:p>
+            <a:r>
+              <a:rPr lang="en-US" altLang="ko-KR" sz="800" b="0">
+                <a:solidFill>
+                  <a:srgbClr val="333333"/>
+                </a:solidFill>
+                <a:effectLst/>
+                <a:latin typeface="D2Coding" panose="020B0609020101020101" pitchFamily="49" charset="-127"/>
+                <a:ea typeface="D2Coding" panose="020B0609020101020101" pitchFamily="49" charset="-127"/>
+              </a:rPr>
+              <a:t>  </a:t>
+            </a:r>
+            <a:r>
+              <a:rPr lang="en-US" altLang="ko-KR" sz="800" b="0" i="1">
+                <a:solidFill>
+                  <a:srgbClr val="448C27"/>
+                </a:solidFill>
+                <a:effectLst/>
+                <a:latin typeface="D2Coding" panose="020B0609020101020101" pitchFamily="49" charset="-127"/>
+                <a:ea typeface="D2Coding" panose="020B0609020101020101" pitchFamily="49" charset="-127"/>
+              </a:rPr>
+              <a:t>/**</a:t>
+            </a:r>
+            <a:endParaRPr lang="en-US" altLang="ko-KR" sz="800" b="0">
+              <a:solidFill>
+                <a:srgbClr val="333333"/>
+              </a:solidFill>
+              <a:effectLst/>
+              <a:latin typeface="D2Coding" panose="020B0609020101020101" pitchFamily="49" charset="-127"/>
+              <a:ea typeface="D2Coding" panose="020B0609020101020101" pitchFamily="49" charset="-127"/>
+            </a:endParaRPr>
+          </a:p>
+          <a:p>
+            <a:r>
+              <a:rPr lang="en-US" altLang="ko-KR" sz="800" b="0" i="1">
+                <a:solidFill>
+                  <a:srgbClr val="448C27"/>
+                </a:solidFill>
+                <a:effectLst/>
+                <a:latin typeface="D2Coding" panose="020B0609020101020101" pitchFamily="49" charset="-127"/>
+                <a:ea typeface="D2Coding" panose="020B0609020101020101" pitchFamily="49" charset="-127"/>
+              </a:rPr>
+              <a:t>        </a:t>
+            </a:r>
+            <a:r>
+              <a:rPr lang="ko-KR" altLang="en-US" sz="800" b="0" i="1">
+                <a:solidFill>
+                  <a:srgbClr val="448C27"/>
+                </a:solidFill>
+                <a:effectLst/>
+                <a:latin typeface="D2Coding" panose="020B0609020101020101" pitchFamily="49" charset="-127"/>
+                <a:ea typeface="D2Coding" panose="020B0609020101020101" pitchFamily="49" charset="-127"/>
+              </a:rPr>
+              <a:t>돌고래 </a:t>
+            </a:r>
+            <a:r>
+              <a:rPr lang="en-US" altLang="ko-KR" sz="800" b="0" i="1">
+                <a:solidFill>
+                  <a:srgbClr val="448C27"/>
+                </a:solidFill>
+                <a:effectLst/>
+                <a:latin typeface="D2Coding" panose="020B0609020101020101" pitchFamily="49" charset="-127"/>
+                <a:ea typeface="D2Coding" panose="020B0609020101020101" pitchFamily="49" charset="-127"/>
+              </a:rPr>
+              <a:t>{</a:t>
+            </a:r>
+            <a:endParaRPr lang="ko-KR" altLang="en-US" sz="800" b="0">
+              <a:solidFill>
+                <a:srgbClr val="333333"/>
+              </a:solidFill>
+              <a:effectLst/>
+              <a:latin typeface="D2Coding" panose="020B0609020101020101" pitchFamily="49" charset="-127"/>
+              <a:ea typeface="D2Coding" panose="020B0609020101020101" pitchFamily="49" charset="-127"/>
+            </a:endParaRPr>
+          </a:p>
+          <a:p>
+            <a:r>
+              <a:rPr lang="ko-KR" altLang="en-US" sz="800" b="0" i="1">
+                <a:solidFill>
+                  <a:srgbClr val="448C27"/>
+                </a:solidFill>
+                <a:effectLst/>
+                <a:latin typeface="D2Coding" panose="020B0609020101020101" pitchFamily="49" charset="-127"/>
+                <a:ea typeface="D2Coding" panose="020B0609020101020101" pitchFamily="49" charset="-127"/>
+              </a:rPr>
+              <a:t>        </a:t>
+            </a:r>
+            <a:r>
+              <a:rPr lang="en-US" altLang="ko-KR" sz="800" b="0" i="1">
+                <a:solidFill>
+                  <a:srgbClr val="448C27"/>
+                </a:solidFill>
+                <a:effectLst/>
+                <a:latin typeface="D2Coding" panose="020B0609020101020101" pitchFamily="49" charset="-127"/>
+                <a:ea typeface="D2Coding" panose="020B0609020101020101" pitchFamily="49" charset="-127"/>
+              </a:rPr>
+              <a:t>_classificationDelegate: </a:t>
+            </a:r>
+            <a:r>
+              <a:rPr lang="ko-KR" altLang="en-US" sz="800" b="0" i="1">
+                <a:solidFill>
+                  <a:srgbClr val="448C27"/>
+                </a:solidFill>
+                <a:effectLst/>
+                <a:latin typeface="D2Coding" panose="020B0609020101020101" pitchFamily="49" charset="-127"/>
+                <a:ea typeface="D2Coding" panose="020B0609020101020101" pitchFamily="49" charset="-127"/>
+              </a:rPr>
+              <a:t>놀이동산델리게이트 </a:t>
+            </a:r>
+            <a:r>
+              <a:rPr lang="en-US" altLang="ko-KR" sz="800" b="0" i="1">
+                <a:solidFill>
+                  <a:srgbClr val="448C27"/>
+                </a:solidFill>
+                <a:effectLst/>
+                <a:latin typeface="D2Coding" panose="020B0609020101020101" pitchFamily="49" charset="-127"/>
+                <a:ea typeface="D2Coding" panose="020B0609020101020101" pitchFamily="49" charset="-127"/>
+              </a:rPr>
+              <a:t>{</a:t>
+            </a:r>
+            <a:endParaRPr lang="ko-KR" altLang="en-US" sz="800" b="0">
+              <a:solidFill>
+                <a:srgbClr val="333333"/>
+              </a:solidFill>
+              <a:effectLst/>
+              <a:latin typeface="D2Coding" panose="020B0609020101020101" pitchFamily="49" charset="-127"/>
+              <a:ea typeface="D2Coding" panose="020B0609020101020101" pitchFamily="49" charset="-127"/>
+            </a:endParaRPr>
+          </a:p>
+          <a:p>
+            <a:r>
+              <a:rPr lang="ko-KR" altLang="en-US" sz="800" b="0" i="1">
+                <a:solidFill>
+                  <a:srgbClr val="448C27"/>
+                </a:solidFill>
+                <a:effectLst/>
+                <a:latin typeface="D2Coding" panose="020B0609020101020101" pitchFamily="49" charset="-127"/>
+                <a:ea typeface="D2Coding" panose="020B0609020101020101" pitchFamily="49" charset="-127"/>
+              </a:rPr>
+              <a:t>          </a:t>
+            </a:r>
+            <a:r>
+              <a:rPr lang="en-US" altLang="ko-KR" sz="800" b="0" i="1">
+                <a:solidFill>
+                  <a:srgbClr val="448C27"/>
+                </a:solidFill>
+                <a:effectLst/>
+                <a:latin typeface="D2Coding" panose="020B0609020101020101" pitchFamily="49" charset="-127"/>
+                <a:ea typeface="D2Coding" panose="020B0609020101020101" pitchFamily="49" charset="-127"/>
+              </a:rPr>
+              <a:t>bookingCount: undefined</a:t>
+            </a:r>
+            <a:endParaRPr lang="en-US" altLang="ko-KR" sz="800" b="0">
+              <a:solidFill>
+                <a:srgbClr val="333333"/>
+              </a:solidFill>
+              <a:effectLst/>
+              <a:latin typeface="D2Coding" panose="020B0609020101020101" pitchFamily="49" charset="-127"/>
+              <a:ea typeface="D2Coding" panose="020B0609020101020101" pitchFamily="49" charset="-127"/>
+            </a:endParaRPr>
+          </a:p>
+          <a:p>
+            <a:r>
+              <a:rPr lang="en-US" altLang="ko-KR" sz="800" b="0" i="1">
+                <a:solidFill>
+                  <a:srgbClr val="448C27"/>
+                </a:solidFill>
+                <a:effectLst/>
+                <a:latin typeface="D2Coding" panose="020B0609020101020101" pitchFamily="49" charset="-127"/>
+                <a:ea typeface="D2Coding" panose="020B0609020101020101" pitchFamily="49" charset="-127"/>
+              </a:rPr>
+              <a:t>        }</a:t>
+            </a:r>
+            <a:endParaRPr lang="en-US" altLang="ko-KR" sz="800" b="0">
+              <a:solidFill>
+                <a:srgbClr val="333333"/>
+              </a:solidFill>
+              <a:effectLst/>
+              <a:latin typeface="D2Coding" panose="020B0609020101020101" pitchFamily="49" charset="-127"/>
+              <a:ea typeface="D2Coding" panose="020B0609020101020101" pitchFamily="49" charset="-127"/>
+            </a:endParaRPr>
+          </a:p>
+          <a:p>
+            <a:r>
+              <a:rPr lang="en-US" altLang="ko-KR" sz="800" b="0" i="1">
+                <a:solidFill>
+                  <a:srgbClr val="448C27"/>
+                </a:solidFill>
+                <a:effectLst/>
+                <a:latin typeface="D2Coding" panose="020B0609020101020101" pitchFamily="49" charset="-127"/>
+                <a:ea typeface="D2Coding" panose="020B0609020101020101" pitchFamily="49" charset="-127"/>
+              </a:rPr>
+              <a:t>      }</a:t>
+            </a:r>
+            <a:endParaRPr lang="en-US" altLang="ko-KR" sz="800" b="0">
+              <a:solidFill>
+                <a:srgbClr val="333333"/>
+              </a:solidFill>
+              <a:effectLst/>
+              <a:latin typeface="D2Coding" panose="020B0609020101020101" pitchFamily="49" charset="-127"/>
+              <a:ea typeface="D2Coding" panose="020B0609020101020101" pitchFamily="49" charset="-127"/>
+            </a:endParaRPr>
+          </a:p>
+          <a:p>
+            <a:r>
+              <a:rPr lang="en-US" altLang="ko-KR" sz="800" b="0" i="1">
+                <a:solidFill>
+                  <a:srgbClr val="448C27"/>
+                </a:solidFill>
+                <a:effectLst/>
+                <a:latin typeface="D2Coding" panose="020B0609020101020101" pitchFamily="49" charset="-127"/>
+                <a:ea typeface="D2Coding" panose="020B0609020101020101" pitchFamily="49" charset="-127"/>
+              </a:rPr>
+              <a:t>   */</a:t>
+            </a:r>
+            <a:endParaRPr lang="en-US" altLang="ko-KR" sz="800" b="0">
+              <a:solidFill>
+                <a:srgbClr val="333333"/>
+              </a:solidFill>
+              <a:effectLst/>
+              <a:latin typeface="D2Coding" panose="020B0609020101020101" pitchFamily="49" charset="-127"/>
+              <a:ea typeface="D2Coding" panose="020B0609020101020101" pitchFamily="49" charset="-127"/>
+            </a:endParaRPr>
+          </a:p>
+          <a:p>
+            <a:r>
+              <a:rPr lang="en-US" altLang="ko-KR" sz="800" b="0">
+                <a:solidFill>
+                  <a:srgbClr val="777777"/>
+                </a:solidFill>
+                <a:effectLst/>
+                <a:latin typeface="D2Coding" panose="020B0609020101020101" pitchFamily="49" charset="-127"/>
+                <a:ea typeface="D2Coding" panose="020B0609020101020101" pitchFamily="49" charset="-127"/>
+              </a:rPr>
+              <a:t>}</a:t>
+            </a:r>
+            <a:r>
+              <a:rPr lang="en-US" altLang="ko-KR" sz="800" b="0">
+                <a:solidFill>
+                  <a:srgbClr val="333333"/>
+                </a:solidFill>
+                <a:effectLst/>
+                <a:latin typeface="D2Coding" panose="020B0609020101020101" pitchFamily="49" charset="-127"/>
+                <a:ea typeface="D2Coding" panose="020B0609020101020101" pitchFamily="49" charset="-127"/>
+              </a:rPr>
+              <a:t>)()</a:t>
+            </a:r>
+            <a:r>
+              <a:rPr lang="en-US" altLang="ko-KR" sz="800" b="0">
+                <a:solidFill>
+                  <a:srgbClr val="777777"/>
+                </a:solidFill>
+                <a:effectLst/>
+                <a:latin typeface="D2Coding" panose="020B0609020101020101" pitchFamily="49" charset="-127"/>
+                <a:ea typeface="D2Coding" panose="020B0609020101020101" pitchFamily="49" charset="-127"/>
+              </a:rPr>
+              <a:t>;</a:t>
+            </a:r>
+            <a:endParaRPr lang="en-US" altLang="ko-KR" sz="800" b="0">
+              <a:solidFill>
+                <a:srgbClr val="333333"/>
+              </a:solidFill>
+              <a:effectLst/>
+              <a:latin typeface="D2Coding" panose="020B0609020101020101" pitchFamily="49" charset="-127"/>
+              <a:ea typeface="D2Coding" panose="020B0609020101020101" pitchFamily="49" charset="-127"/>
+            </a:endParaRPr>
+          </a:p>
+          <a:p>
+            <a:br>
+              <a:rPr lang="en-US" altLang="ko-KR" sz="800" b="0">
+                <a:solidFill>
+                  <a:srgbClr val="333333"/>
+                </a:solidFill>
+                <a:effectLst/>
+                <a:latin typeface="D2Coding" panose="020B0609020101020101" pitchFamily="49" charset="-127"/>
+                <a:ea typeface="D2Coding" panose="020B0609020101020101" pitchFamily="49" charset="-127"/>
+              </a:rPr>
+            </a:br>
+            <a:endParaRPr lang="en-US" altLang="ko-KR" sz="800" b="0">
+              <a:solidFill>
+                <a:srgbClr val="333333"/>
+              </a:solidFill>
+              <a:effectLst/>
+              <a:latin typeface="D2Coding" panose="020B0609020101020101" pitchFamily="49" charset="-127"/>
+              <a:ea typeface="D2Coding" panose="020B0609020101020101" pitchFamily="49" charset="-127"/>
             </a:endParaRPr>
           </a:p>
         </p:txBody>
